--- a/Презентація Диплом.pptx
+++ b/Презентація Диплом.pptx
@@ -5,27 +5,30 @@
     <p:sldMasterId id="2147483648" r:id="rId4"/>
   </p:sldMasterIdLst>
   <p:notesMasterIdLst>
-    <p:notesMasterId r:id="rId20"/>
+    <p:notesMasterId r:id="rId23"/>
   </p:notesMasterIdLst>
   <p:handoutMasterIdLst>
-    <p:handoutMasterId r:id="rId21"/>
+    <p:handoutMasterId r:id="rId24"/>
   </p:handoutMasterIdLst>
   <p:sldIdLst>
     <p:sldId id="322" r:id="rId5"/>
-    <p:sldId id="323" r:id="rId6"/>
-    <p:sldId id="335" r:id="rId7"/>
+    <p:sldId id="335" r:id="rId6"/>
+    <p:sldId id="323" r:id="rId7"/>
     <p:sldId id="324" r:id="rId8"/>
     <p:sldId id="325" r:id="rId9"/>
     <p:sldId id="320" r:id="rId10"/>
     <p:sldId id="327" r:id="rId11"/>
-    <p:sldId id="328" r:id="rId12"/>
-    <p:sldId id="329" r:id="rId13"/>
-    <p:sldId id="336" r:id="rId14"/>
-    <p:sldId id="338" r:id="rId15"/>
-    <p:sldId id="337" r:id="rId16"/>
-    <p:sldId id="331" r:id="rId17"/>
-    <p:sldId id="332" r:id="rId18"/>
-    <p:sldId id="310" r:id="rId19"/>
+    <p:sldId id="339" r:id="rId12"/>
+    <p:sldId id="340" r:id="rId13"/>
+    <p:sldId id="341" r:id="rId14"/>
+    <p:sldId id="328" r:id="rId15"/>
+    <p:sldId id="329" r:id="rId16"/>
+    <p:sldId id="336" r:id="rId17"/>
+    <p:sldId id="338" r:id="rId18"/>
+    <p:sldId id="337" r:id="rId19"/>
+    <p:sldId id="331" r:id="rId20"/>
+    <p:sldId id="332" r:id="rId21"/>
+    <p:sldId id="310" r:id="rId22"/>
   </p:sldIdLst>
   <p:sldSz cx="12192000" cy="6858000"/>
   <p:notesSz cx="6858000" cy="9144000"/>
@@ -247,7 +250,7 @@
           <a:p>
             <a:fld id="{4BE6205E-B305-4B90-9534-3C5E99A0275E}" type="datetimeFigureOut">
               <a:rPr lang="en-US" smtClean="0"/>
-              <a:t>6/26/2025</a:t>
+              <a:t>6/27/2025</a:t>
             </a:fld>
             <a:endParaRPr lang="en-US" dirty="0"/>
           </a:p>
@@ -424,7 +427,7 @@
           <a:p>
             <a:fld id="{233722F1-E430-42A1-A473-1759336AECCE}" type="datetimeFigureOut">
               <a:rPr lang="en-US" smtClean="0"/>
-              <a:t>6/26/2025</a:t>
+              <a:t>6/27/2025</a:t>
             </a:fld>
             <a:endParaRPr lang="en-US" dirty="0"/>
           </a:p>
@@ -726,7 +729,7 @@
                 <a16:creationId xmlns:a16="http://schemas.microsoft.com/office/drawing/2014/main" id="{E1B5E70F-EF03-B535-2505-BC971E3BC36D}"/>
               </a:ext>
               <a:ext uri="{C183D7F6-B498-43B3-948B-1728B52AA6E4}">
-                <adec:decorative xmlns:adec="http://schemas.microsoft.com/office/drawing/2017/decorative" xmlns="" val="1"/>
+                <adec:decorative xmlns="" xmlns:adec="http://schemas.microsoft.com/office/drawing/2017/decorative" val="1"/>
               </a:ext>
             </a:extLst>
           </p:cNvPr>
@@ -784,7 +787,7 @@
                 <a16:creationId xmlns:a16="http://schemas.microsoft.com/office/drawing/2014/main" id="{8794424E-93DD-A404-D05E-EF6030A76D3B}"/>
               </a:ext>
               <a:ext uri="{C183D7F6-B498-43B3-948B-1728B52AA6E4}">
-                <adec:decorative xmlns:adec="http://schemas.microsoft.com/office/drawing/2017/decorative" xmlns="" val="1"/>
+                <adec:decorative xmlns="" xmlns:adec="http://schemas.microsoft.com/office/drawing/2017/decorative" val="1"/>
               </a:ext>
             </a:extLst>
           </p:cNvPr>
@@ -833,7 +836,7 @@
                 <a16:creationId xmlns:a16="http://schemas.microsoft.com/office/drawing/2014/main" id="{B03A3B6B-5129-A46A-A20C-5D7BC706C9B1}"/>
               </a:ext>
               <a:ext uri="{C183D7F6-B498-43B3-948B-1728B52AA6E4}">
-                <adec:decorative xmlns:adec="http://schemas.microsoft.com/office/drawing/2017/decorative" xmlns="" val="1"/>
+                <adec:decorative xmlns="" xmlns:adec="http://schemas.microsoft.com/office/drawing/2017/decorative" val="1"/>
               </a:ext>
             </a:extLst>
           </p:cNvPr>
@@ -1178,7 +1181,7 @@
                 <a16:creationId xmlns:a16="http://schemas.microsoft.com/office/drawing/2014/main" id="{94389812-0415-9025-AB21-4503F7DF3AB5}"/>
               </a:ext>
               <a:ext uri="{C183D7F6-B498-43B3-948B-1728B52AA6E4}">
-                <adec:decorative xmlns:adec="http://schemas.microsoft.com/office/drawing/2017/decorative" xmlns="" val="1"/>
+                <adec:decorative xmlns="" xmlns:adec="http://schemas.microsoft.com/office/drawing/2017/decorative" val="1"/>
               </a:ext>
             </a:extLst>
           </p:cNvPr>
@@ -1236,7 +1239,7 @@
                 <a16:creationId xmlns:a16="http://schemas.microsoft.com/office/drawing/2014/main" id="{6459A5A0-86AD-344B-A0E4-6C55958151EE}"/>
               </a:ext>
               <a:ext uri="{C183D7F6-B498-43B3-948B-1728B52AA6E4}">
-                <adec:decorative xmlns:adec="http://schemas.microsoft.com/office/drawing/2017/decorative" xmlns="" val="1"/>
+                <adec:decorative xmlns="" xmlns:adec="http://schemas.microsoft.com/office/drawing/2017/decorative" val="1"/>
               </a:ext>
             </a:extLst>
           </p:cNvPr>
@@ -1361,7 +1364,7 @@
                 <a16:creationId xmlns:a16="http://schemas.microsoft.com/office/drawing/2014/main" id="{94389812-0415-9025-AB21-4503F7DF3AB5}"/>
               </a:ext>
               <a:ext uri="{C183D7F6-B498-43B3-948B-1728B52AA6E4}">
-                <adec:decorative xmlns:adec="http://schemas.microsoft.com/office/drawing/2017/decorative" xmlns="" val="1"/>
+                <adec:decorative xmlns="" xmlns:adec="http://schemas.microsoft.com/office/drawing/2017/decorative" val="1"/>
               </a:ext>
             </a:extLst>
           </p:cNvPr>
@@ -1419,7 +1422,7 @@
                 <a16:creationId xmlns:a16="http://schemas.microsoft.com/office/drawing/2014/main" id="{6459A5A0-86AD-344B-A0E4-6C55958151EE}"/>
               </a:ext>
               <a:ext uri="{C183D7F6-B498-43B3-948B-1728B52AA6E4}">
-                <adec:decorative xmlns:adec="http://schemas.microsoft.com/office/drawing/2017/decorative" xmlns="" val="1"/>
+                <adec:decorative xmlns="" xmlns:adec="http://schemas.microsoft.com/office/drawing/2017/decorative" val="1"/>
               </a:ext>
             </a:extLst>
           </p:cNvPr>
@@ -1791,7 +1794,7 @@
                 <a16:creationId xmlns:a16="http://schemas.microsoft.com/office/drawing/2014/main" id="{94389812-0415-9025-AB21-4503F7DF3AB5}"/>
               </a:ext>
               <a:ext uri="{C183D7F6-B498-43B3-948B-1728B52AA6E4}">
-                <adec:decorative xmlns:adec="http://schemas.microsoft.com/office/drawing/2017/decorative" xmlns="" val="1"/>
+                <adec:decorative xmlns="" xmlns:adec="http://schemas.microsoft.com/office/drawing/2017/decorative" val="1"/>
               </a:ext>
             </a:extLst>
           </p:cNvPr>
@@ -1849,7 +1852,7 @@
                 <a16:creationId xmlns:a16="http://schemas.microsoft.com/office/drawing/2014/main" id="{6459A5A0-86AD-344B-A0E4-6C55958151EE}"/>
               </a:ext>
               <a:ext uri="{C183D7F6-B498-43B3-948B-1728B52AA6E4}">
-                <adec:decorative xmlns:adec="http://schemas.microsoft.com/office/drawing/2017/decorative" xmlns="" val="1"/>
+                <adec:decorative xmlns="" xmlns:adec="http://schemas.microsoft.com/office/drawing/2017/decorative" val="1"/>
               </a:ext>
             </a:extLst>
           </p:cNvPr>
@@ -2051,7 +2054,7 @@
                 <a16:creationId xmlns:a16="http://schemas.microsoft.com/office/drawing/2014/main" id="{E1B5E70F-EF03-B535-2505-BC971E3BC36D}"/>
               </a:ext>
               <a:ext uri="{C183D7F6-B498-43B3-948B-1728B52AA6E4}">
-                <adec:decorative xmlns:adec="http://schemas.microsoft.com/office/drawing/2017/decorative" xmlns="" val="1"/>
+                <adec:decorative xmlns="" xmlns:adec="http://schemas.microsoft.com/office/drawing/2017/decorative" val="1"/>
               </a:ext>
             </a:extLst>
           </p:cNvPr>
@@ -2109,7 +2112,7 @@
                 <a16:creationId xmlns:a16="http://schemas.microsoft.com/office/drawing/2014/main" id="{8794424E-93DD-A404-D05E-EF6030A76D3B}"/>
               </a:ext>
               <a:ext uri="{C183D7F6-B498-43B3-948B-1728B52AA6E4}">
-                <adec:decorative xmlns:adec="http://schemas.microsoft.com/office/drawing/2017/decorative" xmlns="" val="1"/>
+                <adec:decorative xmlns="" xmlns:adec="http://schemas.microsoft.com/office/drawing/2017/decorative" val="1"/>
               </a:ext>
             </a:extLst>
           </p:cNvPr>
@@ -2158,7 +2161,7 @@
                 <a16:creationId xmlns:a16="http://schemas.microsoft.com/office/drawing/2014/main" id="{B03A3B6B-5129-A46A-A20C-5D7BC706C9B1}"/>
               </a:ext>
               <a:ext uri="{C183D7F6-B498-43B3-948B-1728B52AA6E4}">
-                <adec:decorative xmlns:adec="http://schemas.microsoft.com/office/drawing/2017/decorative" xmlns="" val="1"/>
+                <adec:decorative xmlns="" xmlns:adec="http://schemas.microsoft.com/office/drawing/2017/decorative" val="1"/>
               </a:ext>
             </a:extLst>
           </p:cNvPr>
@@ -2619,7 +2622,7 @@
                 <a16:creationId xmlns:a16="http://schemas.microsoft.com/office/drawing/2014/main" id="{45FE61D9-DA99-9DA5-5DD2-C4118066CA63}"/>
               </a:ext>
               <a:ext uri="{C183D7F6-B498-43B3-948B-1728B52AA6E4}">
-                <adec:decorative xmlns:adec="http://schemas.microsoft.com/office/drawing/2017/decorative" xmlns="" val="1"/>
+                <adec:decorative xmlns="" xmlns:adec="http://schemas.microsoft.com/office/drawing/2017/decorative" val="1"/>
               </a:ext>
             </a:extLst>
           </p:cNvPr>
@@ -2667,7 +2670,7 @@
                 <a16:creationId xmlns:a16="http://schemas.microsoft.com/office/drawing/2014/main" id="{CE64603E-965E-E3BF-203B-F4D99428203D}"/>
               </a:ext>
               <a:ext uri="{C183D7F6-B498-43B3-948B-1728B52AA6E4}">
-                <adec:decorative xmlns:adec="http://schemas.microsoft.com/office/drawing/2017/decorative" xmlns="" val="1"/>
+                <adec:decorative xmlns="" xmlns:adec="http://schemas.microsoft.com/office/drawing/2017/decorative" val="1"/>
               </a:ext>
             </a:extLst>
           </p:cNvPr>
@@ -2880,7 +2883,7 @@
                 <a16:creationId xmlns:a16="http://schemas.microsoft.com/office/drawing/2014/main" id="{49C76C37-CBD2-36CF-1413-53DD1CB4A545}"/>
               </a:ext>
               <a:ext uri="{C183D7F6-B498-43B3-948B-1728B52AA6E4}">
-                <adec:decorative xmlns:adec="http://schemas.microsoft.com/office/drawing/2017/decorative" xmlns="" val="1"/>
+                <adec:decorative xmlns="" xmlns:adec="http://schemas.microsoft.com/office/drawing/2017/decorative" val="1"/>
               </a:ext>
             </a:extLst>
           </p:cNvPr>
@@ -2938,7 +2941,7 @@
                 <a16:creationId xmlns:a16="http://schemas.microsoft.com/office/drawing/2014/main" id="{510D1AAD-E663-5B8E-CE72-64C1DBF19CE0}"/>
               </a:ext>
               <a:ext uri="{C183D7F6-B498-43B3-948B-1728B52AA6E4}">
-                <adec:decorative xmlns:adec="http://schemas.microsoft.com/office/drawing/2017/decorative" xmlns="" val="1"/>
+                <adec:decorative xmlns="" xmlns:adec="http://schemas.microsoft.com/office/drawing/2017/decorative" val="1"/>
               </a:ext>
             </a:extLst>
           </p:cNvPr>
@@ -2996,7 +2999,7 @@
                 <a16:creationId xmlns:a16="http://schemas.microsoft.com/office/drawing/2014/main" id="{EC250190-89C1-EAA3-6C2A-15A60C6754F5}"/>
               </a:ext>
               <a:ext uri="{C183D7F6-B498-43B3-948B-1728B52AA6E4}">
-                <adec:decorative xmlns:adec="http://schemas.microsoft.com/office/drawing/2017/decorative" xmlns="" val="1"/>
+                <adec:decorative xmlns="" xmlns:adec="http://schemas.microsoft.com/office/drawing/2017/decorative" val="1"/>
               </a:ext>
             </a:extLst>
           </p:cNvPr>
@@ -3164,7 +3167,7 @@
                 <a16:creationId xmlns:a16="http://schemas.microsoft.com/office/drawing/2014/main" id="{49C76C37-CBD2-36CF-1413-53DD1CB4A545}"/>
               </a:ext>
               <a:ext uri="{C183D7F6-B498-43B3-948B-1728B52AA6E4}">
-                <adec:decorative xmlns:adec="http://schemas.microsoft.com/office/drawing/2017/decorative" xmlns="" val="1"/>
+                <adec:decorative xmlns="" xmlns:adec="http://schemas.microsoft.com/office/drawing/2017/decorative" val="1"/>
               </a:ext>
             </a:extLst>
           </p:cNvPr>
@@ -3222,7 +3225,7 @@
                 <a16:creationId xmlns:a16="http://schemas.microsoft.com/office/drawing/2014/main" id="{510D1AAD-E663-5B8E-CE72-64C1DBF19CE0}"/>
               </a:ext>
               <a:ext uri="{C183D7F6-B498-43B3-948B-1728B52AA6E4}">
-                <adec:decorative xmlns:adec="http://schemas.microsoft.com/office/drawing/2017/decorative" xmlns="" val="1"/>
+                <adec:decorative xmlns="" xmlns:adec="http://schemas.microsoft.com/office/drawing/2017/decorative" val="1"/>
               </a:ext>
             </a:extLst>
           </p:cNvPr>
@@ -3280,7 +3283,7 @@
                 <a16:creationId xmlns:a16="http://schemas.microsoft.com/office/drawing/2014/main" id="{EC250190-89C1-EAA3-6C2A-15A60C6754F5}"/>
               </a:ext>
               <a:ext uri="{C183D7F6-B498-43B3-948B-1728B52AA6E4}">
-                <adec:decorative xmlns:adec="http://schemas.microsoft.com/office/drawing/2017/decorative" xmlns="" val="1"/>
+                <adec:decorative xmlns="" xmlns:adec="http://schemas.microsoft.com/office/drawing/2017/decorative" val="1"/>
               </a:ext>
             </a:extLst>
           </p:cNvPr>
@@ -3589,7 +3592,7 @@
                 <a16:creationId xmlns:a16="http://schemas.microsoft.com/office/drawing/2014/main" id="{45FE61D9-DA99-9DA5-5DD2-C4118066CA63}"/>
               </a:ext>
               <a:ext uri="{C183D7F6-B498-43B3-948B-1728B52AA6E4}">
-                <adec:decorative xmlns:adec="http://schemas.microsoft.com/office/drawing/2017/decorative" xmlns="" val="1"/>
+                <adec:decorative xmlns="" xmlns:adec="http://schemas.microsoft.com/office/drawing/2017/decorative" val="1"/>
               </a:ext>
             </a:extLst>
           </p:cNvPr>
@@ -3637,7 +3640,7 @@
                 <a16:creationId xmlns:a16="http://schemas.microsoft.com/office/drawing/2014/main" id="{CE64603E-965E-E3BF-203B-F4D99428203D}"/>
               </a:ext>
               <a:ext uri="{C183D7F6-B498-43B3-948B-1728B52AA6E4}">
-                <adec:decorative xmlns:adec="http://schemas.microsoft.com/office/drawing/2017/decorative" xmlns="" val="1"/>
+                <adec:decorative xmlns="" xmlns:adec="http://schemas.microsoft.com/office/drawing/2017/decorative" val="1"/>
               </a:ext>
             </a:extLst>
           </p:cNvPr>
@@ -3809,7 +3812,7 @@
                 <a16:creationId xmlns:a16="http://schemas.microsoft.com/office/drawing/2014/main" id="{3901905E-33E7-852F-94E3-8E100B3D1E4A}"/>
               </a:ext>
               <a:ext uri="{C183D7F6-B498-43B3-948B-1728B52AA6E4}">
-                <adec:decorative xmlns:adec="http://schemas.microsoft.com/office/drawing/2017/decorative" xmlns="" val="1"/>
+                <adec:decorative xmlns="" xmlns:adec="http://schemas.microsoft.com/office/drawing/2017/decorative" val="1"/>
               </a:ext>
             </a:extLst>
           </p:cNvPr>
@@ -3864,7 +3867,7 @@
                 <a16:creationId xmlns:a16="http://schemas.microsoft.com/office/drawing/2014/main" id="{1B7799F7-CBB1-9649-7D06-F7EEFD4F0183}"/>
               </a:ext>
               <a:ext uri="{C183D7F6-B498-43B3-948B-1728B52AA6E4}">
-                <adec:decorative xmlns:adec="http://schemas.microsoft.com/office/drawing/2017/decorative" xmlns="" val="1"/>
+                <adec:decorative xmlns="" xmlns:adec="http://schemas.microsoft.com/office/drawing/2017/decorative" val="1"/>
               </a:ext>
             </a:extLst>
           </p:cNvPr>
@@ -3922,7 +3925,7 @@
                 <a16:creationId xmlns:a16="http://schemas.microsoft.com/office/drawing/2014/main" id="{B1AFC5CA-DB29-4B8C-C004-72E4EC761C3B}"/>
               </a:ext>
               <a:ext uri="{C183D7F6-B498-43B3-948B-1728B52AA6E4}">
-                <adec:decorative xmlns:adec="http://schemas.microsoft.com/office/drawing/2017/decorative" xmlns="" val="1"/>
+                <adec:decorative xmlns="" xmlns:adec="http://schemas.microsoft.com/office/drawing/2017/decorative" val="1"/>
               </a:ext>
             </a:extLst>
           </p:cNvPr>
@@ -4365,7 +4368,7 @@
                 <a16:creationId xmlns:a16="http://schemas.microsoft.com/office/drawing/2014/main" id="{94389812-0415-9025-AB21-4503F7DF3AB5}"/>
               </a:ext>
               <a:ext uri="{C183D7F6-B498-43B3-948B-1728B52AA6E4}">
-                <adec:decorative xmlns:adec="http://schemas.microsoft.com/office/drawing/2017/decorative" xmlns="" val="1"/>
+                <adec:decorative xmlns="" xmlns:adec="http://schemas.microsoft.com/office/drawing/2017/decorative" val="1"/>
               </a:ext>
             </a:extLst>
           </p:cNvPr>
@@ -4423,7 +4426,7 @@
                 <a16:creationId xmlns:a16="http://schemas.microsoft.com/office/drawing/2014/main" id="{6459A5A0-86AD-344B-A0E4-6C55958151EE}"/>
               </a:ext>
               <a:ext uri="{C183D7F6-B498-43B3-948B-1728B52AA6E4}">
-                <adec:decorative xmlns:adec="http://schemas.microsoft.com/office/drawing/2017/decorative" xmlns="" val="1"/>
+                <adec:decorative xmlns="" xmlns:adec="http://schemas.microsoft.com/office/drawing/2017/decorative" val="1"/>
               </a:ext>
             </a:extLst>
           </p:cNvPr>
@@ -4838,7 +4841,7 @@
                 <a16:creationId xmlns:a16="http://schemas.microsoft.com/office/drawing/2014/main" id="{94389812-0415-9025-AB21-4503F7DF3AB5}"/>
               </a:ext>
               <a:ext uri="{C183D7F6-B498-43B3-948B-1728B52AA6E4}">
-                <adec:decorative xmlns:adec="http://schemas.microsoft.com/office/drawing/2017/decorative" xmlns="" val="1"/>
+                <adec:decorative xmlns="" xmlns:adec="http://schemas.microsoft.com/office/drawing/2017/decorative" val="1"/>
               </a:ext>
             </a:extLst>
           </p:cNvPr>
@@ -4896,7 +4899,7 @@
                 <a16:creationId xmlns:a16="http://schemas.microsoft.com/office/drawing/2014/main" id="{6459A5A0-86AD-344B-A0E4-6C55958151EE}"/>
               </a:ext>
               <a:ext uri="{C183D7F6-B498-43B3-948B-1728B52AA6E4}">
-                <adec:decorative xmlns:adec="http://schemas.microsoft.com/office/drawing/2017/decorative" xmlns="" val="1"/>
+                <adec:decorative xmlns="" xmlns:adec="http://schemas.microsoft.com/office/drawing/2017/decorative" val="1"/>
               </a:ext>
             </a:extLst>
           </p:cNvPr>
@@ -5260,7 +5263,7 @@
                 <a16:creationId xmlns:a16="http://schemas.microsoft.com/office/drawing/2014/main" id="{94389812-0415-9025-AB21-4503F7DF3AB5}"/>
               </a:ext>
               <a:ext uri="{C183D7F6-B498-43B3-948B-1728B52AA6E4}">
-                <adec:decorative xmlns:adec="http://schemas.microsoft.com/office/drawing/2017/decorative" xmlns="" val="1"/>
+                <adec:decorative xmlns="" xmlns:adec="http://schemas.microsoft.com/office/drawing/2017/decorative" val="1"/>
               </a:ext>
             </a:extLst>
           </p:cNvPr>
@@ -5318,7 +5321,7 @@
                 <a16:creationId xmlns:a16="http://schemas.microsoft.com/office/drawing/2014/main" id="{6459A5A0-86AD-344B-A0E4-6C55958151EE}"/>
               </a:ext>
               <a:ext uri="{C183D7F6-B498-43B3-948B-1728B52AA6E4}">
-                <adec:decorative xmlns:adec="http://schemas.microsoft.com/office/drawing/2017/decorative" xmlns="" val="1"/>
+                <adec:decorative xmlns="" xmlns:adec="http://schemas.microsoft.com/office/drawing/2017/decorative" val="1"/>
               </a:ext>
             </a:extLst>
           </p:cNvPr>
@@ -6252,21 +6255,7 @@
                 <a:latin typeface="Times New Roman" panose="02020603050405020304" pitchFamily="18" charset="0"/>
                 <a:cs typeface="Times New Roman" panose="02020603050405020304" pitchFamily="18" charset="0"/>
               </a:rPr>
-              <a:t>Виконала: студентка групи </a:t>
-            </a:r>
-            <a:r>
-              <a:rPr lang="uk-UA" dirty="0" smtClean="0">
-                <a:latin typeface="Times New Roman" panose="02020603050405020304" pitchFamily="18" charset="0"/>
-                <a:cs typeface="Times New Roman" panose="02020603050405020304" pitchFamily="18" charset="0"/>
-              </a:rPr>
-              <a:t>ІСТ-</a:t>
-            </a:r>
-            <a:r>
-              <a:rPr lang="uk-UA" dirty="0" smtClean="0">
-                <a:latin typeface="Times New Roman" panose="02020603050405020304" pitchFamily="18" charset="0"/>
-                <a:cs typeface="Times New Roman" panose="02020603050405020304" pitchFamily="18" charset="0"/>
-              </a:rPr>
-              <a:t>21-1, Дешков </a:t>
+              <a:t>Виконала: студентка групи ІСТ-21-1, Дешков </a:t>
             </a:r>
             <a:r>
               <a:rPr lang="uk-UA" dirty="0" err="1" smtClean="0">
@@ -6334,14 +6323,7 @@
                 <a:latin typeface="Times New Roman" panose="02020603050405020304" pitchFamily="18" charset="0"/>
                 <a:cs typeface="Times New Roman" panose="02020603050405020304" pitchFamily="18" charset="0"/>
               </a:rPr>
-              <a:t>Керівник </a:t>
-            </a:r>
-            <a:r>
-              <a:rPr lang="uk-UA" sz="1800" dirty="0" smtClean="0">
-                <a:latin typeface="Times New Roman" panose="02020603050405020304" pitchFamily="18" charset="0"/>
-                <a:cs typeface="Times New Roman" panose="02020603050405020304" pitchFamily="18" charset="0"/>
-              </a:rPr>
-              <a:t>роботи Граф М.С.</a:t>
+              <a:t>Керівник роботи Граф М.С.</a:t>
             </a:r>
             <a:endParaRPr lang="en-US" sz="1800" dirty="0">
               <a:latin typeface="Times New Roman" panose="02020603050405020304" pitchFamily="18" charset="0"/>
@@ -6619,6 +6601,82 @@
       </p:pic>
       <p:sp>
         <p:nvSpPr>
+          <p:cNvPr id="4" name="Title 1">
+            <a:extLst>
+              <a:ext uri="{FF2B5EF4-FFF2-40B4-BE49-F238E27FC236}">
+                <a16:creationId xmlns:a16="http://schemas.microsoft.com/office/drawing/2014/main" id="{2CD97761-0B88-A5E8-0B78-C39173D05F4D}"/>
+              </a:ext>
+            </a:extLst>
+          </p:cNvPr>
+          <p:cNvSpPr>
+            <a:spLocks noGrp="1"/>
+          </p:cNvSpPr>
+          <p:nvPr>
+            <p:ph type="title"/>
+          </p:nvPr>
+        </p:nvSpPr>
+        <p:spPr>
+          <a:xfrm>
+            <a:off x="1330893" y="399411"/>
+            <a:ext cx="6553474" cy="944197"/>
+          </a:xfrm>
+        </p:spPr>
+        <p:txBody>
+          <a:bodyPr>
+            <a:normAutofit fontScale="90000"/>
+          </a:bodyPr>
+          <a:lstStyle/>
+          <a:p>
+            <a:r>
+              <a:rPr lang="uk-UA" sz="4000" dirty="0" smtClean="0">
+                <a:solidFill>
+                  <a:schemeClr val="accent2">
+                    <a:lumMod val="50000"/>
+                  </a:schemeClr>
+                </a:solidFill>
+                <a:latin typeface="Times New Roman" panose="02020603050405020304" pitchFamily="18" charset="0"/>
+                <a:cs typeface="Times New Roman" panose="02020603050405020304" pitchFamily="18" charset="0"/>
+              </a:rPr>
+              <a:t>Стани замовлення та </a:t>
+            </a:r>
+            <a:r>
+              <a:rPr lang="uk-UA" sz="4000" dirty="0" err="1" smtClean="0">
+                <a:solidFill>
+                  <a:schemeClr val="accent2">
+                    <a:lumMod val="50000"/>
+                  </a:schemeClr>
+                </a:solidFill>
+                <a:latin typeface="Times New Roman" panose="02020603050405020304" pitchFamily="18" charset="0"/>
+                <a:cs typeface="Times New Roman" panose="02020603050405020304" pitchFamily="18" charset="0"/>
+              </a:rPr>
+              <a:t>процесс</a:t>
+            </a:r>
+            <a:r>
+              <a:rPr lang="uk-UA" sz="4000" dirty="0" smtClean="0">
+                <a:solidFill>
+                  <a:schemeClr val="accent2">
+                    <a:lumMod val="50000"/>
+                  </a:schemeClr>
+                </a:solidFill>
+                <a:latin typeface="Times New Roman" panose="02020603050405020304" pitchFamily="18" charset="0"/>
+                <a:cs typeface="Times New Roman" panose="02020603050405020304" pitchFamily="18" charset="0"/>
+              </a:rPr>
+              <a:t> обробки</a:t>
+            </a:r>
+            <a:endParaRPr lang="en-US" sz="4000" dirty="0">
+              <a:solidFill>
+                <a:schemeClr val="accent2">
+                  <a:lumMod val="50000"/>
+                </a:schemeClr>
+              </a:solidFill>
+              <a:latin typeface="Times New Roman" panose="02020603050405020304" pitchFamily="18" charset="0"/>
+              <a:cs typeface="Times New Roman" panose="02020603050405020304" pitchFamily="18" charset="0"/>
+            </a:endParaRPr>
+          </a:p>
+        </p:txBody>
+      </p:sp>
+      <p:sp>
+        <p:nvSpPr>
           <p:cNvPr id="7" name="Title 1">
             <a:extLst>
               <a:ext uri="{FF2B5EF4-FFF2-40B4-BE49-F238E27FC236}">
@@ -6689,105 +6747,76 @@
           </a:p>
         </p:txBody>
       </p:sp>
-      <p:sp>
-        <p:nvSpPr>
-          <p:cNvPr id="8" name="Title 1">
-            <a:extLst>
-              <a:ext uri="{FF2B5EF4-FFF2-40B4-BE49-F238E27FC236}">
-                <a16:creationId xmlns:a16="http://schemas.microsoft.com/office/drawing/2014/main" id="{2CD97761-0B88-A5E8-0B78-C39173D05F4D}"/>
-              </a:ext>
-            </a:extLst>
-          </p:cNvPr>
-          <p:cNvSpPr txBox="1">
-            <a:spLocks/>
-          </p:cNvSpPr>
-          <p:nvPr/>
-        </p:nvSpPr>
-        <p:spPr>
-          <a:xfrm>
-            <a:off x="1330893" y="399411"/>
-            <a:ext cx="4640418" cy="499403"/>
-          </a:xfrm>
-          <a:prstGeom prst="rect">
-            <a:avLst/>
-          </a:prstGeom>
-        </p:spPr>
-        <p:txBody>
-          <a:bodyPr vert="horz" lIns="91440" tIns="45720" rIns="91440" bIns="45720" rtlCol="0" anchor="b">
-            <a:normAutofit fontScale="82500" lnSpcReduction="10000"/>
-          </a:bodyPr>
-          <a:lstStyle>
-            <a:lvl1pPr algn="l" defTabSz="914400" rtl="0" eaLnBrk="1" latinLnBrk="0" hangingPunct="1">
-              <a:lnSpc>
-                <a:spcPct val="90000"/>
-              </a:lnSpc>
-              <a:spcBef>
-                <a:spcPct val="0"/>
-              </a:spcBef>
-              <a:buNone/>
-              <a:defRPr sz="3600" kern="1200">
-                <a:solidFill>
-                  <a:schemeClr val="tx1"/>
-                </a:solidFill>
-                <a:latin typeface="+mj-lt"/>
-                <a:ea typeface="+mj-ea"/>
-                <a:cs typeface="+mj-cs"/>
-              </a:defRPr>
-            </a:lvl1pPr>
-          </a:lstStyle>
-          <a:p>
-            <a:r>
-              <a:rPr lang="uk-UA" sz="4000" dirty="0" smtClean="0">
-                <a:solidFill>
-                  <a:schemeClr val="accent2">
-                    <a:lumMod val="50000"/>
-                  </a:schemeClr>
-                </a:solidFill>
-                <a:latin typeface="Times New Roman" panose="02020603050405020304" pitchFamily="18" charset="0"/>
-                <a:cs typeface="Times New Roman" panose="02020603050405020304" pitchFamily="18" charset="0"/>
-              </a:rPr>
-              <a:t>Менеджмент коментарів</a:t>
-            </a:r>
-            <a:endParaRPr lang="en-US" sz="4000" dirty="0">
-              <a:solidFill>
-                <a:schemeClr val="accent2">
-                  <a:lumMod val="50000"/>
-                </a:schemeClr>
-              </a:solidFill>
-              <a:latin typeface="Times New Roman" panose="02020603050405020304" pitchFamily="18" charset="0"/>
-              <a:cs typeface="Times New Roman" panose="02020603050405020304" pitchFamily="18" charset="0"/>
-            </a:endParaRPr>
-          </a:p>
-        </p:txBody>
-      </p:sp>
       <p:pic>
         <p:nvPicPr>
-          <p:cNvPr id="2" name="Рисунок 1"/>
-          <p:cNvPicPr>
-            <a:picLocks noChangeAspect="1"/>
-          </p:cNvPicPr>
+          <p:cNvPr id="8" name="Рисунок 7" descr="C:\Users\maxim\Downloads\PS-noiCm30JWtK-X-OUym3-KGFQsaB5qCFBH1XpRo4fBtxwAmNJ883YuZmEviQeNtTP85mcGMRt2tVxkD0mdEkFjx5g-IcRKkgG7_LFUBNbc54LmlwxH-RcKWc2k-C-Af2HWB2-JlThPbDSIeGq6HElbk3Nvn8Yn8Uwvpno4G3T91aQaO4-vBm00.png"/>
+          <p:cNvPicPr/>
           <p:nvPr/>
         </p:nvPicPr>
         <p:blipFill>
-          <a:blip r:embed="rId3"/>
+          <a:blip r:embed="rId3">
+            <a:extLst>
+              <a:ext uri="{28A0092B-C50C-407E-A947-70E740481C1C}">
+                <a14:useLocalDpi xmlns:a14="http://schemas.microsoft.com/office/drawing/2010/main" val="0"/>
+              </a:ext>
+            </a:extLst>
+          </a:blip>
+          <a:srcRect/>
           <a:stretch>
             <a:fillRect/>
           </a:stretch>
         </p:blipFill>
-        <p:spPr>
-          <a:xfrm>
-            <a:off x="1330893" y="2193283"/>
-            <a:ext cx="10135790" cy="2667015"/>
+        <p:spPr bwMode="auto">
+          <a:xfrm>
+            <a:off x="1902595" y="1698171"/>
+            <a:ext cx="2837356" cy="4091007"/>
           </a:xfrm>
           <a:prstGeom prst="rect">
             <a:avLst/>
           </a:prstGeom>
+          <a:noFill/>
+          <a:ln>
+            <a:noFill/>
+          </a:ln>
+        </p:spPr>
+      </p:pic>
+      <p:pic>
+        <p:nvPicPr>
+          <p:cNvPr id="10" name="Рисунок 9" descr="C:\Users\maxim\Downloads\PP5FJZ914CNtSueAYo-V2vKrAqR0X4H09QnDqrF0c9dkiRlQw0uthjmO3-0Lr8He_CCPUgx0IQo62J6wcTHxFVshUbrDIyAGopFejZk7zRE1IT0S6otHsbHD8qefmyqPhEOFu1_BkL-MjtvHte1V-cUM_FNl_Wtygt_odonV_8TV-A_oBeeCIX9goenQl9hVrnjGmM7ToS8_Q0iIDH0Mud.png"/>
+          <p:cNvPicPr/>
+          <p:nvPr/>
+        </p:nvPicPr>
+        <p:blipFill>
+          <a:blip r:embed="rId4">
+            <a:extLst>
+              <a:ext uri="{28A0092B-C50C-407E-A947-70E740481C1C}">
+                <a14:useLocalDpi xmlns:a14="http://schemas.microsoft.com/office/drawing/2010/main" val="0"/>
+              </a:ext>
+            </a:extLst>
+          </a:blip>
+          <a:srcRect/>
+          <a:stretch>
+            <a:fillRect/>
+          </a:stretch>
+        </p:blipFill>
+        <p:spPr bwMode="auto">
+          <a:xfrm>
+            <a:off x="5222693" y="1631069"/>
+            <a:ext cx="5796760" cy="4088596"/>
+          </a:xfrm>
+          <a:prstGeom prst="rect">
+            <a:avLst/>
+          </a:prstGeom>
+          <a:noFill/>
+          <a:ln>
+            <a:noFill/>
+          </a:ln>
         </p:spPr>
       </p:pic>
     </p:spTree>
     <p:extLst>
       <p:ext uri="{BB962C8B-B14F-4D97-AF65-F5344CB8AC3E}">
-        <p14:creationId xmlns:p14="http://schemas.microsoft.com/office/powerpoint/2010/main" val="2113706452"/>
+        <p14:creationId xmlns:p14="http://schemas.microsoft.com/office/powerpoint/2010/main" val="2431158908"/>
       </p:ext>
     </p:extLst>
   </p:cSld>
@@ -6903,6 +6932,58 @@
       </p:pic>
       <p:sp>
         <p:nvSpPr>
+          <p:cNvPr id="4" name="Title 1">
+            <a:extLst>
+              <a:ext uri="{FF2B5EF4-FFF2-40B4-BE49-F238E27FC236}">
+                <a16:creationId xmlns:a16="http://schemas.microsoft.com/office/drawing/2014/main" id="{2CD97761-0B88-A5E8-0B78-C39173D05F4D}"/>
+              </a:ext>
+            </a:extLst>
+          </p:cNvPr>
+          <p:cNvSpPr>
+            <a:spLocks noGrp="1"/>
+          </p:cNvSpPr>
+          <p:nvPr>
+            <p:ph type="title"/>
+          </p:nvPr>
+        </p:nvSpPr>
+        <p:spPr>
+          <a:xfrm>
+            <a:off x="1330893" y="399411"/>
+            <a:ext cx="4640418" cy="499403"/>
+          </a:xfrm>
+        </p:spPr>
+        <p:txBody>
+          <a:bodyPr>
+            <a:normAutofit fontScale="90000"/>
+          </a:bodyPr>
+          <a:lstStyle/>
+          <a:p>
+            <a:r>
+              <a:rPr lang="uk-UA" sz="4000" dirty="0" smtClean="0">
+                <a:solidFill>
+                  <a:schemeClr val="accent2">
+                    <a:lumMod val="50000"/>
+                  </a:schemeClr>
+                </a:solidFill>
+                <a:latin typeface="Times New Roman" panose="02020603050405020304" pitchFamily="18" charset="0"/>
+                <a:cs typeface="Times New Roman" panose="02020603050405020304" pitchFamily="18" charset="0"/>
+              </a:rPr>
+              <a:t>Аналітика</a:t>
+            </a:r>
+            <a:endParaRPr lang="en-US" sz="4000" dirty="0">
+              <a:solidFill>
+                <a:schemeClr val="accent2">
+                  <a:lumMod val="50000"/>
+                </a:schemeClr>
+              </a:solidFill>
+              <a:latin typeface="Times New Roman" panose="02020603050405020304" pitchFamily="18" charset="0"/>
+              <a:cs typeface="Times New Roman" panose="02020603050405020304" pitchFamily="18" charset="0"/>
+            </a:endParaRPr>
+          </a:p>
+        </p:txBody>
+      </p:sp>
+      <p:sp>
+        <p:nvSpPr>
           <p:cNvPr id="7" name="Title 1">
             <a:extLst>
               <a:ext uri="{FF2B5EF4-FFF2-40B4-BE49-F238E27FC236}">
@@ -6973,101 +7054,6 @@
           </a:p>
         </p:txBody>
       </p:sp>
-      <p:sp>
-        <p:nvSpPr>
-          <p:cNvPr id="8" name="Title 1">
-            <a:extLst>
-              <a:ext uri="{FF2B5EF4-FFF2-40B4-BE49-F238E27FC236}">
-                <a16:creationId xmlns:a16="http://schemas.microsoft.com/office/drawing/2014/main" id="{2CD97761-0B88-A5E8-0B78-C39173D05F4D}"/>
-              </a:ext>
-            </a:extLst>
-          </p:cNvPr>
-          <p:cNvSpPr txBox="1">
-            <a:spLocks/>
-          </p:cNvSpPr>
-          <p:nvPr/>
-        </p:nvSpPr>
-        <p:spPr>
-          <a:xfrm>
-            <a:off x="1330893" y="399411"/>
-            <a:ext cx="4640418" cy="499403"/>
-          </a:xfrm>
-          <a:prstGeom prst="rect">
-            <a:avLst/>
-          </a:prstGeom>
-        </p:spPr>
-        <p:txBody>
-          <a:bodyPr vert="horz" lIns="91440" tIns="45720" rIns="91440" bIns="45720" rtlCol="0" anchor="b">
-            <a:normAutofit fontScale="90000" lnSpcReduction="20000"/>
-          </a:bodyPr>
-          <a:lstStyle>
-            <a:lvl1pPr algn="l" defTabSz="914400" rtl="0" eaLnBrk="1" latinLnBrk="0" hangingPunct="1">
-              <a:lnSpc>
-                <a:spcPct val="90000"/>
-              </a:lnSpc>
-              <a:spcBef>
-                <a:spcPct val="0"/>
-              </a:spcBef>
-              <a:buNone/>
-              <a:defRPr sz="3600" kern="1200">
-                <a:solidFill>
-                  <a:schemeClr val="tx1"/>
-                </a:solidFill>
-                <a:latin typeface="+mj-lt"/>
-                <a:ea typeface="+mj-ea"/>
-                <a:cs typeface="+mj-cs"/>
-              </a:defRPr>
-            </a:lvl1pPr>
-          </a:lstStyle>
-          <a:p>
-            <a:r>
-              <a:rPr lang="ru-RU" sz="4000" dirty="0" err="1" smtClean="0">
-                <a:solidFill>
-                  <a:schemeClr val="accent2">
-                    <a:lumMod val="50000"/>
-                  </a:schemeClr>
-                </a:solidFill>
-                <a:latin typeface="Times New Roman" panose="02020603050405020304" pitchFamily="18" charset="0"/>
-                <a:cs typeface="Times New Roman" panose="02020603050405020304" pitchFamily="18" charset="0"/>
-              </a:rPr>
-              <a:t>Адм</a:t>
-            </a:r>
-            <a:r>
-              <a:rPr lang="uk-UA" sz="4000" dirty="0" err="1" smtClean="0">
-                <a:solidFill>
-                  <a:schemeClr val="accent2">
-                    <a:lumMod val="50000"/>
-                  </a:schemeClr>
-                </a:solidFill>
-                <a:latin typeface="Times New Roman" panose="02020603050405020304" pitchFamily="18" charset="0"/>
-                <a:cs typeface="Times New Roman" panose="02020603050405020304" pitchFamily="18" charset="0"/>
-              </a:rPr>
-              <a:t>ін</a:t>
-            </a:r>
-            <a:r>
-              <a:rPr lang="uk-UA" sz="4000" dirty="0" smtClean="0">
-                <a:solidFill>
-                  <a:schemeClr val="accent2">
-                    <a:lumMod val="50000"/>
-                  </a:schemeClr>
-                </a:solidFill>
-                <a:latin typeface="Times New Roman" panose="02020603050405020304" pitchFamily="18" charset="0"/>
-                <a:cs typeface="Times New Roman" panose="02020603050405020304" pitchFamily="18" charset="0"/>
-              </a:rPr>
-              <a:t>-панель</a:t>
-            </a:r>
-            <a:endParaRPr lang="en-US" sz="4000" dirty="0">
-              <a:solidFill>
-                <a:schemeClr val="accent2">
-                  <a:lumMod val="50000"/>
-                </a:schemeClr>
-              </a:solidFill>
-              <a:latin typeface="Times New Roman" panose="02020603050405020304" pitchFamily="18" charset="0"/>
-              <a:cs typeface="Times New Roman" panose="02020603050405020304" pitchFamily="18" charset="0"/>
-            </a:endParaRPr>
-          </a:p>
-        </p:txBody>
-      </p:sp>
       <p:pic>
         <p:nvPicPr>
           <p:cNvPr id="2" name="Рисунок 1"/>
@@ -7084,8 +7070,32 @@
         </p:blipFill>
         <p:spPr>
           <a:xfrm>
-            <a:off x="1007043" y="1537025"/>
-            <a:ext cx="10937918" cy="3339776"/>
+            <a:off x="1330893" y="1045028"/>
+            <a:ext cx="7362474" cy="2781286"/>
+          </a:xfrm>
+          <a:prstGeom prst="rect">
+            <a:avLst/>
+          </a:prstGeom>
+        </p:spPr>
+      </p:pic>
+      <p:pic>
+        <p:nvPicPr>
+          <p:cNvPr id="8" name="Рисунок 7"/>
+          <p:cNvPicPr>
+            <a:picLocks noChangeAspect="1"/>
+          </p:cNvPicPr>
+          <p:nvPr/>
+        </p:nvPicPr>
+        <p:blipFill>
+          <a:blip r:embed="rId4"/>
+          <a:stretch>
+            <a:fillRect/>
+          </a:stretch>
+        </p:blipFill>
+        <p:spPr>
+          <a:xfrm>
+            <a:off x="6166873" y="2154869"/>
+            <a:ext cx="5757649" cy="3790961"/>
           </a:xfrm>
           <a:prstGeom prst="rect">
             <a:avLst/>
@@ -7095,7 +7105,7 @@
     </p:spTree>
     <p:extLst>
       <p:ext uri="{BB962C8B-B14F-4D97-AF65-F5344CB8AC3E}">
-        <p14:creationId xmlns:p14="http://schemas.microsoft.com/office/powerpoint/2010/main" val="3291524077"/>
+        <p14:creationId xmlns:p14="http://schemas.microsoft.com/office/powerpoint/2010/main" val="945794018"/>
       </p:ext>
     </p:extLst>
   </p:cSld>
@@ -7338,7 +7348,7 @@
                 <a:latin typeface="Times New Roman" panose="02020603050405020304" pitchFamily="18" charset="0"/>
                 <a:cs typeface="Times New Roman" panose="02020603050405020304" pitchFamily="18" charset="0"/>
               </a:rPr>
-              <a:t>Клієнтська частина</a:t>
+              <a:t>Замовлення</a:t>
             </a:r>
             <a:endParaRPr lang="en-US" sz="4000" dirty="0">
               <a:solidFill>
@@ -7368,56 +7378,8 @@
         </p:blipFill>
         <p:spPr>
           <a:xfrm>
-            <a:off x="2240760" y="974486"/>
-            <a:ext cx="7731952" cy="3637320"/>
-          </a:xfrm>
-          <a:prstGeom prst="rect">
-            <a:avLst/>
-          </a:prstGeom>
-        </p:spPr>
-      </p:pic>
-      <p:pic>
-        <p:nvPicPr>
-          <p:cNvPr id="3" name="Рисунок 2"/>
-          <p:cNvPicPr>
-            <a:picLocks noChangeAspect="1"/>
-          </p:cNvPicPr>
-          <p:nvPr/>
-        </p:nvPicPr>
-        <p:blipFill>
-          <a:blip r:embed="rId4"/>
-          <a:stretch>
-            <a:fillRect/>
-          </a:stretch>
-        </p:blipFill>
-        <p:spPr>
-          <a:xfrm>
-            <a:off x="3290313" y="3848040"/>
-            <a:ext cx="7572205" cy="2472127"/>
-          </a:xfrm>
-          <a:prstGeom prst="rect">
-            <a:avLst/>
-          </a:prstGeom>
-        </p:spPr>
-      </p:pic>
-      <p:pic>
-        <p:nvPicPr>
-          <p:cNvPr id="4" name="Рисунок 3"/>
-          <p:cNvPicPr>
-            <a:picLocks noChangeAspect="1"/>
-          </p:cNvPicPr>
-          <p:nvPr/>
-        </p:nvPicPr>
-        <p:blipFill>
-          <a:blip r:embed="rId5"/>
-          <a:stretch>
-            <a:fillRect/>
-          </a:stretch>
-        </p:blipFill>
-        <p:spPr>
-          <a:xfrm>
-            <a:off x="1027187" y="3265547"/>
-            <a:ext cx="3610128" cy="2692517"/>
+            <a:off x="1204468" y="1763485"/>
+            <a:ext cx="10349009" cy="3713227"/>
           </a:xfrm>
           <a:prstGeom prst="rect">
             <a:avLst/>
@@ -7427,7 +7389,7 @@
     </p:spTree>
     <p:extLst>
       <p:ext uri="{BB962C8B-B14F-4D97-AF65-F5344CB8AC3E}">
-        <p14:creationId xmlns:p14="http://schemas.microsoft.com/office/powerpoint/2010/main" val="3147839181"/>
+        <p14:creationId xmlns:p14="http://schemas.microsoft.com/office/powerpoint/2010/main" val="3743448985"/>
       </p:ext>
     </p:extLst>
   </p:cSld>
@@ -7543,220 +7505,7 @@
       </p:pic>
       <p:sp>
         <p:nvSpPr>
-          <p:cNvPr id="4" name="Title 1">
-            <a:extLst>
-              <a:ext uri="{FF2B5EF4-FFF2-40B4-BE49-F238E27FC236}">
-                <a16:creationId xmlns:a16="http://schemas.microsoft.com/office/drawing/2014/main" id="{2CD97761-0B88-A5E8-0B78-C39173D05F4D}"/>
-              </a:ext>
-            </a:extLst>
-          </p:cNvPr>
-          <p:cNvSpPr>
-            <a:spLocks noGrp="1"/>
-          </p:cNvSpPr>
-          <p:nvPr>
-            <p:ph type="title"/>
-          </p:nvPr>
-        </p:nvSpPr>
-        <p:spPr>
-          <a:xfrm>
-            <a:off x="1330893" y="274742"/>
-            <a:ext cx="8168111" cy="1003042"/>
-          </a:xfrm>
-        </p:spPr>
-        <p:txBody>
-          <a:bodyPr>
-            <a:normAutofit fontScale="90000"/>
-          </a:bodyPr>
-          <a:lstStyle/>
-          <a:p>
-            <a:r>
-              <a:rPr lang="ru-RU" dirty="0" err="1">
-                <a:solidFill>
-                  <a:schemeClr val="accent2">
-                    <a:lumMod val="50000"/>
-                  </a:schemeClr>
-                </a:solidFill>
-                <a:latin typeface="Times New Roman" panose="02020603050405020304" pitchFamily="18" charset="0"/>
-                <a:cs typeface="Times New Roman" panose="02020603050405020304" pitchFamily="18" charset="0"/>
-              </a:rPr>
-              <a:t>Тези</a:t>
-            </a:r>
-            <a:r>
-              <a:rPr lang="ru-RU" dirty="0">
-                <a:solidFill>
-                  <a:schemeClr val="accent2">
-                    <a:lumMod val="50000"/>
-                  </a:schemeClr>
-                </a:solidFill>
-                <a:latin typeface="Times New Roman" panose="02020603050405020304" pitchFamily="18" charset="0"/>
-                <a:cs typeface="Times New Roman" panose="02020603050405020304" pitchFamily="18" charset="0"/>
-              </a:rPr>
-              <a:t>, </a:t>
-            </a:r>
-            <a:r>
-              <a:rPr lang="ru-RU" dirty="0" err="1">
-                <a:solidFill>
-                  <a:schemeClr val="accent2">
-                    <a:lumMod val="50000"/>
-                  </a:schemeClr>
-                </a:solidFill>
-                <a:latin typeface="Times New Roman" panose="02020603050405020304" pitchFamily="18" charset="0"/>
-                <a:cs typeface="Times New Roman" panose="02020603050405020304" pitchFamily="18" charset="0"/>
-              </a:rPr>
-              <a:t>опубліковані</a:t>
-            </a:r>
-            <a:r>
-              <a:rPr lang="ru-RU" dirty="0">
-                <a:solidFill>
-                  <a:schemeClr val="accent2">
-                    <a:lumMod val="50000"/>
-                  </a:schemeClr>
-                </a:solidFill>
-                <a:latin typeface="Times New Roman" panose="02020603050405020304" pitchFamily="18" charset="0"/>
-                <a:cs typeface="Times New Roman" panose="02020603050405020304" pitchFamily="18" charset="0"/>
-              </a:rPr>
-              <a:t> в рамках </a:t>
-            </a:r>
-            <a:r>
-              <a:rPr lang="ru-RU" dirty="0" err="1">
-                <a:solidFill>
-                  <a:schemeClr val="accent2">
-                    <a:lumMod val="50000"/>
-                  </a:schemeClr>
-                </a:solidFill>
-                <a:latin typeface="Times New Roman" panose="02020603050405020304" pitchFamily="18" charset="0"/>
-                <a:cs typeface="Times New Roman" panose="02020603050405020304" pitchFamily="18" charset="0"/>
-              </a:rPr>
-              <a:t>кваліфікаційної</a:t>
-            </a:r>
-            <a:r>
-              <a:rPr lang="ru-RU" dirty="0">
-                <a:solidFill>
-                  <a:schemeClr val="accent2">
-                    <a:lumMod val="50000"/>
-                  </a:schemeClr>
-                </a:solidFill>
-                <a:latin typeface="Times New Roman" panose="02020603050405020304" pitchFamily="18" charset="0"/>
-                <a:cs typeface="Times New Roman" panose="02020603050405020304" pitchFamily="18" charset="0"/>
-              </a:rPr>
-              <a:t> </a:t>
-            </a:r>
-            <a:r>
-              <a:rPr lang="ru-RU" dirty="0" err="1">
-                <a:solidFill>
-                  <a:schemeClr val="accent2">
-                    <a:lumMod val="50000"/>
-                  </a:schemeClr>
-                </a:solidFill>
-                <a:latin typeface="Times New Roman" panose="02020603050405020304" pitchFamily="18" charset="0"/>
-                <a:cs typeface="Times New Roman" panose="02020603050405020304" pitchFamily="18" charset="0"/>
-              </a:rPr>
-              <a:t>роботи</a:t>
-            </a:r>
-            <a:endParaRPr lang="en-US" sz="4000" dirty="0">
-              <a:solidFill>
-                <a:schemeClr val="accent2">
-                  <a:lumMod val="50000"/>
-                </a:schemeClr>
-              </a:solidFill>
-              <a:latin typeface="Times New Roman" panose="02020603050405020304" pitchFamily="18" charset="0"/>
-              <a:cs typeface="Times New Roman" panose="02020603050405020304" pitchFamily="18" charset="0"/>
-            </a:endParaRPr>
-          </a:p>
-        </p:txBody>
-      </p:sp>
-      <p:sp>
-        <p:nvSpPr>
-          <p:cNvPr id="7" name="Прямоугольник 6"/>
-          <p:cNvSpPr/>
-          <p:nvPr/>
-        </p:nvSpPr>
-        <p:spPr>
-          <a:xfrm>
-            <a:off x="1330893" y="1685562"/>
-            <a:ext cx="8358629" cy="1754326"/>
-          </a:xfrm>
-          <a:prstGeom prst="rect">
-            <a:avLst/>
-          </a:prstGeom>
-        </p:spPr>
-        <p:txBody>
-          <a:bodyPr wrap="square">
-            <a:spAutoFit/>
-          </a:bodyPr>
-          <a:lstStyle/>
-          <a:p>
-            <a:pPr algn="just">
-              <a:lnSpc>
-                <a:spcPct val="150000"/>
-              </a:lnSpc>
-            </a:pPr>
-            <a:r>
-              <a:rPr lang="uk-UA" dirty="0">
-                <a:latin typeface="Times New Roman" panose="02020603050405020304" pitchFamily="18" charset="0"/>
-                <a:cs typeface="Times New Roman" panose="02020603050405020304" pitchFamily="18" charset="0"/>
-              </a:rPr>
-              <a:t>	</a:t>
-            </a:r>
-            <a:r>
-              <a:rPr lang="uk-UA" dirty="0" err="1">
-                <a:latin typeface="Times New Roman" panose="02020603050405020304" pitchFamily="18" charset="0"/>
-                <a:cs typeface="Times New Roman" panose="02020603050405020304" pitchFamily="18" charset="0"/>
-              </a:rPr>
-              <a:t>ДешковМ.Ю</a:t>
-            </a:r>
-            <a:r>
-              <a:rPr lang="uk-UA" dirty="0">
-                <a:latin typeface="Times New Roman" panose="02020603050405020304" pitchFamily="18" charset="0"/>
-                <a:cs typeface="Times New Roman" panose="02020603050405020304" pitchFamily="18" charset="0"/>
-              </a:rPr>
-              <a:t>. Огляд систем </a:t>
-            </a:r>
-            <a:r>
-              <a:rPr lang="uk-UA" dirty="0" err="1">
-                <a:latin typeface="Times New Roman" panose="02020603050405020304" pitchFamily="18" charset="0"/>
-                <a:cs typeface="Times New Roman" panose="02020603050405020304" pitchFamily="18" charset="0"/>
-              </a:rPr>
-              <a:t>проєктного</a:t>
-            </a:r>
-            <a:r>
-              <a:rPr lang="uk-UA" dirty="0">
-                <a:latin typeface="Times New Roman" panose="02020603050405020304" pitchFamily="18" charset="0"/>
-                <a:cs typeface="Times New Roman" panose="02020603050405020304" pitchFamily="18" charset="0"/>
-              </a:rPr>
-              <a:t> менеджменту. Тези доповідей XIV </a:t>
-            </a:r>
-            <a:r>
-              <a:rPr lang="uk-UA" dirty="0" err="1">
-                <a:latin typeface="Times New Roman" panose="02020603050405020304" pitchFamily="18" charset="0"/>
-                <a:cs typeface="Times New Roman" panose="02020603050405020304" pitchFamily="18" charset="0"/>
-              </a:rPr>
-              <a:t>Міжніродної</a:t>
-            </a:r>
-            <a:r>
-              <a:rPr lang="uk-UA" dirty="0">
-                <a:latin typeface="Times New Roman" panose="02020603050405020304" pitchFamily="18" charset="0"/>
-                <a:cs typeface="Times New Roman" panose="02020603050405020304" pitchFamily="18" charset="0"/>
-              </a:rPr>
-              <a:t> науково-технічної конференції “Інформаційно комп’ютерні технології” 28-29 березня 2024 року. Житомир : "Житомирська політехніка", 2024. </a:t>
-            </a:r>
-            <a:r>
-              <a:rPr lang="uk-UA" dirty="0" smtClean="0">
-                <a:latin typeface="Times New Roman" panose="02020603050405020304" pitchFamily="18" charset="0"/>
-                <a:cs typeface="Times New Roman" panose="02020603050405020304" pitchFamily="18" charset="0"/>
-              </a:rPr>
-              <a:t>	</a:t>
-            </a:r>
-            <a:endParaRPr lang="uk-UA" dirty="0">
-              <a:latin typeface="Times New Roman" panose="02020603050405020304" pitchFamily="18" charset="0"/>
-              <a:cs typeface="Times New Roman" panose="02020603050405020304" pitchFamily="18" charset="0"/>
-            </a:endParaRPr>
-          </a:p>
-        </p:txBody>
-      </p:sp>
-      <p:sp>
-        <p:nvSpPr>
-          <p:cNvPr id="8" name="Title 1">
+          <p:cNvPr id="7" name="Title 1">
             <a:extLst>
               <a:ext uri="{FF2B5EF4-FFF2-40B4-BE49-F238E27FC236}">
                 <a16:creationId xmlns:a16="http://schemas.microsoft.com/office/drawing/2014/main" id="{2CD97761-0B88-A5E8-0B78-C39173D05F4D}"/>
@@ -7826,10 +7575,105 @@
           </a:p>
         </p:txBody>
       </p:sp>
+      <p:sp>
+        <p:nvSpPr>
+          <p:cNvPr id="8" name="Title 1">
+            <a:extLst>
+              <a:ext uri="{FF2B5EF4-FFF2-40B4-BE49-F238E27FC236}">
+                <a16:creationId xmlns:a16="http://schemas.microsoft.com/office/drawing/2014/main" id="{2CD97761-0B88-A5E8-0B78-C39173D05F4D}"/>
+              </a:ext>
+            </a:extLst>
+          </p:cNvPr>
+          <p:cNvSpPr txBox="1">
+            <a:spLocks/>
+          </p:cNvSpPr>
+          <p:nvPr/>
+        </p:nvSpPr>
+        <p:spPr>
+          <a:xfrm>
+            <a:off x="1330893" y="399411"/>
+            <a:ext cx="4640418" cy="499403"/>
+          </a:xfrm>
+          <a:prstGeom prst="rect">
+            <a:avLst/>
+          </a:prstGeom>
+        </p:spPr>
+        <p:txBody>
+          <a:bodyPr vert="horz" lIns="91440" tIns="45720" rIns="91440" bIns="45720" rtlCol="0" anchor="b">
+            <a:normAutofit fontScale="82500" lnSpcReduction="10000"/>
+          </a:bodyPr>
+          <a:lstStyle>
+            <a:lvl1pPr algn="l" defTabSz="914400" rtl="0" eaLnBrk="1" latinLnBrk="0" hangingPunct="1">
+              <a:lnSpc>
+                <a:spcPct val="90000"/>
+              </a:lnSpc>
+              <a:spcBef>
+                <a:spcPct val="0"/>
+              </a:spcBef>
+              <a:buNone/>
+              <a:defRPr sz="3600" kern="1200">
+                <a:solidFill>
+                  <a:schemeClr val="tx1"/>
+                </a:solidFill>
+                <a:latin typeface="+mj-lt"/>
+                <a:ea typeface="+mj-ea"/>
+                <a:cs typeface="+mj-cs"/>
+              </a:defRPr>
+            </a:lvl1pPr>
+          </a:lstStyle>
+          <a:p>
+            <a:r>
+              <a:rPr lang="uk-UA" sz="4000" dirty="0" smtClean="0">
+                <a:solidFill>
+                  <a:schemeClr val="accent2">
+                    <a:lumMod val="50000"/>
+                  </a:schemeClr>
+                </a:solidFill>
+                <a:latin typeface="Times New Roman" panose="02020603050405020304" pitchFamily="18" charset="0"/>
+                <a:cs typeface="Times New Roman" panose="02020603050405020304" pitchFamily="18" charset="0"/>
+              </a:rPr>
+              <a:t>Менеджмент коментарів</a:t>
+            </a:r>
+            <a:endParaRPr lang="en-US" sz="4000" dirty="0">
+              <a:solidFill>
+                <a:schemeClr val="accent2">
+                  <a:lumMod val="50000"/>
+                </a:schemeClr>
+              </a:solidFill>
+              <a:latin typeface="Times New Roman" panose="02020603050405020304" pitchFamily="18" charset="0"/>
+              <a:cs typeface="Times New Roman" panose="02020603050405020304" pitchFamily="18" charset="0"/>
+            </a:endParaRPr>
+          </a:p>
+        </p:txBody>
+      </p:sp>
+      <p:pic>
+        <p:nvPicPr>
+          <p:cNvPr id="2" name="Рисунок 1"/>
+          <p:cNvPicPr>
+            <a:picLocks noChangeAspect="1"/>
+          </p:cNvPicPr>
+          <p:nvPr/>
+        </p:nvPicPr>
+        <p:blipFill>
+          <a:blip r:embed="rId3"/>
+          <a:stretch>
+            <a:fillRect/>
+          </a:stretch>
+        </p:blipFill>
+        <p:spPr>
+          <a:xfrm>
+            <a:off x="1330893" y="2193283"/>
+            <a:ext cx="10135790" cy="2667015"/>
+          </a:xfrm>
+          <a:prstGeom prst="rect">
+            <a:avLst/>
+          </a:prstGeom>
+        </p:spPr>
+      </p:pic>
     </p:spTree>
     <p:extLst>
       <p:ext uri="{BB962C8B-B14F-4D97-AF65-F5344CB8AC3E}">
-        <p14:creationId xmlns:p14="http://schemas.microsoft.com/office/powerpoint/2010/main" val="3256198381"/>
+        <p14:creationId xmlns:p14="http://schemas.microsoft.com/office/powerpoint/2010/main" val="2113706452"/>
       </p:ext>
     </p:extLst>
   </p:cSld>
@@ -7945,181 +7789,6 @@
       </p:pic>
       <p:sp>
         <p:nvSpPr>
-          <p:cNvPr id="4" name="Title 1">
-            <a:extLst>
-              <a:ext uri="{FF2B5EF4-FFF2-40B4-BE49-F238E27FC236}">
-                <a16:creationId xmlns:a16="http://schemas.microsoft.com/office/drawing/2014/main" id="{2CD97761-0B88-A5E8-0B78-C39173D05F4D}"/>
-              </a:ext>
-            </a:extLst>
-          </p:cNvPr>
-          <p:cNvSpPr>
-            <a:spLocks noGrp="1"/>
-          </p:cNvSpPr>
-          <p:nvPr>
-            <p:ph type="title"/>
-          </p:nvPr>
-        </p:nvSpPr>
-        <p:spPr>
-          <a:xfrm>
-            <a:off x="1330893" y="399411"/>
-            <a:ext cx="4640418" cy="499403"/>
-          </a:xfrm>
-        </p:spPr>
-        <p:txBody>
-          <a:bodyPr>
-            <a:normAutofit fontScale="90000"/>
-          </a:bodyPr>
-          <a:lstStyle/>
-          <a:p>
-            <a:r>
-              <a:rPr lang="uk-UA" sz="4000" dirty="0" smtClean="0">
-                <a:solidFill>
-                  <a:schemeClr val="accent2">
-                    <a:lumMod val="50000"/>
-                  </a:schemeClr>
-                </a:solidFill>
-                <a:latin typeface="Times New Roman" panose="02020603050405020304" pitchFamily="18" charset="0"/>
-                <a:cs typeface="Times New Roman" panose="02020603050405020304" pitchFamily="18" charset="0"/>
-              </a:rPr>
-              <a:t>Висновки</a:t>
-            </a:r>
-            <a:endParaRPr lang="en-US" sz="4000" dirty="0">
-              <a:solidFill>
-                <a:schemeClr val="accent2">
-                  <a:lumMod val="50000"/>
-                </a:schemeClr>
-              </a:solidFill>
-              <a:latin typeface="Times New Roman" panose="02020603050405020304" pitchFamily="18" charset="0"/>
-              <a:cs typeface="Times New Roman" panose="02020603050405020304" pitchFamily="18" charset="0"/>
-            </a:endParaRPr>
-          </a:p>
-        </p:txBody>
-      </p:sp>
-      <p:sp>
-        <p:nvSpPr>
-          <p:cNvPr id="2" name="Прямоугольник 1"/>
-          <p:cNvSpPr/>
-          <p:nvPr/>
-        </p:nvSpPr>
-        <p:spPr>
-          <a:xfrm>
-            <a:off x="1330893" y="1241081"/>
-            <a:ext cx="8579427" cy="3831818"/>
-          </a:xfrm>
-          <a:prstGeom prst="rect">
-            <a:avLst/>
-          </a:prstGeom>
-        </p:spPr>
-        <p:txBody>
-          <a:bodyPr wrap="square">
-            <a:spAutoFit/>
-          </a:bodyPr>
-          <a:lstStyle/>
-          <a:p>
-            <a:pPr algn="just">
-              <a:lnSpc>
-                <a:spcPct val="150000"/>
-              </a:lnSpc>
-            </a:pPr>
-            <a:r>
-              <a:rPr lang="uk-UA" dirty="0">
-                <a:latin typeface="+mj-lt"/>
-              </a:rPr>
-              <a:t>У межах кваліфікаційної роботи реалізовано повнофункціональну </a:t>
-            </a:r>
-            <a:r>
-              <a:rPr lang="en-US" dirty="0">
-                <a:latin typeface="+mj-lt"/>
-              </a:rPr>
-              <a:t>CRM-</a:t>
-            </a:r>
-            <a:r>
-              <a:rPr lang="uk-UA" dirty="0">
-                <a:latin typeface="+mj-lt"/>
-              </a:rPr>
-              <a:t>систему для управління діяльністю магазину вінілових платівок. Виконано аналіз предметної області, визначено вимоги до системи та обґрунтовано вибір стеку технологій. Розроблено архітектуру, базу </a:t>
-            </a:r>
-            <a:r>
-              <a:rPr lang="uk-UA" dirty="0" smtClean="0">
-                <a:latin typeface="+mj-lt"/>
-              </a:rPr>
-              <a:t>даних</a:t>
-            </a:r>
-            <a:r>
-              <a:rPr lang="en-US" dirty="0" smtClean="0">
-                <a:latin typeface="+mj-lt"/>
-              </a:rPr>
-              <a:t>, </a:t>
-            </a:r>
-            <a:r>
-              <a:rPr lang="uk-UA" dirty="0">
-                <a:latin typeface="+mj-lt"/>
-              </a:rPr>
-              <a:t>створено два </a:t>
-            </a:r>
-            <a:r>
-              <a:rPr lang="uk-UA" dirty="0" err="1">
-                <a:latin typeface="+mj-lt"/>
-              </a:rPr>
-              <a:t>фронтенди</a:t>
-            </a:r>
-            <a:r>
-              <a:rPr lang="uk-UA" dirty="0">
-                <a:latin typeface="+mj-lt"/>
-              </a:rPr>
-              <a:t> — </a:t>
-            </a:r>
-            <a:r>
-              <a:rPr lang="uk-UA" dirty="0" smtClean="0">
-                <a:latin typeface="+mj-lt"/>
-              </a:rPr>
-              <a:t>Веб-додаток для клієнтів (магазин) </a:t>
-            </a:r>
-            <a:r>
-              <a:rPr lang="uk-UA" dirty="0">
-                <a:latin typeface="+mj-lt"/>
-              </a:rPr>
-              <a:t>і </a:t>
-            </a:r>
-            <a:r>
-              <a:rPr lang="en-US" dirty="0" smtClean="0">
-                <a:latin typeface="+mj-lt"/>
-              </a:rPr>
-              <a:t>CRM-</a:t>
-            </a:r>
-            <a:r>
-              <a:rPr lang="uk-UA" dirty="0" smtClean="0">
-                <a:latin typeface="+mj-lt"/>
-              </a:rPr>
-              <a:t>система </a:t>
-            </a:r>
-            <a:r>
-              <a:rPr lang="uk-UA" dirty="0">
-                <a:latin typeface="+mj-lt"/>
-              </a:rPr>
-              <a:t>для </a:t>
-            </a:r>
-            <a:r>
-              <a:rPr lang="uk-UA" dirty="0" smtClean="0">
-                <a:latin typeface="+mj-lt"/>
-              </a:rPr>
-              <a:t>управління діяльністю. </a:t>
-            </a:r>
-            <a:r>
-              <a:rPr lang="uk-UA" dirty="0">
-                <a:latin typeface="+mj-lt"/>
-              </a:rPr>
-              <a:t>Реалізовано ключовий функціонал: каталог, кошик, оформлення замовлень, управління користувачами, аналітика. Система працює стабільно й демонструє приклад ефективної взаємодії клієнтської та серверної частин.</a:t>
-            </a:r>
-            <a:endParaRPr lang="uk-UA" dirty="0">
-              <a:latin typeface="+mj-lt"/>
-              <a:cs typeface="Times New Roman" panose="02020603050405020304" pitchFamily="18" charset="0"/>
-            </a:endParaRPr>
-          </a:p>
-        </p:txBody>
-      </p:sp>
-      <p:sp>
-        <p:nvSpPr>
           <p:cNvPr id="7" name="Title 1">
             <a:extLst>
               <a:ext uri="{FF2B5EF4-FFF2-40B4-BE49-F238E27FC236}">
@@ -8190,10 +7859,129 @@
           </a:p>
         </p:txBody>
       </p:sp>
+      <p:sp>
+        <p:nvSpPr>
+          <p:cNvPr id="8" name="Title 1">
+            <a:extLst>
+              <a:ext uri="{FF2B5EF4-FFF2-40B4-BE49-F238E27FC236}">
+                <a16:creationId xmlns:a16="http://schemas.microsoft.com/office/drawing/2014/main" id="{2CD97761-0B88-A5E8-0B78-C39173D05F4D}"/>
+              </a:ext>
+            </a:extLst>
+          </p:cNvPr>
+          <p:cNvSpPr txBox="1">
+            <a:spLocks/>
+          </p:cNvSpPr>
+          <p:nvPr/>
+        </p:nvSpPr>
+        <p:spPr>
+          <a:xfrm>
+            <a:off x="1330893" y="399411"/>
+            <a:ext cx="4640418" cy="499403"/>
+          </a:xfrm>
+          <a:prstGeom prst="rect">
+            <a:avLst/>
+          </a:prstGeom>
+        </p:spPr>
+        <p:txBody>
+          <a:bodyPr vert="horz" lIns="91440" tIns="45720" rIns="91440" bIns="45720" rtlCol="0" anchor="b">
+            <a:normAutofit fontScale="90000" lnSpcReduction="20000"/>
+          </a:bodyPr>
+          <a:lstStyle>
+            <a:lvl1pPr algn="l" defTabSz="914400" rtl="0" eaLnBrk="1" latinLnBrk="0" hangingPunct="1">
+              <a:lnSpc>
+                <a:spcPct val="90000"/>
+              </a:lnSpc>
+              <a:spcBef>
+                <a:spcPct val="0"/>
+              </a:spcBef>
+              <a:buNone/>
+              <a:defRPr sz="3600" kern="1200">
+                <a:solidFill>
+                  <a:schemeClr val="tx1"/>
+                </a:solidFill>
+                <a:latin typeface="+mj-lt"/>
+                <a:ea typeface="+mj-ea"/>
+                <a:cs typeface="+mj-cs"/>
+              </a:defRPr>
+            </a:lvl1pPr>
+          </a:lstStyle>
+          <a:p>
+            <a:r>
+              <a:rPr lang="ru-RU" sz="4000" dirty="0" err="1" smtClean="0">
+                <a:solidFill>
+                  <a:schemeClr val="accent2">
+                    <a:lumMod val="50000"/>
+                  </a:schemeClr>
+                </a:solidFill>
+                <a:latin typeface="Times New Roman" panose="02020603050405020304" pitchFamily="18" charset="0"/>
+                <a:cs typeface="Times New Roman" panose="02020603050405020304" pitchFamily="18" charset="0"/>
+              </a:rPr>
+              <a:t>Адм</a:t>
+            </a:r>
+            <a:r>
+              <a:rPr lang="uk-UA" sz="4000" dirty="0" err="1" smtClean="0">
+                <a:solidFill>
+                  <a:schemeClr val="accent2">
+                    <a:lumMod val="50000"/>
+                  </a:schemeClr>
+                </a:solidFill>
+                <a:latin typeface="Times New Roman" panose="02020603050405020304" pitchFamily="18" charset="0"/>
+                <a:cs typeface="Times New Roman" panose="02020603050405020304" pitchFamily="18" charset="0"/>
+              </a:rPr>
+              <a:t>ін</a:t>
+            </a:r>
+            <a:r>
+              <a:rPr lang="uk-UA" sz="4000" dirty="0" smtClean="0">
+                <a:solidFill>
+                  <a:schemeClr val="accent2">
+                    <a:lumMod val="50000"/>
+                  </a:schemeClr>
+                </a:solidFill>
+                <a:latin typeface="Times New Roman" panose="02020603050405020304" pitchFamily="18" charset="0"/>
+                <a:cs typeface="Times New Roman" panose="02020603050405020304" pitchFamily="18" charset="0"/>
+              </a:rPr>
+              <a:t>-панель</a:t>
+            </a:r>
+            <a:endParaRPr lang="en-US" sz="4000" dirty="0">
+              <a:solidFill>
+                <a:schemeClr val="accent2">
+                  <a:lumMod val="50000"/>
+                </a:schemeClr>
+              </a:solidFill>
+              <a:latin typeface="Times New Roman" panose="02020603050405020304" pitchFamily="18" charset="0"/>
+              <a:cs typeface="Times New Roman" panose="02020603050405020304" pitchFamily="18" charset="0"/>
+            </a:endParaRPr>
+          </a:p>
+        </p:txBody>
+      </p:sp>
+      <p:pic>
+        <p:nvPicPr>
+          <p:cNvPr id="2" name="Рисунок 1"/>
+          <p:cNvPicPr>
+            <a:picLocks noChangeAspect="1"/>
+          </p:cNvPicPr>
+          <p:nvPr/>
+        </p:nvPicPr>
+        <p:blipFill>
+          <a:blip r:embed="rId3"/>
+          <a:stretch>
+            <a:fillRect/>
+          </a:stretch>
+        </p:blipFill>
+        <p:spPr>
+          <a:xfrm>
+            <a:off x="1007043" y="1537025"/>
+            <a:ext cx="10937918" cy="3339776"/>
+          </a:xfrm>
+          <a:prstGeom prst="rect">
+            <a:avLst/>
+          </a:prstGeom>
+        </p:spPr>
+      </p:pic>
     </p:spTree>
     <p:extLst>
       <p:ext uri="{BB962C8B-B14F-4D97-AF65-F5344CB8AC3E}">
-        <p14:creationId xmlns:p14="http://schemas.microsoft.com/office/powerpoint/2010/main" val="4258249051"/>
+        <p14:creationId xmlns:p14="http://schemas.microsoft.com/office/powerpoint/2010/main" val="3291524077"/>
       </p:ext>
     </p:extLst>
   </p:cSld>
@@ -8229,47 +8017,13 @@
       </p:grpSpPr>
       <p:sp>
         <p:nvSpPr>
-          <p:cNvPr id="3" name="Title 2">
-            <a:extLst>
-              <a:ext uri="{FF2B5EF4-FFF2-40B4-BE49-F238E27FC236}">
-                <a16:creationId xmlns:a16="http://schemas.microsoft.com/office/drawing/2014/main" id="{F101732C-7338-DBA0-BD19-1FA88304749F}"/>
-              </a:ext>
-            </a:extLst>
-          </p:cNvPr>
-          <p:cNvSpPr>
-            <a:spLocks noGrp="1"/>
-          </p:cNvSpPr>
-          <p:nvPr>
-            <p:ph type="title"/>
-          </p:nvPr>
-        </p:nvSpPr>
-        <p:spPr>
-          <a:xfrm>
-            <a:off x="1317614" y="4982441"/>
-            <a:ext cx="5904068" cy="961159"/>
-          </a:xfrm>
-        </p:spPr>
-        <p:txBody>
-          <a:bodyPr/>
-          <a:lstStyle/>
-          <a:p>
-            <a:r>
-              <a:rPr lang="uk-UA" dirty="0" smtClean="0"/>
-              <a:t>Дякую за увагу!</a:t>
-            </a:r>
-            <a:endParaRPr lang="en-US" dirty="0"/>
-          </a:p>
-        </p:txBody>
-      </p:sp>
-      <p:sp>
-        <p:nvSpPr>
-          <p:cNvPr id="6" name="Прямоугольник 5"/>
+          <p:cNvPr id="5" name="Прямоугольник 4"/>
           <p:cNvSpPr/>
           <p:nvPr/>
         </p:nvSpPr>
         <p:spPr>
           <a:xfrm>
-            <a:off x="9606395" y="0"/>
+            <a:off x="9627177" y="0"/>
             <a:ext cx="2574072" cy="914400"/>
           </a:xfrm>
           <a:prstGeom prst="rect">
@@ -8280,7 +8034,9 @@
           </a:solidFill>
           <a:ln>
             <a:solidFill>
-              <a:schemeClr val="bg1"/>
+              <a:schemeClr val="accent2">
+                <a:lumMod val="50000"/>
+              </a:schemeClr>
             </a:solidFill>
           </a:ln>
         </p:spPr>
@@ -8311,7 +8067,7 @@
       </p:sp>
       <p:pic>
         <p:nvPicPr>
-          <p:cNvPr id="7" name="Рисунок 6"/>
+          <p:cNvPr id="6" name="Рисунок 5"/>
           <p:cNvPicPr>
             <a:picLocks noChangeAspect="1"/>
           </p:cNvPicPr>
@@ -8331,7 +8087,7 @@
         </p:blipFill>
         <p:spPr>
           <a:xfrm>
-            <a:off x="9734568" y="106644"/>
+            <a:off x="9755350" y="75151"/>
             <a:ext cx="2317726" cy="701112"/>
           </a:xfrm>
           <a:prstGeom prst="rect">
@@ -8341,7 +8097,7 @@
       </p:pic>
       <p:sp>
         <p:nvSpPr>
-          <p:cNvPr id="5" name="Title 1">
+          <p:cNvPr id="7" name="Title 1">
             <a:extLst>
               <a:ext uri="{FF2B5EF4-FFF2-40B4-BE49-F238E27FC236}">
                 <a16:creationId xmlns:a16="http://schemas.microsoft.com/office/drawing/2014/main" id="{2CD97761-0B88-A5E8-0B78-C39173D05F4D}"/>
@@ -8398,6 +8154,1136 @@
                 <a:cs typeface="Times New Roman" panose="02020603050405020304" pitchFamily="18" charset="0"/>
               </a:rPr>
               <a:t>15</a:t>
+            </a:r>
+            <a:endParaRPr lang="en-US" dirty="0">
+              <a:solidFill>
+                <a:schemeClr val="accent2">
+                  <a:lumMod val="50000"/>
+                </a:schemeClr>
+              </a:solidFill>
+              <a:latin typeface="Times New Roman" panose="02020603050405020304" pitchFamily="18" charset="0"/>
+              <a:cs typeface="Times New Roman" panose="02020603050405020304" pitchFamily="18" charset="0"/>
+            </a:endParaRPr>
+          </a:p>
+        </p:txBody>
+      </p:sp>
+      <p:sp>
+        <p:nvSpPr>
+          <p:cNvPr id="8" name="Title 1">
+            <a:extLst>
+              <a:ext uri="{FF2B5EF4-FFF2-40B4-BE49-F238E27FC236}">
+                <a16:creationId xmlns:a16="http://schemas.microsoft.com/office/drawing/2014/main" id="{2CD97761-0B88-A5E8-0B78-C39173D05F4D}"/>
+              </a:ext>
+            </a:extLst>
+          </p:cNvPr>
+          <p:cNvSpPr txBox="1">
+            <a:spLocks/>
+          </p:cNvSpPr>
+          <p:nvPr/>
+        </p:nvSpPr>
+        <p:spPr>
+          <a:xfrm>
+            <a:off x="1330893" y="399411"/>
+            <a:ext cx="4640418" cy="499403"/>
+          </a:xfrm>
+          <a:prstGeom prst="rect">
+            <a:avLst/>
+          </a:prstGeom>
+        </p:spPr>
+        <p:txBody>
+          <a:bodyPr vert="horz" lIns="91440" tIns="45720" rIns="91440" bIns="45720" rtlCol="0" anchor="b">
+            <a:normAutofit fontScale="90000" lnSpcReduction="20000"/>
+          </a:bodyPr>
+          <a:lstStyle>
+            <a:lvl1pPr algn="l" defTabSz="914400" rtl="0" eaLnBrk="1" latinLnBrk="0" hangingPunct="1">
+              <a:lnSpc>
+                <a:spcPct val="90000"/>
+              </a:lnSpc>
+              <a:spcBef>
+                <a:spcPct val="0"/>
+              </a:spcBef>
+              <a:buNone/>
+              <a:defRPr sz="3600" kern="1200">
+                <a:solidFill>
+                  <a:schemeClr val="tx1"/>
+                </a:solidFill>
+                <a:latin typeface="+mj-lt"/>
+                <a:ea typeface="+mj-ea"/>
+                <a:cs typeface="+mj-cs"/>
+              </a:defRPr>
+            </a:lvl1pPr>
+          </a:lstStyle>
+          <a:p>
+            <a:r>
+              <a:rPr lang="uk-UA" sz="4000" dirty="0" smtClean="0">
+                <a:solidFill>
+                  <a:schemeClr val="accent2">
+                    <a:lumMod val="50000"/>
+                  </a:schemeClr>
+                </a:solidFill>
+                <a:latin typeface="Times New Roman" panose="02020603050405020304" pitchFamily="18" charset="0"/>
+                <a:cs typeface="Times New Roman" panose="02020603050405020304" pitchFamily="18" charset="0"/>
+              </a:rPr>
+              <a:t>Клієнтська частина</a:t>
+            </a:r>
+            <a:endParaRPr lang="en-US" sz="4000" dirty="0">
+              <a:solidFill>
+                <a:schemeClr val="accent2">
+                  <a:lumMod val="50000"/>
+                </a:schemeClr>
+              </a:solidFill>
+              <a:latin typeface="Times New Roman" panose="02020603050405020304" pitchFamily="18" charset="0"/>
+              <a:cs typeface="Times New Roman" panose="02020603050405020304" pitchFamily="18" charset="0"/>
+            </a:endParaRPr>
+          </a:p>
+        </p:txBody>
+      </p:sp>
+      <p:pic>
+        <p:nvPicPr>
+          <p:cNvPr id="2" name="Рисунок 1"/>
+          <p:cNvPicPr>
+            <a:picLocks noChangeAspect="1"/>
+          </p:cNvPicPr>
+          <p:nvPr/>
+        </p:nvPicPr>
+        <p:blipFill>
+          <a:blip r:embed="rId3"/>
+          <a:stretch>
+            <a:fillRect/>
+          </a:stretch>
+        </p:blipFill>
+        <p:spPr>
+          <a:xfrm>
+            <a:off x="2240760" y="974486"/>
+            <a:ext cx="7731952" cy="3637320"/>
+          </a:xfrm>
+          <a:prstGeom prst="rect">
+            <a:avLst/>
+          </a:prstGeom>
+        </p:spPr>
+      </p:pic>
+      <p:pic>
+        <p:nvPicPr>
+          <p:cNvPr id="3" name="Рисунок 2"/>
+          <p:cNvPicPr>
+            <a:picLocks noChangeAspect="1"/>
+          </p:cNvPicPr>
+          <p:nvPr/>
+        </p:nvPicPr>
+        <p:blipFill>
+          <a:blip r:embed="rId4"/>
+          <a:stretch>
+            <a:fillRect/>
+          </a:stretch>
+        </p:blipFill>
+        <p:spPr>
+          <a:xfrm>
+            <a:off x="3290313" y="3848040"/>
+            <a:ext cx="7572205" cy="2472127"/>
+          </a:xfrm>
+          <a:prstGeom prst="rect">
+            <a:avLst/>
+          </a:prstGeom>
+        </p:spPr>
+      </p:pic>
+      <p:pic>
+        <p:nvPicPr>
+          <p:cNvPr id="4" name="Рисунок 3"/>
+          <p:cNvPicPr>
+            <a:picLocks noChangeAspect="1"/>
+          </p:cNvPicPr>
+          <p:nvPr/>
+        </p:nvPicPr>
+        <p:blipFill>
+          <a:blip r:embed="rId5"/>
+          <a:stretch>
+            <a:fillRect/>
+          </a:stretch>
+        </p:blipFill>
+        <p:spPr>
+          <a:xfrm>
+            <a:off x="1027187" y="3265547"/>
+            <a:ext cx="3610128" cy="2692517"/>
+          </a:xfrm>
+          <a:prstGeom prst="rect">
+            <a:avLst/>
+          </a:prstGeom>
+        </p:spPr>
+      </p:pic>
+    </p:spTree>
+    <p:extLst>
+      <p:ext uri="{BB962C8B-B14F-4D97-AF65-F5344CB8AC3E}">
+        <p14:creationId xmlns:p14="http://schemas.microsoft.com/office/powerpoint/2010/main" val="3147839181"/>
+      </p:ext>
+    </p:extLst>
+  </p:cSld>
+  <p:clrMapOvr>
+    <a:masterClrMapping/>
+  </p:clrMapOvr>
+  <p:timing>
+    <p:tnLst>
+      <p:par>
+        <p:cTn id="1" dur="indefinite" restart="never" nodeType="tmRoot"/>
+      </p:par>
+    </p:tnLst>
+  </p:timing>
+</p:sld>
+</file>
+
+<file path=ppt/slides/slide16.xml><?xml version="1.0" encoding="utf-8"?>
+<p:sld xmlns:a="http://schemas.openxmlformats.org/drawingml/2006/main" xmlns:r="http://schemas.openxmlformats.org/officeDocument/2006/relationships" xmlns:p="http://schemas.openxmlformats.org/presentationml/2006/main">
+  <p:cSld>
+    <p:spTree>
+      <p:nvGrpSpPr>
+        <p:cNvPr id="1" name=""/>
+        <p:cNvGrpSpPr/>
+        <p:nvPr/>
+      </p:nvGrpSpPr>
+      <p:grpSpPr>
+        <a:xfrm>
+          <a:off x="0" y="0"/>
+          <a:ext cx="0" cy="0"/>
+          <a:chOff x="0" y="0"/>
+          <a:chExt cx="0" cy="0"/>
+        </a:xfrm>
+      </p:grpSpPr>
+      <p:sp>
+        <p:nvSpPr>
+          <p:cNvPr id="5" name="Прямоугольник 4"/>
+          <p:cNvSpPr/>
+          <p:nvPr/>
+        </p:nvSpPr>
+        <p:spPr>
+          <a:xfrm>
+            <a:off x="9627177" y="0"/>
+            <a:ext cx="2574072" cy="914400"/>
+          </a:xfrm>
+          <a:prstGeom prst="rect">
+            <a:avLst/>
+          </a:prstGeom>
+          <a:solidFill>
+            <a:srgbClr val="D5E3E5"/>
+          </a:solidFill>
+          <a:ln>
+            <a:solidFill>
+              <a:schemeClr val="accent2">
+                <a:lumMod val="50000"/>
+              </a:schemeClr>
+            </a:solidFill>
+          </a:ln>
+        </p:spPr>
+        <p:style>
+          <a:lnRef idx="2">
+            <a:schemeClr val="accent1">
+              <a:shade val="50000"/>
+            </a:schemeClr>
+          </a:lnRef>
+          <a:fillRef idx="1">
+            <a:schemeClr val="accent1"/>
+          </a:fillRef>
+          <a:effectRef idx="0">
+            <a:schemeClr val="accent1"/>
+          </a:effectRef>
+          <a:fontRef idx="minor">
+            <a:schemeClr val="lt1"/>
+          </a:fontRef>
+        </p:style>
+        <p:txBody>
+          <a:bodyPr rtlCol="0" anchor="ctr"/>
+          <a:lstStyle/>
+          <a:p>
+            <a:pPr algn="ctr"/>
+            <a:endParaRPr lang="uk-UA" dirty="0"/>
+          </a:p>
+        </p:txBody>
+      </p:sp>
+      <p:pic>
+        <p:nvPicPr>
+          <p:cNvPr id="6" name="Рисунок 5"/>
+          <p:cNvPicPr>
+            <a:picLocks noChangeAspect="1"/>
+          </p:cNvPicPr>
+          <p:nvPr/>
+        </p:nvPicPr>
+        <p:blipFill>
+          <a:blip r:embed="rId2">
+            <a:extLst>
+              <a:ext uri="{28A0092B-C50C-407E-A947-70E740481C1C}">
+                <a14:useLocalDpi xmlns:a14="http://schemas.microsoft.com/office/drawing/2010/main" val="0"/>
+              </a:ext>
+            </a:extLst>
+          </a:blip>
+          <a:stretch>
+            <a:fillRect/>
+          </a:stretch>
+        </p:blipFill>
+        <p:spPr>
+          <a:xfrm>
+            <a:off x="9755350" y="75151"/>
+            <a:ext cx="2317726" cy="701112"/>
+          </a:xfrm>
+          <a:prstGeom prst="rect">
+            <a:avLst/>
+          </a:prstGeom>
+        </p:spPr>
+      </p:pic>
+      <p:sp>
+        <p:nvSpPr>
+          <p:cNvPr id="4" name="Title 1">
+            <a:extLst>
+              <a:ext uri="{FF2B5EF4-FFF2-40B4-BE49-F238E27FC236}">
+                <a16:creationId xmlns:a16="http://schemas.microsoft.com/office/drawing/2014/main" id="{2CD97761-0B88-A5E8-0B78-C39173D05F4D}"/>
+              </a:ext>
+            </a:extLst>
+          </p:cNvPr>
+          <p:cNvSpPr>
+            <a:spLocks noGrp="1"/>
+          </p:cNvSpPr>
+          <p:nvPr>
+            <p:ph type="title"/>
+          </p:nvPr>
+        </p:nvSpPr>
+        <p:spPr>
+          <a:xfrm>
+            <a:off x="1330893" y="274742"/>
+            <a:ext cx="8168111" cy="1003042"/>
+          </a:xfrm>
+        </p:spPr>
+        <p:txBody>
+          <a:bodyPr>
+            <a:normAutofit fontScale="90000"/>
+          </a:bodyPr>
+          <a:lstStyle/>
+          <a:p>
+            <a:r>
+              <a:rPr lang="ru-RU" dirty="0" err="1">
+                <a:solidFill>
+                  <a:schemeClr val="accent2">
+                    <a:lumMod val="50000"/>
+                  </a:schemeClr>
+                </a:solidFill>
+                <a:latin typeface="Times New Roman" panose="02020603050405020304" pitchFamily="18" charset="0"/>
+                <a:cs typeface="Times New Roman" panose="02020603050405020304" pitchFamily="18" charset="0"/>
+              </a:rPr>
+              <a:t>Тези</a:t>
+            </a:r>
+            <a:r>
+              <a:rPr lang="ru-RU" dirty="0">
+                <a:solidFill>
+                  <a:schemeClr val="accent2">
+                    <a:lumMod val="50000"/>
+                  </a:schemeClr>
+                </a:solidFill>
+                <a:latin typeface="Times New Roman" panose="02020603050405020304" pitchFamily="18" charset="0"/>
+                <a:cs typeface="Times New Roman" panose="02020603050405020304" pitchFamily="18" charset="0"/>
+              </a:rPr>
+              <a:t>, </a:t>
+            </a:r>
+            <a:r>
+              <a:rPr lang="ru-RU" dirty="0" err="1">
+                <a:solidFill>
+                  <a:schemeClr val="accent2">
+                    <a:lumMod val="50000"/>
+                  </a:schemeClr>
+                </a:solidFill>
+                <a:latin typeface="Times New Roman" panose="02020603050405020304" pitchFamily="18" charset="0"/>
+                <a:cs typeface="Times New Roman" panose="02020603050405020304" pitchFamily="18" charset="0"/>
+              </a:rPr>
+              <a:t>опубліковані</a:t>
+            </a:r>
+            <a:r>
+              <a:rPr lang="ru-RU" dirty="0">
+                <a:solidFill>
+                  <a:schemeClr val="accent2">
+                    <a:lumMod val="50000"/>
+                  </a:schemeClr>
+                </a:solidFill>
+                <a:latin typeface="Times New Roman" panose="02020603050405020304" pitchFamily="18" charset="0"/>
+                <a:cs typeface="Times New Roman" panose="02020603050405020304" pitchFamily="18" charset="0"/>
+              </a:rPr>
+              <a:t> в рамках </a:t>
+            </a:r>
+            <a:r>
+              <a:rPr lang="ru-RU" dirty="0" err="1">
+                <a:solidFill>
+                  <a:schemeClr val="accent2">
+                    <a:lumMod val="50000"/>
+                  </a:schemeClr>
+                </a:solidFill>
+                <a:latin typeface="Times New Roman" panose="02020603050405020304" pitchFamily="18" charset="0"/>
+                <a:cs typeface="Times New Roman" panose="02020603050405020304" pitchFamily="18" charset="0"/>
+              </a:rPr>
+              <a:t>кваліфікаційної</a:t>
+            </a:r>
+            <a:r>
+              <a:rPr lang="ru-RU" dirty="0">
+                <a:solidFill>
+                  <a:schemeClr val="accent2">
+                    <a:lumMod val="50000"/>
+                  </a:schemeClr>
+                </a:solidFill>
+                <a:latin typeface="Times New Roman" panose="02020603050405020304" pitchFamily="18" charset="0"/>
+                <a:cs typeface="Times New Roman" panose="02020603050405020304" pitchFamily="18" charset="0"/>
+              </a:rPr>
+              <a:t> </a:t>
+            </a:r>
+            <a:r>
+              <a:rPr lang="ru-RU" dirty="0" err="1">
+                <a:solidFill>
+                  <a:schemeClr val="accent2">
+                    <a:lumMod val="50000"/>
+                  </a:schemeClr>
+                </a:solidFill>
+                <a:latin typeface="Times New Roman" panose="02020603050405020304" pitchFamily="18" charset="0"/>
+                <a:cs typeface="Times New Roman" panose="02020603050405020304" pitchFamily="18" charset="0"/>
+              </a:rPr>
+              <a:t>роботи</a:t>
+            </a:r>
+            <a:endParaRPr lang="en-US" sz="4000" dirty="0">
+              <a:solidFill>
+                <a:schemeClr val="accent2">
+                  <a:lumMod val="50000"/>
+                </a:schemeClr>
+              </a:solidFill>
+              <a:latin typeface="Times New Roman" panose="02020603050405020304" pitchFamily="18" charset="0"/>
+              <a:cs typeface="Times New Roman" panose="02020603050405020304" pitchFamily="18" charset="0"/>
+            </a:endParaRPr>
+          </a:p>
+        </p:txBody>
+      </p:sp>
+      <p:sp>
+        <p:nvSpPr>
+          <p:cNvPr id="7" name="Прямоугольник 6"/>
+          <p:cNvSpPr/>
+          <p:nvPr/>
+        </p:nvSpPr>
+        <p:spPr>
+          <a:xfrm>
+            <a:off x="1330893" y="1685562"/>
+            <a:ext cx="8358629" cy="1754326"/>
+          </a:xfrm>
+          <a:prstGeom prst="rect">
+            <a:avLst/>
+          </a:prstGeom>
+        </p:spPr>
+        <p:txBody>
+          <a:bodyPr wrap="square">
+            <a:spAutoFit/>
+          </a:bodyPr>
+          <a:lstStyle/>
+          <a:p>
+            <a:pPr algn="just">
+              <a:lnSpc>
+                <a:spcPct val="150000"/>
+              </a:lnSpc>
+            </a:pPr>
+            <a:r>
+              <a:rPr lang="uk-UA" dirty="0">
+                <a:latin typeface="Times New Roman" panose="02020603050405020304" pitchFamily="18" charset="0"/>
+                <a:cs typeface="Times New Roman" panose="02020603050405020304" pitchFamily="18" charset="0"/>
+              </a:rPr>
+              <a:t>	</a:t>
+            </a:r>
+            <a:r>
+              <a:rPr lang="uk-UA" dirty="0" err="1">
+                <a:latin typeface="Times New Roman" panose="02020603050405020304" pitchFamily="18" charset="0"/>
+                <a:cs typeface="Times New Roman" panose="02020603050405020304" pitchFamily="18" charset="0"/>
+              </a:rPr>
+              <a:t>ДешковМ.Ю</a:t>
+            </a:r>
+            <a:r>
+              <a:rPr lang="uk-UA" dirty="0">
+                <a:latin typeface="Times New Roman" panose="02020603050405020304" pitchFamily="18" charset="0"/>
+                <a:cs typeface="Times New Roman" panose="02020603050405020304" pitchFamily="18" charset="0"/>
+              </a:rPr>
+              <a:t>. Огляд систем </a:t>
+            </a:r>
+            <a:r>
+              <a:rPr lang="uk-UA" dirty="0" err="1">
+                <a:latin typeface="Times New Roman" panose="02020603050405020304" pitchFamily="18" charset="0"/>
+                <a:cs typeface="Times New Roman" panose="02020603050405020304" pitchFamily="18" charset="0"/>
+              </a:rPr>
+              <a:t>проєктного</a:t>
+            </a:r>
+            <a:r>
+              <a:rPr lang="uk-UA" dirty="0">
+                <a:latin typeface="Times New Roman" panose="02020603050405020304" pitchFamily="18" charset="0"/>
+                <a:cs typeface="Times New Roman" panose="02020603050405020304" pitchFamily="18" charset="0"/>
+              </a:rPr>
+              <a:t> менеджменту. Тези доповідей XIV </a:t>
+            </a:r>
+            <a:r>
+              <a:rPr lang="uk-UA" dirty="0" err="1">
+                <a:latin typeface="Times New Roman" panose="02020603050405020304" pitchFamily="18" charset="0"/>
+                <a:cs typeface="Times New Roman" panose="02020603050405020304" pitchFamily="18" charset="0"/>
+              </a:rPr>
+              <a:t>Міжніродної</a:t>
+            </a:r>
+            <a:r>
+              <a:rPr lang="uk-UA" dirty="0">
+                <a:latin typeface="Times New Roman" panose="02020603050405020304" pitchFamily="18" charset="0"/>
+                <a:cs typeface="Times New Roman" panose="02020603050405020304" pitchFamily="18" charset="0"/>
+              </a:rPr>
+              <a:t> науково-технічної конференції “Інформаційно комп’ютерні технології” 28-29 березня 2024 року. Житомир : "Житомирська політехніка", 2024. </a:t>
+            </a:r>
+            <a:r>
+              <a:rPr lang="uk-UA" dirty="0" smtClean="0">
+                <a:latin typeface="Times New Roman" panose="02020603050405020304" pitchFamily="18" charset="0"/>
+                <a:cs typeface="Times New Roman" panose="02020603050405020304" pitchFamily="18" charset="0"/>
+              </a:rPr>
+              <a:t>	</a:t>
+            </a:r>
+            <a:endParaRPr lang="uk-UA" dirty="0">
+              <a:latin typeface="Times New Roman" panose="02020603050405020304" pitchFamily="18" charset="0"/>
+              <a:cs typeface="Times New Roman" panose="02020603050405020304" pitchFamily="18" charset="0"/>
+            </a:endParaRPr>
+          </a:p>
+        </p:txBody>
+      </p:sp>
+      <p:sp>
+        <p:nvSpPr>
+          <p:cNvPr id="8" name="Title 1">
+            <a:extLst>
+              <a:ext uri="{FF2B5EF4-FFF2-40B4-BE49-F238E27FC236}">
+                <a16:creationId xmlns:a16="http://schemas.microsoft.com/office/drawing/2014/main" id="{2CD97761-0B88-A5E8-0B78-C39173D05F4D}"/>
+              </a:ext>
+            </a:extLst>
+          </p:cNvPr>
+          <p:cNvSpPr txBox="1">
+            <a:spLocks/>
+          </p:cNvSpPr>
+          <p:nvPr/>
+        </p:nvSpPr>
+        <p:spPr>
+          <a:xfrm>
+            <a:off x="0" y="5945830"/>
+            <a:ext cx="896558" cy="912169"/>
+          </a:xfrm>
+          <a:prstGeom prst="rect">
+            <a:avLst/>
+          </a:prstGeom>
+        </p:spPr>
+        <p:txBody>
+          <a:bodyPr vert="horz" lIns="91440" tIns="45720" rIns="91440" bIns="45720" rtlCol="0" anchor="b">
+            <a:normAutofit fontScale="90000"/>
+          </a:bodyPr>
+          <a:lstStyle>
+            <a:lvl1pPr algn="l" defTabSz="914400" rtl="0" eaLnBrk="1" latinLnBrk="0" hangingPunct="1">
+              <a:lnSpc>
+                <a:spcPct val="90000"/>
+              </a:lnSpc>
+              <a:spcBef>
+                <a:spcPct val="0"/>
+              </a:spcBef>
+              <a:buNone/>
+              <a:defRPr sz="6000" kern="1200">
+                <a:solidFill>
+                  <a:schemeClr val="bg1"/>
+                </a:solidFill>
+                <a:latin typeface="+mj-lt"/>
+                <a:ea typeface="+mj-ea"/>
+                <a:cs typeface="+mj-cs"/>
+              </a:defRPr>
+            </a:lvl1pPr>
+          </a:lstStyle>
+          <a:p>
+            <a:pPr algn="ctr"/>
+            <a:r>
+              <a:rPr lang="uk-UA" dirty="0" smtClean="0">
+                <a:solidFill>
+                  <a:schemeClr val="accent2">
+                    <a:lumMod val="50000"/>
+                  </a:schemeClr>
+                </a:solidFill>
+                <a:latin typeface="Times New Roman" panose="02020603050405020304" pitchFamily="18" charset="0"/>
+                <a:cs typeface="Times New Roman" panose="02020603050405020304" pitchFamily="18" charset="0"/>
+              </a:rPr>
+              <a:t>16</a:t>
+            </a:r>
+            <a:endParaRPr lang="en-US" dirty="0">
+              <a:solidFill>
+                <a:schemeClr val="accent2">
+                  <a:lumMod val="50000"/>
+                </a:schemeClr>
+              </a:solidFill>
+              <a:latin typeface="Times New Roman" panose="02020603050405020304" pitchFamily="18" charset="0"/>
+              <a:cs typeface="Times New Roman" panose="02020603050405020304" pitchFamily="18" charset="0"/>
+            </a:endParaRPr>
+          </a:p>
+        </p:txBody>
+      </p:sp>
+    </p:spTree>
+    <p:extLst>
+      <p:ext uri="{BB962C8B-B14F-4D97-AF65-F5344CB8AC3E}">
+        <p14:creationId xmlns:p14="http://schemas.microsoft.com/office/powerpoint/2010/main" val="3256198381"/>
+      </p:ext>
+    </p:extLst>
+  </p:cSld>
+  <p:clrMapOvr>
+    <a:masterClrMapping/>
+  </p:clrMapOvr>
+  <p:timing>
+    <p:tnLst>
+      <p:par>
+        <p:cTn id="1" dur="indefinite" restart="never" nodeType="tmRoot"/>
+      </p:par>
+    </p:tnLst>
+  </p:timing>
+</p:sld>
+</file>
+
+<file path=ppt/slides/slide17.xml><?xml version="1.0" encoding="utf-8"?>
+<p:sld xmlns:a="http://schemas.openxmlformats.org/drawingml/2006/main" xmlns:r="http://schemas.openxmlformats.org/officeDocument/2006/relationships" xmlns:p="http://schemas.openxmlformats.org/presentationml/2006/main">
+  <p:cSld>
+    <p:spTree>
+      <p:nvGrpSpPr>
+        <p:cNvPr id="1" name=""/>
+        <p:cNvGrpSpPr/>
+        <p:nvPr/>
+      </p:nvGrpSpPr>
+      <p:grpSpPr>
+        <a:xfrm>
+          <a:off x="0" y="0"/>
+          <a:ext cx="0" cy="0"/>
+          <a:chOff x="0" y="0"/>
+          <a:chExt cx="0" cy="0"/>
+        </a:xfrm>
+      </p:grpSpPr>
+      <p:sp>
+        <p:nvSpPr>
+          <p:cNvPr id="5" name="Прямоугольник 4"/>
+          <p:cNvSpPr/>
+          <p:nvPr/>
+        </p:nvSpPr>
+        <p:spPr>
+          <a:xfrm>
+            <a:off x="9627177" y="0"/>
+            <a:ext cx="2574072" cy="914400"/>
+          </a:xfrm>
+          <a:prstGeom prst="rect">
+            <a:avLst/>
+          </a:prstGeom>
+          <a:solidFill>
+            <a:srgbClr val="D5E3E5"/>
+          </a:solidFill>
+          <a:ln>
+            <a:solidFill>
+              <a:schemeClr val="accent2">
+                <a:lumMod val="50000"/>
+              </a:schemeClr>
+            </a:solidFill>
+          </a:ln>
+        </p:spPr>
+        <p:style>
+          <a:lnRef idx="2">
+            <a:schemeClr val="accent1">
+              <a:shade val="50000"/>
+            </a:schemeClr>
+          </a:lnRef>
+          <a:fillRef idx="1">
+            <a:schemeClr val="accent1"/>
+          </a:fillRef>
+          <a:effectRef idx="0">
+            <a:schemeClr val="accent1"/>
+          </a:effectRef>
+          <a:fontRef idx="minor">
+            <a:schemeClr val="lt1"/>
+          </a:fontRef>
+        </p:style>
+        <p:txBody>
+          <a:bodyPr rtlCol="0" anchor="ctr"/>
+          <a:lstStyle/>
+          <a:p>
+            <a:pPr algn="ctr"/>
+            <a:endParaRPr lang="uk-UA" dirty="0"/>
+          </a:p>
+        </p:txBody>
+      </p:sp>
+      <p:pic>
+        <p:nvPicPr>
+          <p:cNvPr id="6" name="Рисунок 5"/>
+          <p:cNvPicPr>
+            <a:picLocks noChangeAspect="1"/>
+          </p:cNvPicPr>
+          <p:nvPr/>
+        </p:nvPicPr>
+        <p:blipFill>
+          <a:blip r:embed="rId2">
+            <a:extLst>
+              <a:ext uri="{28A0092B-C50C-407E-A947-70E740481C1C}">
+                <a14:useLocalDpi xmlns:a14="http://schemas.microsoft.com/office/drawing/2010/main" val="0"/>
+              </a:ext>
+            </a:extLst>
+          </a:blip>
+          <a:stretch>
+            <a:fillRect/>
+          </a:stretch>
+        </p:blipFill>
+        <p:spPr>
+          <a:xfrm>
+            <a:off x="9755350" y="75151"/>
+            <a:ext cx="2317726" cy="701112"/>
+          </a:xfrm>
+          <a:prstGeom prst="rect">
+            <a:avLst/>
+          </a:prstGeom>
+        </p:spPr>
+      </p:pic>
+      <p:sp>
+        <p:nvSpPr>
+          <p:cNvPr id="4" name="Title 1">
+            <a:extLst>
+              <a:ext uri="{FF2B5EF4-FFF2-40B4-BE49-F238E27FC236}">
+                <a16:creationId xmlns:a16="http://schemas.microsoft.com/office/drawing/2014/main" id="{2CD97761-0B88-A5E8-0B78-C39173D05F4D}"/>
+              </a:ext>
+            </a:extLst>
+          </p:cNvPr>
+          <p:cNvSpPr>
+            <a:spLocks noGrp="1"/>
+          </p:cNvSpPr>
+          <p:nvPr>
+            <p:ph type="title"/>
+          </p:nvPr>
+        </p:nvSpPr>
+        <p:spPr>
+          <a:xfrm>
+            <a:off x="1330893" y="399411"/>
+            <a:ext cx="4640418" cy="499403"/>
+          </a:xfrm>
+        </p:spPr>
+        <p:txBody>
+          <a:bodyPr>
+            <a:normAutofit fontScale="90000"/>
+          </a:bodyPr>
+          <a:lstStyle/>
+          <a:p>
+            <a:r>
+              <a:rPr lang="uk-UA" sz="4000" dirty="0" smtClean="0">
+                <a:solidFill>
+                  <a:schemeClr val="accent2">
+                    <a:lumMod val="50000"/>
+                  </a:schemeClr>
+                </a:solidFill>
+                <a:latin typeface="Times New Roman" panose="02020603050405020304" pitchFamily="18" charset="0"/>
+                <a:cs typeface="Times New Roman" panose="02020603050405020304" pitchFamily="18" charset="0"/>
+              </a:rPr>
+              <a:t>Висновки</a:t>
+            </a:r>
+            <a:endParaRPr lang="en-US" sz="4000" dirty="0">
+              <a:solidFill>
+                <a:schemeClr val="accent2">
+                  <a:lumMod val="50000"/>
+                </a:schemeClr>
+              </a:solidFill>
+              <a:latin typeface="Times New Roman" panose="02020603050405020304" pitchFamily="18" charset="0"/>
+              <a:cs typeface="Times New Roman" panose="02020603050405020304" pitchFamily="18" charset="0"/>
+            </a:endParaRPr>
+          </a:p>
+        </p:txBody>
+      </p:sp>
+      <p:sp>
+        <p:nvSpPr>
+          <p:cNvPr id="2" name="Прямоугольник 1"/>
+          <p:cNvSpPr/>
+          <p:nvPr/>
+        </p:nvSpPr>
+        <p:spPr>
+          <a:xfrm>
+            <a:off x="1330893" y="1241081"/>
+            <a:ext cx="8579427" cy="3831818"/>
+          </a:xfrm>
+          <a:prstGeom prst="rect">
+            <a:avLst/>
+          </a:prstGeom>
+        </p:spPr>
+        <p:txBody>
+          <a:bodyPr wrap="square">
+            <a:spAutoFit/>
+          </a:bodyPr>
+          <a:lstStyle/>
+          <a:p>
+            <a:pPr algn="just">
+              <a:lnSpc>
+                <a:spcPct val="150000"/>
+              </a:lnSpc>
+            </a:pPr>
+            <a:r>
+              <a:rPr lang="uk-UA" dirty="0">
+                <a:latin typeface="+mj-lt"/>
+              </a:rPr>
+              <a:t>У межах кваліфікаційної роботи реалізовано повнофункціональну </a:t>
+            </a:r>
+            <a:r>
+              <a:rPr lang="en-US" dirty="0">
+                <a:latin typeface="+mj-lt"/>
+              </a:rPr>
+              <a:t>CRM-</a:t>
+            </a:r>
+            <a:r>
+              <a:rPr lang="uk-UA" dirty="0">
+                <a:latin typeface="+mj-lt"/>
+              </a:rPr>
+              <a:t>систему для управління діяльністю магазину вінілових платівок. Виконано аналіз предметної області, визначено вимоги до системи та обґрунтовано вибір стеку технологій. Розроблено архітектуру, базу </a:t>
+            </a:r>
+            <a:r>
+              <a:rPr lang="uk-UA" dirty="0" smtClean="0">
+                <a:latin typeface="+mj-lt"/>
+              </a:rPr>
+              <a:t>даних</a:t>
+            </a:r>
+            <a:r>
+              <a:rPr lang="en-US" dirty="0" smtClean="0">
+                <a:latin typeface="+mj-lt"/>
+              </a:rPr>
+              <a:t>, </a:t>
+            </a:r>
+            <a:r>
+              <a:rPr lang="uk-UA" dirty="0">
+                <a:latin typeface="+mj-lt"/>
+              </a:rPr>
+              <a:t>створено два </a:t>
+            </a:r>
+            <a:r>
+              <a:rPr lang="uk-UA" dirty="0" err="1">
+                <a:latin typeface="+mj-lt"/>
+              </a:rPr>
+              <a:t>фронтенди</a:t>
+            </a:r>
+            <a:r>
+              <a:rPr lang="uk-UA" dirty="0">
+                <a:latin typeface="+mj-lt"/>
+              </a:rPr>
+              <a:t> — </a:t>
+            </a:r>
+            <a:r>
+              <a:rPr lang="uk-UA" dirty="0" smtClean="0">
+                <a:latin typeface="+mj-lt"/>
+              </a:rPr>
+              <a:t>Веб-додаток для клієнтів (магазин) </a:t>
+            </a:r>
+            <a:r>
+              <a:rPr lang="uk-UA" dirty="0">
+                <a:latin typeface="+mj-lt"/>
+              </a:rPr>
+              <a:t>і </a:t>
+            </a:r>
+            <a:r>
+              <a:rPr lang="en-US" dirty="0" smtClean="0">
+                <a:latin typeface="+mj-lt"/>
+              </a:rPr>
+              <a:t>CRM-</a:t>
+            </a:r>
+            <a:r>
+              <a:rPr lang="uk-UA" dirty="0" smtClean="0">
+                <a:latin typeface="+mj-lt"/>
+              </a:rPr>
+              <a:t>система </a:t>
+            </a:r>
+            <a:r>
+              <a:rPr lang="uk-UA" dirty="0">
+                <a:latin typeface="+mj-lt"/>
+              </a:rPr>
+              <a:t>для </a:t>
+            </a:r>
+            <a:r>
+              <a:rPr lang="uk-UA" dirty="0" smtClean="0">
+                <a:latin typeface="+mj-lt"/>
+              </a:rPr>
+              <a:t>управління діяльністю. </a:t>
+            </a:r>
+            <a:r>
+              <a:rPr lang="uk-UA" dirty="0">
+                <a:latin typeface="+mj-lt"/>
+              </a:rPr>
+              <a:t>Реалізовано ключовий функціонал: каталог, кошик, оформлення замовлень, управління користувачами, аналітика. Система працює стабільно й демонструє приклад ефективної взаємодії клієнтської та серверної частин.</a:t>
+            </a:r>
+            <a:endParaRPr lang="uk-UA" dirty="0">
+              <a:latin typeface="+mj-lt"/>
+              <a:cs typeface="Times New Roman" panose="02020603050405020304" pitchFamily="18" charset="0"/>
+            </a:endParaRPr>
+          </a:p>
+        </p:txBody>
+      </p:sp>
+      <p:sp>
+        <p:nvSpPr>
+          <p:cNvPr id="7" name="Title 1">
+            <a:extLst>
+              <a:ext uri="{FF2B5EF4-FFF2-40B4-BE49-F238E27FC236}">
+                <a16:creationId xmlns:a16="http://schemas.microsoft.com/office/drawing/2014/main" id="{2CD97761-0B88-A5E8-0B78-C39173D05F4D}"/>
+              </a:ext>
+            </a:extLst>
+          </p:cNvPr>
+          <p:cNvSpPr txBox="1">
+            <a:spLocks/>
+          </p:cNvSpPr>
+          <p:nvPr/>
+        </p:nvSpPr>
+        <p:spPr>
+          <a:xfrm>
+            <a:off x="0" y="5945830"/>
+            <a:ext cx="896558" cy="912169"/>
+          </a:xfrm>
+          <a:prstGeom prst="rect">
+            <a:avLst/>
+          </a:prstGeom>
+        </p:spPr>
+        <p:txBody>
+          <a:bodyPr vert="horz" lIns="91440" tIns="45720" rIns="91440" bIns="45720" rtlCol="0" anchor="b">
+            <a:normAutofit fontScale="90000"/>
+          </a:bodyPr>
+          <a:lstStyle>
+            <a:lvl1pPr algn="l" defTabSz="914400" rtl="0" eaLnBrk="1" latinLnBrk="0" hangingPunct="1">
+              <a:lnSpc>
+                <a:spcPct val="90000"/>
+              </a:lnSpc>
+              <a:spcBef>
+                <a:spcPct val="0"/>
+              </a:spcBef>
+              <a:buNone/>
+              <a:defRPr sz="6000" kern="1200">
+                <a:solidFill>
+                  <a:schemeClr val="bg1"/>
+                </a:solidFill>
+                <a:latin typeface="+mj-lt"/>
+                <a:ea typeface="+mj-ea"/>
+                <a:cs typeface="+mj-cs"/>
+              </a:defRPr>
+            </a:lvl1pPr>
+          </a:lstStyle>
+          <a:p>
+            <a:pPr algn="ctr"/>
+            <a:r>
+              <a:rPr lang="uk-UA" dirty="0" smtClean="0">
+                <a:solidFill>
+                  <a:schemeClr val="accent2">
+                    <a:lumMod val="50000"/>
+                  </a:schemeClr>
+                </a:solidFill>
+                <a:latin typeface="Times New Roman" panose="02020603050405020304" pitchFamily="18" charset="0"/>
+                <a:cs typeface="Times New Roman" panose="02020603050405020304" pitchFamily="18" charset="0"/>
+              </a:rPr>
+              <a:t>17</a:t>
+            </a:r>
+            <a:endParaRPr lang="en-US" dirty="0">
+              <a:solidFill>
+                <a:schemeClr val="accent2">
+                  <a:lumMod val="50000"/>
+                </a:schemeClr>
+              </a:solidFill>
+              <a:latin typeface="Times New Roman" panose="02020603050405020304" pitchFamily="18" charset="0"/>
+              <a:cs typeface="Times New Roman" panose="02020603050405020304" pitchFamily="18" charset="0"/>
+            </a:endParaRPr>
+          </a:p>
+        </p:txBody>
+      </p:sp>
+    </p:spTree>
+    <p:extLst>
+      <p:ext uri="{BB962C8B-B14F-4D97-AF65-F5344CB8AC3E}">
+        <p14:creationId xmlns:p14="http://schemas.microsoft.com/office/powerpoint/2010/main" val="4258249051"/>
+      </p:ext>
+    </p:extLst>
+  </p:cSld>
+  <p:clrMapOvr>
+    <a:masterClrMapping/>
+  </p:clrMapOvr>
+  <p:timing>
+    <p:tnLst>
+      <p:par>
+        <p:cTn id="1" dur="indefinite" restart="never" nodeType="tmRoot"/>
+      </p:par>
+    </p:tnLst>
+  </p:timing>
+</p:sld>
+</file>
+
+<file path=ppt/slides/slide18.xml><?xml version="1.0" encoding="utf-8"?>
+<p:sld xmlns:a="http://schemas.openxmlformats.org/drawingml/2006/main" xmlns:r="http://schemas.openxmlformats.org/officeDocument/2006/relationships" xmlns:p="http://schemas.openxmlformats.org/presentationml/2006/main">
+  <p:cSld>
+    <p:spTree>
+      <p:nvGrpSpPr>
+        <p:cNvPr id="1" name=""/>
+        <p:cNvGrpSpPr/>
+        <p:nvPr/>
+      </p:nvGrpSpPr>
+      <p:grpSpPr>
+        <a:xfrm>
+          <a:off x="0" y="0"/>
+          <a:ext cx="0" cy="0"/>
+          <a:chOff x="0" y="0"/>
+          <a:chExt cx="0" cy="0"/>
+        </a:xfrm>
+      </p:grpSpPr>
+      <p:sp>
+        <p:nvSpPr>
+          <p:cNvPr id="3" name="Title 2">
+            <a:extLst>
+              <a:ext uri="{FF2B5EF4-FFF2-40B4-BE49-F238E27FC236}">
+                <a16:creationId xmlns:a16="http://schemas.microsoft.com/office/drawing/2014/main" id="{F101732C-7338-DBA0-BD19-1FA88304749F}"/>
+              </a:ext>
+            </a:extLst>
+          </p:cNvPr>
+          <p:cNvSpPr>
+            <a:spLocks noGrp="1"/>
+          </p:cNvSpPr>
+          <p:nvPr>
+            <p:ph type="title"/>
+          </p:nvPr>
+        </p:nvSpPr>
+        <p:spPr>
+          <a:xfrm>
+            <a:off x="1317614" y="4982441"/>
+            <a:ext cx="5904068" cy="961159"/>
+          </a:xfrm>
+        </p:spPr>
+        <p:txBody>
+          <a:bodyPr/>
+          <a:lstStyle/>
+          <a:p>
+            <a:r>
+              <a:rPr lang="uk-UA" dirty="0" smtClean="0"/>
+              <a:t>Дякую за увагу!</a:t>
+            </a:r>
+            <a:endParaRPr lang="en-US" dirty="0"/>
+          </a:p>
+        </p:txBody>
+      </p:sp>
+      <p:sp>
+        <p:nvSpPr>
+          <p:cNvPr id="6" name="Прямоугольник 5"/>
+          <p:cNvSpPr/>
+          <p:nvPr/>
+        </p:nvSpPr>
+        <p:spPr>
+          <a:xfrm>
+            <a:off x="9606395" y="0"/>
+            <a:ext cx="2574072" cy="914400"/>
+          </a:xfrm>
+          <a:prstGeom prst="rect">
+            <a:avLst/>
+          </a:prstGeom>
+          <a:solidFill>
+            <a:srgbClr val="D5E3E5"/>
+          </a:solidFill>
+          <a:ln>
+            <a:solidFill>
+              <a:schemeClr val="bg1"/>
+            </a:solidFill>
+          </a:ln>
+        </p:spPr>
+        <p:style>
+          <a:lnRef idx="2">
+            <a:schemeClr val="accent1">
+              <a:shade val="50000"/>
+            </a:schemeClr>
+          </a:lnRef>
+          <a:fillRef idx="1">
+            <a:schemeClr val="accent1"/>
+          </a:fillRef>
+          <a:effectRef idx="0">
+            <a:schemeClr val="accent1"/>
+          </a:effectRef>
+          <a:fontRef idx="minor">
+            <a:schemeClr val="lt1"/>
+          </a:fontRef>
+        </p:style>
+        <p:txBody>
+          <a:bodyPr rtlCol="0" anchor="ctr"/>
+          <a:lstStyle/>
+          <a:p>
+            <a:pPr algn="ctr"/>
+            <a:endParaRPr lang="uk-UA" dirty="0"/>
+          </a:p>
+        </p:txBody>
+      </p:sp>
+      <p:pic>
+        <p:nvPicPr>
+          <p:cNvPr id="7" name="Рисунок 6"/>
+          <p:cNvPicPr>
+            <a:picLocks noChangeAspect="1"/>
+          </p:cNvPicPr>
+          <p:nvPr/>
+        </p:nvPicPr>
+        <p:blipFill>
+          <a:blip r:embed="rId2">
+            <a:extLst>
+              <a:ext uri="{28A0092B-C50C-407E-A947-70E740481C1C}">
+                <a14:useLocalDpi xmlns:a14="http://schemas.microsoft.com/office/drawing/2010/main" val="0"/>
+              </a:ext>
+            </a:extLst>
+          </a:blip>
+          <a:stretch>
+            <a:fillRect/>
+          </a:stretch>
+        </p:blipFill>
+        <p:spPr>
+          <a:xfrm>
+            <a:off x="9734568" y="106644"/>
+            <a:ext cx="2317726" cy="701112"/>
+          </a:xfrm>
+          <a:prstGeom prst="rect">
+            <a:avLst/>
+          </a:prstGeom>
+        </p:spPr>
+      </p:pic>
+      <p:sp>
+        <p:nvSpPr>
+          <p:cNvPr id="5" name="Title 1">
+            <a:extLst>
+              <a:ext uri="{FF2B5EF4-FFF2-40B4-BE49-F238E27FC236}">
+                <a16:creationId xmlns:a16="http://schemas.microsoft.com/office/drawing/2014/main" id="{2CD97761-0B88-A5E8-0B78-C39173D05F4D}"/>
+              </a:ext>
+            </a:extLst>
+          </p:cNvPr>
+          <p:cNvSpPr txBox="1">
+            <a:spLocks/>
+          </p:cNvSpPr>
+          <p:nvPr/>
+        </p:nvSpPr>
+        <p:spPr>
+          <a:xfrm>
+            <a:off x="0" y="5945830"/>
+            <a:ext cx="896558" cy="912169"/>
+          </a:xfrm>
+          <a:prstGeom prst="rect">
+            <a:avLst/>
+          </a:prstGeom>
+        </p:spPr>
+        <p:txBody>
+          <a:bodyPr vert="horz" lIns="91440" tIns="45720" rIns="91440" bIns="45720" rtlCol="0" anchor="b">
+            <a:normAutofit fontScale="90000"/>
+          </a:bodyPr>
+          <a:lstStyle>
+            <a:lvl1pPr algn="l" defTabSz="914400" rtl="0" eaLnBrk="1" latinLnBrk="0" hangingPunct="1">
+              <a:lnSpc>
+                <a:spcPct val="90000"/>
+              </a:lnSpc>
+              <a:spcBef>
+                <a:spcPct val="0"/>
+              </a:spcBef>
+              <a:buNone/>
+              <a:defRPr sz="6000" kern="1200">
+                <a:solidFill>
+                  <a:schemeClr val="bg1"/>
+                </a:solidFill>
+                <a:latin typeface="+mj-lt"/>
+                <a:ea typeface="+mj-ea"/>
+                <a:cs typeface="+mj-cs"/>
+              </a:defRPr>
+            </a:lvl1pPr>
+          </a:lstStyle>
+          <a:p>
+            <a:pPr algn="ctr"/>
+            <a:r>
+              <a:rPr lang="uk-UA" dirty="0" smtClean="0">
+                <a:solidFill>
+                  <a:schemeClr val="accent2">
+                    <a:lumMod val="50000"/>
+                  </a:schemeClr>
+                </a:solidFill>
+                <a:latin typeface="Times New Roman" panose="02020603050405020304" pitchFamily="18" charset="0"/>
+                <a:cs typeface="Times New Roman" panose="02020603050405020304" pitchFamily="18" charset="0"/>
+              </a:rPr>
+              <a:t>19</a:t>
             </a:r>
             <a:endParaRPr lang="en-US" dirty="0">
               <a:solidFill>
@@ -8498,9 +9384,39 @@
           </a:p>
         </p:txBody>
       </p:sp>
+      <p:pic>
+        <p:nvPicPr>
+          <p:cNvPr id="7" name="Рисунок 6"/>
+          <p:cNvPicPr>
+            <a:picLocks noChangeAspect="1"/>
+          </p:cNvPicPr>
+          <p:nvPr/>
+        </p:nvPicPr>
+        <p:blipFill>
+          <a:blip r:embed="rId2">
+            <a:extLst>
+              <a:ext uri="{28A0092B-C50C-407E-A947-70E740481C1C}">
+                <a14:useLocalDpi xmlns:a14="http://schemas.microsoft.com/office/drawing/2010/main" val="0"/>
+              </a:ext>
+            </a:extLst>
+          </a:blip>
+          <a:stretch>
+            <a:fillRect/>
+          </a:stretch>
+        </p:blipFill>
+        <p:spPr>
+          <a:xfrm>
+            <a:off x="9755350" y="75151"/>
+            <a:ext cx="2317726" cy="701112"/>
+          </a:xfrm>
+          <a:prstGeom prst="rect">
+            <a:avLst/>
+          </a:prstGeom>
+        </p:spPr>
+      </p:pic>
       <p:sp>
         <p:nvSpPr>
-          <p:cNvPr id="5" name="Title 1">
+          <p:cNvPr id="10" name="Title 1">
             <a:extLst>
               <a:ext uri="{FF2B5EF4-FFF2-40B4-BE49-F238E27FC236}">
                 <a16:creationId xmlns:a16="http://schemas.microsoft.com/office/drawing/2014/main" id="{2CD97761-0B88-A5E8-0B78-C39173D05F4D}"/>
@@ -8514,7 +9430,7 @@
         </p:nvSpPr>
         <p:spPr>
           <a:xfrm>
-            <a:off x="1268548" y="414997"/>
+            <a:off x="1348835" y="414997"/>
             <a:ext cx="4640418" cy="499403"/>
           </a:xfrm>
           <a:prstGeom prst="rect">
@@ -8523,7 +9439,7 @@
         </p:spPr>
         <p:txBody>
           <a:bodyPr vert="horz" lIns="91440" tIns="45720" rIns="91440" bIns="45720" rtlCol="0" anchor="b">
-            <a:normAutofit fontScale="60000" lnSpcReduction="20000"/>
+            <a:normAutofit fontScale="45000" lnSpcReduction="20000"/>
           </a:bodyPr>
           <a:lstStyle>
             <a:lvl1pPr algn="l" defTabSz="914400" rtl="0" eaLnBrk="1" latinLnBrk="0" hangingPunct="1">
@@ -8555,7 +9471,19 @@
                 <a:latin typeface="Times New Roman" panose="02020603050405020304" pitchFamily="18" charset="0"/>
                 <a:cs typeface="Times New Roman" panose="02020603050405020304" pitchFamily="18" charset="0"/>
               </a:rPr>
-              <a:t>Актуальність теми</a:t>
+              <a:t>Мета  і </a:t>
+            </a:r>
+            <a:r>
+              <a:rPr lang="uk-UA" dirty="0" smtClean="0">
+                <a:solidFill>
+                  <a:schemeClr val="accent2">
+                    <a:lumMod val="50000"/>
+                  </a:schemeClr>
+                </a:solidFill>
+                <a:latin typeface="Times New Roman" panose="02020603050405020304" pitchFamily="18" charset="0"/>
+                <a:cs typeface="Times New Roman" panose="02020603050405020304" pitchFamily="18" charset="0"/>
+              </a:rPr>
+              <a:t>предмет дослідження</a:t>
             </a:r>
             <a:endParaRPr lang="en-US" dirty="0">
               <a:solidFill>
@@ -8569,46 +9497,16 @@
           </a:p>
         </p:txBody>
       </p:sp>
-      <p:pic>
-        <p:nvPicPr>
-          <p:cNvPr id="7" name="Рисунок 6"/>
-          <p:cNvPicPr>
-            <a:picLocks noChangeAspect="1"/>
-          </p:cNvPicPr>
-          <p:nvPr/>
-        </p:nvPicPr>
-        <p:blipFill>
-          <a:blip r:embed="rId2">
-            <a:extLst>
-              <a:ext uri="{28A0092B-C50C-407E-A947-70E740481C1C}">
-                <a14:useLocalDpi xmlns:a14="http://schemas.microsoft.com/office/drawing/2010/main" val="0"/>
-              </a:ext>
-            </a:extLst>
-          </a:blip>
-          <a:stretch>
-            <a:fillRect/>
-          </a:stretch>
-        </p:blipFill>
-        <p:spPr>
-          <a:xfrm>
-            <a:off x="9755350" y="75151"/>
-            <a:ext cx="2317726" cy="701112"/>
-          </a:xfrm>
-          <a:prstGeom prst="rect">
-            <a:avLst/>
-          </a:prstGeom>
-        </p:spPr>
-      </p:pic>
       <p:sp>
         <p:nvSpPr>
-          <p:cNvPr id="9" name="Прямоугольник 8"/>
+          <p:cNvPr id="11" name="Прямоугольник 10"/>
           <p:cNvSpPr/>
           <p:nvPr/>
         </p:nvSpPr>
         <p:spPr>
           <a:xfrm>
-            <a:off x="1137919" y="1679012"/>
-            <a:ext cx="10208105" cy="3323987"/>
+            <a:off x="1348835" y="1069539"/>
+            <a:ext cx="10193132" cy="4524315"/>
           </a:xfrm>
           <a:prstGeom prst="rect">
             <a:avLst/>
@@ -8620,573 +9518,120 @@
           </a:bodyPr>
           <a:lstStyle/>
           <a:p>
-            <a:pPr marL="285750" indent="-285750" algn="just">
-              <a:lnSpc>
-                <a:spcPct val="150000"/>
-              </a:lnSpc>
-              <a:buFont typeface="Arial" panose="020B0604020202020204" pitchFamily="34" charset="0"/>
-              <a:buChar char="•"/>
-            </a:pPr>
-            <a:r>
-              <a:rPr lang="ru-RU" sz="2000" dirty="0" err="1">
-                <a:latin typeface="Times New Roman" panose="02020603050405020304" pitchFamily="18" charset="0"/>
-                <a:cs typeface="Times New Roman" panose="02020603050405020304" pitchFamily="18" charset="0"/>
-              </a:rPr>
-              <a:t>Зростання</a:t>
-            </a:r>
-            <a:r>
-              <a:rPr lang="ru-RU" sz="2000" dirty="0">
-                <a:latin typeface="Times New Roman" panose="02020603050405020304" pitchFamily="18" charset="0"/>
-                <a:cs typeface="Times New Roman" panose="02020603050405020304" pitchFamily="18" charset="0"/>
-              </a:rPr>
-              <a:t> </a:t>
-            </a:r>
-            <a:r>
-              <a:rPr lang="ru-RU" sz="2000" dirty="0" err="1">
-                <a:latin typeface="Times New Roman" panose="02020603050405020304" pitchFamily="18" charset="0"/>
-                <a:cs typeface="Times New Roman" panose="02020603050405020304" pitchFamily="18" charset="0"/>
-              </a:rPr>
-              <a:t>попиту</a:t>
-            </a:r>
-            <a:r>
-              <a:rPr lang="ru-RU" sz="2000" dirty="0">
-                <a:latin typeface="Times New Roman" panose="02020603050405020304" pitchFamily="18" charset="0"/>
-                <a:cs typeface="Times New Roman" panose="02020603050405020304" pitchFamily="18" charset="0"/>
-              </a:rPr>
-              <a:t> на онлайн-</a:t>
-            </a:r>
-            <a:r>
-              <a:rPr lang="ru-RU" sz="2000" dirty="0" err="1">
-                <a:latin typeface="Times New Roman" panose="02020603050405020304" pitchFamily="18" charset="0"/>
-                <a:cs typeface="Times New Roman" panose="02020603050405020304" pitchFamily="18" charset="0"/>
-              </a:rPr>
-              <a:t>торгівлю</a:t>
-            </a:r>
-            <a:r>
-              <a:rPr lang="ru-RU" sz="2000" dirty="0">
-                <a:latin typeface="Times New Roman" panose="02020603050405020304" pitchFamily="18" charset="0"/>
-                <a:cs typeface="Times New Roman" panose="02020603050405020304" pitchFamily="18" charset="0"/>
-              </a:rPr>
-              <a:t> та </a:t>
-            </a:r>
-            <a:r>
-              <a:rPr lang="ru-RU" sz="2000" dirty="0" err="1">
-                <a:latin typeface="Times New Roman" panose="02020603050405020304" pitchFamily="18" charset="0"/>
-                <a:cs typeface="Times New Roman" panose="02020603050405020304" pitchFamily="18" charset="0"/>
-              </a:rPr>
-              <a:t>цифрові</a:t>
-            </a:r>
-            <a:r>
-              <a:rPr lang="ru-RU" sz="2000" dirty="0">
-                <a:latin typeface="Times New Roman" panose="02020603050405020304" pitchFamily="18" charset="0"/>
-                <a:cs typeface="Times New Roman" panose="02020603050405020304" pitchFamily="18" charset="0"/>
-              </a:rPr>
-              <a:t> канали </a:t>
-            </a:r>
-            <a:r>
-              <a:rPr lang="ru-RU" sz="2000" dirty="0" err="1" smtClean="0">
-                <a:latin typeface="Times New Roman" panose="02020603050405020304" pitchFamily="18" charset="0"/>
-                <a:cs typeface="Times New Roman" panose="02020603050405020304" pitchFamily="18" charset="0"/>
-              </a:rPr>
-              <a:t>продажів</a:t>
-            </a:r>
-            <a:endParaRPr lang="uk-UA" sz="2000" dirty="0" smtClean="0">
+            <a:r>
+              <a:rPr lang="uk-UA" dirty="0"/>
+              <a:t>	Метою </a:t>
+            </a:r>
+            <a:r>
+              <a:rPr lang="uk-UA" dirty="0"/>
+              <a:t>дослідження є створення веб-платформи для управління діяльністю магазину вінілових платівок із можливістю здійснення онлайн-продажів. Платформа поєднує публічний веб-додаток для клієнтів магазину та CRM-систему для адміністраторів і менеджерів. У процесі використання системи клієнти можуть переглядати каталог платівок, додавати товари до кошика, оформлювати замовлення, залишати відгуки й керувати своїм обліковим записом. CRM-система дозволяє менеджерам обробляти замовлення, змінювати їх статуси, керувати асортиментом, користувачами та вести статистику й звітність</a:t>
+            </a:r>
+            <a:r>
+              <a:rPr lang="uk-UA" dirty="0"/>
+              <a:t>.</a:t>
+            </a:r>
+          </a:p>
+          <a:p>
+            <a:endParaRPr lang="en-US" dirty="0"/>
+          </a:p>
+          <a:p>
+            <a:r>
+              <a:rPr lang="uk-UA" dirty="0" smtClean="0">
+                <a:latin typeface="Times New Roman" panose="02020603050405020304" pitchFamily="18" charset="0"/>
+                <a:cs typeface="Times New Roman" panose="02020603050405020304" pitchFamily="18" charset="0"/>
+              </a:rPr>
+              <a:t>	Предметом </a:t>
+            </a:r>
+            <a:r>
+              <a:rPr lang="uk-UA" dirty="0">
+                <a:latin typeface="Times New Roman" panose="02020603050405020304" pitchFamily="18" charset="0"/>
+                <a:cs typeface="Times New Roman" panose="02020603050405020304" pitchFamily="18" charset="0"/>
+              </a:rPr>
+              <a:t>дослідження є особливості застосування концепцій веб-архітектури та інструментів розробки (</a:t>
+            </a:r>
+            <a:r>
+              <a:rPr lang="uk-UA" dirty="0" err="1">
+                <a:latin typeface="Times New Roman" panose="02020603050405020304" pitchFamily="18" charset="0"/>
+                <a:cs typeface="Times New Roman" panose="02020603050405020304" pitchFamily="18" charset="0"/>
+              </a:rPr>
+              <a:t>React</a:t>
+            </a:r>
+            <a:r>
+              <a:rPr lang="uk-UA" dirty="0">
+                <a:latin typeface="Times New Roman" panose="02020603050405020304" pitchFamily="18" charset="0"/>
+                <a:cs typeface="Times New Roman" panose="02020603050405020304" pitchFamily="18" charset="0"/>
+              </a:rPr>
+              <a:t>, Node.js, Express, </a:t>
+            </a:r>
+            <a:r>
+              <a:rPr lang="uk-UA" dirty="0" err="1">
+                <a:latin typeface="Times New Roman" panose="02020603050405020304" pitchFamily="18" charset="0"/>
+                <a:cs typeface="Times New Roman" panose="02020603050405020304" pitchFamily="18" charset="0"/>
+              </a:rPr>
+              <a:t>MySQL</a:t>
+            </a:r>
+            <a:r>
+              <a:rPr lang="uk-UA" dirty="0">
+                <a:latin typeface="Times New Roman" panose="02020603050405020304" pitchFamily="18" charset="0"/>
+                <a:cs typeface="Times New Roman" panose="02020603050405020304" pitchFamily="18" charset="0"/>
+              </a:rPr>
+              <a:t>, </a:t>
+            </a:r>
+            <a:r>
+              <a:rPr lang="uk-UA" dirty="0" err="1">
+                <a:latin typeface="Times New Roman" panose="02020603050405020304" pitchFamily="18" charset="0"/>
+                <a:cs typeface="Times New Roman" panose="02020603050405020304" pitchFamily="18" charset="0"/>
+              </a:rPr>
+              <a:t>json-server</a:t>
+            </a:r>
+            <a:r>
+              <a:rPr lang="uk-UA" dirty="0">
+                <a:latin typeface="Times New Roman" panose="02020603050405020304" pitchFamily="18" charset="0"/>
+                <a:cs typeface="Times New Roman" panose="02020603050405020304" pitchFamily="18" charset="0"/>
+              </a:rPr>
+              <a:t>) для створення CRM-системи й публічного веб-застосунку, а також підходів до інтеграції клієнтської та серверної частин. У процесі розробки використовуються засоби для створення інтерфейсів (</a:t>
+            </a:r>
+            <a:r>
+              <a:rPr lang="uk-UA" dirty="0" err="1">
+                <a:latin typeface="Times New Roman" panose="02020603050405020304" pitchFamily="18" charset="0"/>
+                <a:cs typeface="Times New Roman" panose="02020603050405020304" pitchFamily="18" charset="0"/>
+              </a:rPr>
+              <a:t>React</a:t>
+            </a:r>
+            <a:r>
+              <a:rPr lang="uk-UA" dirty="0">
+                <a:latin typeface="Times New Roman" panose="02020603050405020304" pitchFamily="18" charset="0"/>
+                <a:cs typeface="Times New Roman" panose="02020603050405020304" pitchFamily="18" charset="0"/>
+              </a:rPr>
+              <a:t>), налаштування серверної логіки (Node.js, Express), роботи з тестовими даними (</a:t>
+            </a:r>
+            <a:r>
+              <a:rPr lang="uk-UA" dirty="0" err="1">
+                <a:latin typeface="Times New Roman" panose="02020603050405020304" pitchFamily="18" charset="0"/>
+                <a:cs typeface="Times New Roman" panose="02020603050405020304" pitchFamily="18" charset="0"/>
+              </a:rPr>
+              <a:t>json-server</a:t>
+            </a:r>
+            <a:r>
+              <a:rPr lang="uk-UA" dirty="0">
+                <a:latin typeface="Times New Roman" panose="02020603050405020304" pitchFamily="18" charset="0"/>
+                <a:cs typeface="Times New Roman" panose="02020603050405020304" pitchFamily="18" charset="0"/>
+              </a:rPr>
+              <a:t>) та створення API для взаємодії компонентів платформи.</a:t>
+            </a:r>
+            <a:endParaRPr lang="en-US" dirty="0">
               <a:latin typeface="Times New Roman" panose="02020603050405020304" pitchFamily="18" charset="0"/>
               <a:cs typeface="Times New Roman" panose="02020603050405020304" pitchFamily="18" charset="0"/>
             </a:endParaRPr>
           </a:p>
           <a:p>
-            <a:pPr marL="285750" indent="-285750" algn="just">
-              <a:lnSpc>
-                <a:spcPct val="150000"/>
-              </a:lnSpc>
-              <a:buFont typeface="Arial" panose="020B0604020202020204" pitchFamily="34" charset="0"/>
-              <a:buChar char="•"/>
-            </a:pPr>
-            <a:r>
-              <a:rPr lang="ru-RU" sz="2000" dirty="0" smtClean="0">
-                <a:latin typeface="Times New Roman" panose="02020603050405020304" pitchFamily="18" charset="0"/>
-                <a:cs typeface="Times New Roman" panose="02020603050405020304" pitchFamily="18" charset="0"/>
-              </a:rPr>
-              <a:t>CRM-</a:t>
-            </a:r>
-            <a:r>
-              <a:rPr lang="ru-RU" sz="2000" dirty="0" err="1" smtClean="0">
-                <a:latin typeface="Times New Roman" panose="02020603050405020304" pitchFamily="18" charset="0"/>
-                <a:cs typeface="Times New Roman" panose="02020603050405020304" pitchFamily="18" charset="0"/>
-              </a:rPr>
-              <a:t>системи</a:t>
-            </a:r>
-            <a:r>
-              <a:rPr lang="ru-RU" sz="2000" dirty="0" smtClean="0">
-                <a:latin typeface="Times New Roman" panose="02020603050405020304" pitchFamily="18" charset="0"/>
-                <a:cs typeface="Times New Roman" panose="02020603050405020304" pitchFamily="18" charset="0"/>
-              </a:rPr>
-              <a:t> </a:t>
-            </a:r>
-            <a:r>
-              <a:rPr lang="ru-RU" sz="2000" dirty="0">
-                <a:latin typeface="Times New Roman" panose="02020603050405020304" pitchFamily="18" charset="0"/>
-                <a:cs typeface="Times New Roman" panose="02020603050405020304" pitchFamily="18" charset="0"/>
-              </a:rPr>
-              <a:t>є </a:t>
-            </a:r>
-            <a:r>
-              <a:rPr lang="ru-RU" sz="2000" dirty="0" err="1">
-                <a:latin typeface="Times New Roman" panose="02020603050405020304" pitchFamily="18" charset="0"/>
-                <a:cs typeface="Times New Roman" panose="02020603050405020304" pitchFamily="18" charset="0"/>
-              </a:rPr>
-              <a:t>ключовим</a:t>
-            </a:r>
-            <a:r>
-              <a:rPr lang="ru-RU" sz="2000" dirty="0">
-                <a:latin typeface="Times New Roman" panose="02020603050405020304" pitchFamily="18" charset="0"/>
-                <a:cs typeface="Times New Roman" panose="02020603050405020304" pitchFamily="18" charset="0"/>
-              </a:rPr>
-              <a:t> </a:t>
-            </a:r>
-            <a:r>
-              <a:rPr lang="ru-RU" sz="2000" dirty="0" err="1">
-                <a:latin typeface="Times New Roman" panose="02020603050405020304" pitchFamily="18" charset="0"/>
-                <a:cs typeface="Times New Roman" panose="02020603050405020304" pitchFamily="18" charset="0"/>
-              </a:rPr>
-              <a:t>інструментом</a:t>
-            </a:r>
-            <a:r>
-              <a:rPr lang="ru-RU" sz="2000" dirty="0">
-                <a:latin typeface="Times New Roman" panose="02020603050405020304" pitchFamily="18" charset="0"/>
-                <a:cs typeface="Times New Roman" panose="02020603050405020304" pitchFamily="18" charset="0"/>
-              </a:rPr>
-              <a:t> </a:t>
-            </a:r>
-            <a:r>
-              <a:rPr lang="ru-RU" sz="2000" dirty="0" err="1">
-                <a:latin typeface="Times New Roman" panose="02020603050405020304" pitchFamily="18" charset="0"/>
-                <a:cs typeface="Times New Roman" panose="02020603050405020304" pitchFamily="18" charset="0"/>
-              </a:rPr>
-              <a:t>автоматизації</a:t>
-            </a:r>
-            <a:r>
-              <a:rPr lang="ru-RU" sz="2000" dirty="0">
-                <a:latin typeface="Times New Roman" panose="02020603050405020304" pitchFamily="18" charset="0"/>
-                <a:cs typeface="Times New Roman" panose="02020603050405020304" pitchFamily="18" charset="0"/>
-              </a:rPr>
-              <a:t> </a:t>
-            </a:r>
-            <a:r>
-              <a:rPr lang="ru-RU" sz="2000" dirty="0" err="1">
-                <a:latin typeface="Times New Roman" panose="02020603050405020304" pitchFamily="18" charset="0"/>
-                <a:cs typeface="Times New Roman" panose="02020603050405020304" pitchFamily="18" charset="0"/>
-              </a:rPr>
-              <a:t>бізнесу</a:t>
-            </a:r>
-            <a:endParaRPr lang="ru-RU" sz="2000" dirty="0">
+            <a:endParaRPr lang="uk-UA" dirty="0" smtClean="0">
               <a:latin typeface="Times New Roman" panose="02020603050405020304" pitchFamily="18" charset="0"/>
               <a:cs typeface="Times New Roman" panose="02020603050405020304" pitchFamily="18" charset="0"/>
             </a:endParaRPr>
           </a:p>
           <a:p>
-            <a:pPr marL="285750" indent="-285750" algn="just">
-              <a:lnSpc>
-                <a:spcPct val="150000"/>
-              </a:lnSpc>
-              <a:buFont typeface="Arial" panose="020B0604020202020204" pitchFamily="34" charset="0"/>
-              <a:buChar char="•"/>
-            </a:pPr>
-            <a:r>
-              <a:rPr lang="ru-RU" sz="2000" dirty="0" err="1">
-                <a:latin typeface="Times New Roman" panose="02020603050405020304" pitchFamily="18" charset="0"/>
-                <a:cs typeface="Times New Roman" panose="02020603050405020304" pitchFamily="18" charset="0"/>
-              </a:rPr>
-              <a:t>Нішеві</a:t>
-            </a:r>
-            <a:r>
-              <a:rPr lang="ru-RU" sz="2000" dirty="0">
-                <a:latin typeface="Times New Roman" panose="02020603050405020304" pitchFamily="18" charset="0"/>
-                <a:cs typeface="Times New Roman" panose="02020603050405020304" pitchFamily="18" charset="0"/>
-              </a:rPr>
-              <a:t> </a:t>
-            </a:r>
-            <a:r>
-              <a:rPr lang="ru-RU" sz="2000" dirty="0" err="1">
-                <a:latin typeface="Times New Roman" panose="02020603050405020304" pitchFamily="18" charset="0"/>
-                <a:cs typeface="Times New Roman" panose="02020603050405020304" pitchFamily="18" charset="0"/>
-              </a:rPr>
-              <a:t>магазини</a:t>
-            </a:r>
-            <a:r>
-              <a:rPr lang="ru-RU" sz="2000" dirty="0">
-                <a:latin typeface="Times New Roman" panose="02020603050405020304" pitchFamily="18" charset="0"/>
-                <a:cs typeface="Times New Roman" panose="02020603050405020304" pitchFamily="18" charset="0"/>
-              </a:rPr>
-              <a:t>, </a:t>
-            </a:r>
-            <a:r>
-              <a:rPr lang="ru-RU" sz="2000" dirty="0" err="1">
-                <a:latin typeface="Times New Roman" panose="02020603050405020304" pitchFamily="18" charset="0"/>
-                <a:cs typeface="Times New Roman" panose="02020603050405020304" pitchFamily="18" charset="0"/>
-              </a:rPr>
-              <a:t>зокрема</a:t>
-            </a:r>
-            <a:r>
-              <a:rPr lang="ru-RU" sz="2000" dirty="0">
-                <a:latin typeface="Times New Roman" panose="02020603050405020304" pitchFamily="18" charset="0"/>
-                <a:cs typeface="Times New Roman" panose="02020603050405020304" pitchFamily="18" charset="0"/>
-              </a:rPr>
-              <a:t> з </a:t>
-            </a:r>
-            <a:r>
-              <a:rPr lang="ru-RU" sz="2000" dirty="0" err="1">
-                <a:latin typeface="Times New Roman" panose="02020603050405020304" pitchFamily="18" charset="0"/>
-                <a:cs typeface="Times New Roman" panose="02020603050405020304" pitchFamily="18" charset="0"/>
-              </a:rPr>
-              <a:t>вініловими</a:t>
-            </a:r>
-            <a:r>
-              <a:rPr lang="ru-RU" sz="2000" dirty="0">
-                <a:latin typeface="Times New Roman" panose="02020603050405020304" pitchFamily="18" charset="0"/>
-                <a:cs typeface="Times New Roman" panose="02020603050405020304" pitchFamily="18" charset="0"/>
-              </a:rPr>
-              <a:t> </a:t>
-            </a:r>
-            <a:r>
-              <a:rPr lang="ru-RU" sz="2000" dirty="0" err="1">
-                <a:latin typeface="Times New Roman" panose="02020603050405020304" pitchFamily="18" charset="0"/>
-                <a:cs typeface="Times New Roman" panose="02020603050405020304" pitchFamily="18" charset="0"/>
-              </a:rPr>
-              <a:t>платівками</a:t>
-            </a:r>
-            <a:r>
-              <a:rPr lang="ru-RU" sz="2000" dirty="0">
-                <a:latin typeface="Times New Roman" panose="02020603050405020304" pitchFamily="18" charset="0"/>
-                <a:cs typeface="Times New Roman" panose="02020603050405020304" pitchFamily="18" charset="0"/>
-              </a:rPr>
-              <a:t>, </a:t>
-            </a:r>
-            <a:r>
-              <a:rPr lang="ru-RU" sz="2000" dirty="0" err="1">
-                <a:latin typeface="Times New Roman" panose="02020603050405020304" pitchFamily="18" charset="0"/>
-                <a:cs typeface="Times New Roman" panose="02020603050405020304" pitchFamily="18" charset="0"/>
-              </a:rPr>
-              <a:t>потребують</a:t>
-            </a:r>
-            <a:r>
-              <a:rPr lang="ru-RU" sz="2000" dirty="0">
-                <a:latin typeface="Times New Roman" panose="02020603050405020304" pitchFamily="18" charset="0"/>
-                <a:cs typeface="Times New Roman" panose="02020603050405020304" pitchFamily="18" charset="0"/>
-              </a:rPr>
-              <a:t> </a:t>
-            </a:r>
-            <a:r>
-              <a:rPr lang="ru-RU" sz="2000" dirty="0" err="1">
-                <a:latin typeface="Times New Roman" panose="02020603050405020304" pitchFamily="18" charset="0"/>
-                <a:cs typeface="Times New Roman" panose="02020603050405020304" pitchFamily="18" charset="0"/>
-              </a:rPr>
-              <a:t>адаптивних</a:t>
-            </a:r>
-            <a:r>
-              <a:rPr lang="ru-RU" sz="2000" dirty="0">
-                <a:latin typeface="Times New Roman" panose="02020603050405020304" pitchFamily="18" charset="0"/>
-                <a:cs typeface="Times New Roman" panose="02020603050405020304" pitchFamily="18" charset="0"/>
-              </a:rPr>
-              <a:t> </a:t>
-            </a:r>
-            <a:r>
-              <a:rPr lang="ru-RU" sz="2000" dirty="0" err="1">
-                <a:latin typeface="Times New Roman" panose="02020603050405020304" pitchFamily="18" charset="0"/>
-                <a:cs typeface="Times New Roman" panose="02020603050405020304" pitchFamily="18" charset="0"/>
-              </a:rPr>
-              <a:t>рішень</a:t>
-            </a:r>
-            <a:r>
-              <a:rPr lang="ru-RU" sz="2000" dirty="0">
-                <a:latin typeface="Times New Roman" panose="02020603050405020304" pitchFamily="18" charset="0"/>
-                <a:cs typeface="Times New Roman" panose="02020603050405020304" pitchFamily="18" charset="0"/>
-              </a:rPr>
-              <a:t> для </a:t>
-            </a:r>
-            <a:r>
-              <a:rPr lang="ru-RU" sz="2000" dirty="0" err="1">
-                <a:latin typeface="Times New Roman" panose="02020603050405020304" pitchFamily="18" charset="0"/>
-                <a:cs typeface="Times New Roman" panose="02020603050405020304" pitchFamily="18" charset="0"/>
-              </a:rPr>
-              <a:t>управління</a:t>
-            </a:r>
-            <a:r>
-              <a:rPr lang="ru-RU" sz="2000" dirty="0">
-                <a:latin typeface="Times New Roman" panose="02020603050405020304" pitchFamily="18" charset="0"/>
-                <a:cs typeface="Times New Roman" panose="02020603050405020304" pitchFamily="18" charset="0"/>
-              </a:rPr>
-              <a:t> </a:t>
-            </a:r>
-            <a:r>
-              <a:rPr lang="ru-RU" sz="2000" dirty="0" err="1">
-                <a:latin typeface="Times New Roman" panose="02020603050405020304" pitchFamily="18" charset="0"/>
-                <a:cs typeface="Times New Roman" panose="02020603050405020304" pitchFamily="18" charset="0"/>
-              </a:rPr>
-              <a:t>асортиментом</a:t>
-            </a:r>
-            <a:r>
-              <a:rPr lang="ru-RU" sz="2000" dirty="0">
-                <a:latin typeface="Times New Roman" panose="02020603050405020304" pitchFamily="18" charset="0"/>
-                <a:cs typeface="Times New Roman" panose="02020603050405020304" pitchFamily="18" charset="0"/>
-              </a:rPr>
-              <a:t> і </a:t>
-            </a:r>
-            <a:r>
-              <a:rPr lang="ru-RU" sz="2000" dirty="0" err="1">
-                <a:latin typeface="Times New Roman" panose="02020603050405020304" pitchFamily="18" charset="0"/>
-                <a:cs typeface="Times New Roman" panose="02020603050405020304" pitchFamily="18" charset="0"/>
-              </a:rPr>
-              <a:t>замовленнями</a:t>
-            </a:r>
-            <a:r>
-              <a:rPr lang="ru-RU" sz="2000" dirty="0">
-                <a:latin typeface="Times New Roman" panose="02020603050405020304" pitchFamily="18" charset="0"/>
-                <a:cs typeface="Times New Roman" panose="02020603050405020304" pitchFamily="18" charset="0"/>
-              </a:rPr>
-              <a:t>.</a:t>
-            </a:r>
-          </a:p>
-          <a:p>
-            <a:pPr marL="285750" indent="-285750" algn="just">
-              <a:lnSpc>
-                <a:spcPct val="150000"/>
-              </a:lnSpc>
-              <a:buFont typeface="Arial" panose="020B0604020202020204" pitchFamily="34" charset="0"/>
-              <a:buChar char="•"/>
-            </a:pPr>
-            <a:r>
-              <a:rPr lang="ru-RU" sz="2000" dirty="0" err="1">
-                <a:latin typeface="Times New Roman" panose="02020603050405020304" pitchFamily="18" charset="0"/>
-                <a:cs typeface="Times New Roman" panose="02020603050405020304" pitchFamily="18" charset="0"/>
-              </a:rPr>
-              <a:t>Багато</a:t>
-            </a:r>
-            <a:r>
-              <a:rPr lang="ru-RU" sz="2000" dirty="0">
-                <a:latin typeface="Times New Roman" panose="02020603050405020304" pitchFamily="18" charset="0"/>
-                <a:cs typeface="Times New Roman" panose="02020603050405020304" pitchFamily="18" charset="0"/>
-              </a:rPr>
-              <a:t> </a:t>
-            </a:r>
-            <a:r>
-              <a:rPr lang="ru-RU" sz="2000" dirty="0" err="1">
-                <a:latin typeface="Times New Roman" panose="02020603050405020304" pitchFamily="18" charset="0"/>
-                <a:cs typeface="Times New Roman" panose="02020603050405020304" pitchFamily="18" charset="0"/>
-              </a:rPr>
-              <a:t>локальних</a:t>
-            </a:r>
-            <a:r>
-              <a:rPr lang="ru-RU" sz="2000" dirty="0">
-                <a:latin typeface="Times New Roman" panose="02020603050405020304" pitchFamily="18" charset="0"/>
-                <a:cs typeface="Times New Roman" panose="02020603050405020304" pitchFamily="18" charset="0"/>
-              </a:rPr>
-              <a:t> </a:t>
-            </a:r>
-            <a:r>
-              <a:rPr lang="ru-RU" sz="2000" dirty="0" err="1">
-                <a:latin typeface="Times New Roman" panose="02020603050405020304" pitchFamily="18" charset="0"/>
-                <a:cs typeface="Times New Roman" panose="02020603050405020304" pitchFamily="18" charset="0"/>
-              </a:rPr>
-              <a:t>бізнесів</a:t>
-            </a:r>
-            <a:r>
-              <a:rPr lang="ru-RU" sz="2000" dirty="0">
-                <a:latin typeface="Times New Roman" panose="02020603050405020304" pitchFamily="18" charset="0"/>
-                <a:cs typeface="Times New Roman" panose="02020603050405020304" pitchFamily="18" charset="0"/>
-              </a:rPr>
-              <a:t> </a:t>
-            </a:r>
-            <a:r>
-              <a:rPr lang="ru-RU" sz="2000" dirty="0" err="1">
-                <a:latin typeface="Times New Roman" panose="02020603050405020304" pitchFamily="18" charset="0"/>
-                <a:cs typeface="Times New Roman" panose="02020603050405020304" pitchFamily="18" charset="0"/>
-              </a:rPr>
-              <a:t>досі</a:t>
-            </a:r>
-            <a:r>
-              <a:rPr lang="ru-RU" sz="2000" dirty="0">
-                <a:latin typeface="Times New Roman" panose="02020603050405020304" pitchFamily="18" charset="0"/>
-                <a:cs typeface="Times New Roman" panose="02020603050405020304" pitchFamily="18" charset="0"/>
-              </a:rPr>
-              <a:t> </a:t>
-            </a:r>
-            <a:r>
-              <a:rPr lang="ru-RU" sz="2000" dirty="0" err="1">
-                <a:latin typeface="Times New Roman" panose="02020603050405020304" pitchFamily="18" charset="0"/>
-                <a:cs typeface="Times New Roman" panose="02020603050405020304" pitchFamily="18" charset="0"/>
-              </a:rPr>
-              <a:t>використовують</a:t>
-            </a:r>
-            <a:r>
-              <a:rPr lang="ru-RU" sz="2000" dirty="0">
-                <a:latin typeface="Times New Roman" panose="02020603050405020304" pitchFamily="18" charset="0"/>
-                <a:cs typeface="Times New Roman" panose="02020603050405020304" pitchFamily="18" charset="0"/>
-              </a:rPr>
-              <a:t> </a:t>
-            </a:r>
-            <a:r>
-              <a:rPr lang="ru-RU" sz="2000" dirty="0" err="1">
-                <a:latin typeface="Times New Roman" panose="02020603050405020304" pitchFamily="18" charset="0"/>
-                <a:cs typeface="Times New Roman" panose="02020603050405020304" pitchFamily="18" charset="0"/>
-              </a:rPr>
-              <a:t>неефективні</a:t>
-            </a:r>
-            <a:r>
-              <a:rPr lang="ru-RU" sz="2000" dirty="0">
-                <a:latin typeface="Times New Roman" panose="02020603050405020304" pitchFamily="18" charset="0"/>
-                <a:cs typeface="Times New Roman" panose="02020603050405020304" pitchFamily="18" charset="0"/>
-              </a:rPr>
-              <a:t> </a:t>
-            </a:r>
-            <a:r>
-              <a:rPr lang="ru-RU" sz="2000" dirty="0" err="1">
-                <a:latin typeface="Times New Roman" panose="02020603050405020304" pitchFamily="18" charset="0"/>
-                <a:cs typeface="Times New Roman" panose="02020603050405020304" pitchFamily="18" charset="0"/>
-              </a:rPr>
-              <a:t>або</a:t>
-            </a:r>
-            <a:r>
-              <a:rPr lang="ru-RU" sz="2000" dirty="0">
-                <a:latin typeface="Times New Roman" panose="02020603050405020304" pitchFamily="18" charset="0"/>
-                <a:cs typeface="Times New Roman" panose="02020603050405020304" pitchFamily="18" charset="0"/>
-              </a:rPr>
-              <a:t> </a:t>
-            </a:r>
-            <a:r>
-              <a:rPr lang="ru-RU" sz="2000" dirty="0" err="1">
-                <a:latin typeface="Times New Roman" panose="02020603050405020304" pitchFamily="18" charset="0"/>
-                <a:cs typeface="Times New Roman" panose="02020603050405020304" pitchFamily="18" charset="0"/>
-              </a:rPr>
-              <a:t>ручні</a:t>
-            </a:r>
-            <a:r>
-              <a:rPr lang="ru-RU" sz="2000" dirty="0">
-                <a:latin typeface="Times New Roman" panose="02020603050405020304" pitchFamily="18" charset="0"/>
-                <a:cs typeface="Times New Roman" panose="02020603050405020304" pitchFamily="18" charset="0"/>
-              </a:rPr>
-              <a:t> </a:t>
-            </a:r>
-            <a:r>
-              <a:rPr lang="ru-RU" sz="2000" dirty="0" err="1">
-                <a:latin typeface="Times New Roman" panose="02020603050405020304" pitchFamily="18" charset="0"/>
-                <a:cs typeface="Times New Roman" panose="02020603050405020304" pitchFamily="18" charset="0"/>
-              </a:rPr>
-              <a:t>методи</a:t>
-            </a:r>
-            <a:r>
-              <a:rPr lang="ru-RU" sz="2000" dirty="0">
-                <a:latin typeface="Times New Roman" panose="02020603050405020304" pitchFamily="18" charset="0"/>
-                <a:cs typeface="Times New Roman" panose="02020603050405020304" pitchFamily="18" charset="0"/>
-              </a:rPr>
-              <a:t> </a:t>
-            </a:r>
-            <a:r>
-              <a:rPr lang="ru-RU" sz="2000" dirty="0" err="1">
-                <a:latin typeface="Times New Roman" panose="02020603050405020304" pitchFamily="18" charset="0"/>
-                <a:cs typeface="Times New Roman" panose="02020603050405020304" pitchFamily="18" charset="0"/>
-              </a:rPr>
-              <a:t>обліку</a:t>
-            </a:r>
-            <a:endParaRPr lang="ru-RU" sz="2000" dirty="0">
-              <a:latin typeface="Times New Roman" panose="02020603050405020304" pitchFamily="18" charset="0"/>
-              <a:cs typeface="Times New Roman" panose="02020603050405020304" pitchFamily="18" charset="0"/>
-            </a:endParaRPr>
-          </a:p>
-          <a:p>
-            <a:pPr marL="285750" indent="-285750" algn="just">
-              <a:lnSpc>
-                <a:spcPct val="150000"/>
-              </a:lnSpc>
-              <a:buFont typeface="Arial" panose="020B0604020202020204" pitchFamily="34" charset="0"/>
-              <a:buChar char="•"/>
-            </a:pPr>
-            <a:r>
-              <a:rPr lang="ru-RU" sz="2000" dirty="0" err="1">
-                <a:latin typeface="Times New Roman" panose="02020603050405020304" pitchFamily="18" charset="0"/>
-                <a:cs typeface="Times New Roman" panose="02020603050405020304" pitchFamily="18" charset="0"/>
-              </a:rPr>
-              <a:t>Впровадження</a:t>
-            </a:r>
-            <a:r>
-              <a:rPr lang="ru-RU" sz="2000" dirty="0">
-                <a:latin typeface="Times New Roman" panose="02020603050405020304" pitchFamily="18" charset="0"/>
-                <a:cs typeface="Times New Roman" panose="02020603050405020304" pitchFamily="18" charset="0"/>
-              </a:rPr>
-              <a:t> CRM </a:t>
-            </a:r>
-            <a:r>
-              <a:rPr lang="ru-RU" sz="2000" dirty="0" err="1">
-                <a:latin typeface="Times New Roman" panose="02020603050405020304" pitchFamily="18" charset="0"/>
-                <a:cs typeface="Times New Roman" panose="02020603050405020304" pitchFamily="18" charset="0"/>
-              </a:rPr>
-              <a:t>підвищує</a:t>
-            </a:r>
-            <a:r>
-              <a:rPr lang="ru-RU" sz="2000" dirty="0">
-                <a:latin typeface="Times New Roman" panose="02020603050405020304" pitchFamily="18" charset="0"/>
-                <a:cs typeface="Times New Roman" panose="02020603050405020304" pitchFamily="18" charset="0"/>
-              </a:rPr>
-              <a:t> </a:t>
-            </a:r>
-            <a:r>
-              <a:rPr lang="ru-RU" sz="2000" dirty="0" err="1">
-                <a:latin typeface="Times New Roman" panose="02020603050405020304" pitchFamily="18" charset="0"/>
-                <a:cs typeface="Times New Roman" panose="02020603050405020304" pitchFamily="18" charset="0"/>
-              </a:rPr>
-              <a:t>продуктивність</a:t>
-            </a:r>
-            <a:r>
-              <a:rPr lang="ru-RU" sz="2000" dirty="0">
-                <a:latin typeface="Times New Roman" panose="02020603050405020304" pitchFamily="18" charset="0"/>
-                <a:cs typeface="Times New Roman" panose="02020603050405020304" pitchFamily="18" charset="0"/>
-              </a:rPr>
-              <a:t> персоналу та </a:t>
-            </a:r>
-            <a:r>
-              <a:rPr lang="ru-RU" sz="2000" dirty="0" err="1">
-                <a:latin typeface="Times New Roman" panose="02020603050405020304" pitchFamily="18" charset="0"/>
-                <a:cs typeface="Times New Roman" panose="02020603050405020304" pitchFamily="18" charset="0"/>
-              </a:rPr>
-              <a:t>якість</a:t>
-            </a:r>
-            <a:r>
-              <a:rPr lang="ru-RU" sz="2000" dirty="0">
-                <a:latin typeface="Times New Roman" panose="02020603050405020304" pitchFamily="18" charset="0"/>
-                <a:cs typeface="Times New Roman" panose="02020603050405020304" pitchFamily="18" charset="0"/>
-              </a:rPr>
-              <a:t> </a:t>
-            </a:r>
-            <a:r>
-              <a:rPr lang="ru-RU" sz="2000" dirty="0" err="1">
-                <a:latin typeface="Times New Roman" panose="02020603050405020304" pitchFamily="18" charset="0"/>
-                <a:cs typeface="Times New Roman" panose="02020603050405020304" pitchFamily="18" charset="0"/>
-              </a:rPr>
-              <a:t>обслуговування</a:t>
-            </a:r>
-            <a:r>
-              <a:rPr lang="ru-RU" sz="2000" dirty="0">
-                <a:latin typeface="Times New Roman" panose="02020603050405020304" pitchFamily="18" charset="0"/>
-                <a:cs typeface="Times New Roman" panose="02020603050405020304" pitchFamily="18" charset="0"/>
-              </a:rPr>
-              <a:t> </a:t>
-            </a:r>
-            <a:r>
-              <a:rPr lang="ru-RU" sz="2000" dirty="0" err="1">
-                <a:latin typeface="Times New Roman" panose="02020603050405020304" pitchFamily="18" charset="0"/>
-                <a:cs typeface="Times New Roman" panose="02020603050405020304" pitchFamily="18" charset="0"/>
-              </a:rPr>
-              <a:t>клієнтів</a:t>
-            </a:r>
-            <a:r>
-              <a:rPr lang="ru-RU" sz="2000" dirty="0" smtClean="0">
-                <a:latin typeface="Times New Roman" panose="02020603050405020304" pitchFamily="18" charset="0"/>
-                <a:cs typeface="Times New Roman" panose="02020603050405020304" pitchFamily="18" charset="0"/>
-              </a:rPr>
-              <a:t>.</a:t>
-            </a:r>
-            <a:endParaRPr lang="uk-UA" sz="2000" dirty="0">
+            <a:endParaRPr lang="en-US" dirty="0">
               <a:latin typeface="Times New Roman" panose="02020603050405020304" pitchFamily="18" charset="0"/>
               <a:cs typeface="Times New Roman" panose="02020603050405020304" pitchFamily="18" charset="0"/>
             </a:endParaRPr>
@@ -9242,7 +9687,7 @@
           <a:p>
             <a:pPr algn="ctr"/>
             <a:r>
-              <a:rPr lang="uk-UA" dirty="0" smtClean="0">
+              <a:rPr lang="uk-UA" dirty="0">
                 <a:solidFill>
                   <a:schemeClr val="accent2">
                     <a:lumMod val="50000"/>
@@ -9268,7 +9713,7 @@
     </p:spTree>
     <p:extLst>
       <p:ext uri="{BB962C8B-B14F-4D97-AF65-F5344CB8AC3E}">
-        <p14:creationId xmlns:p14="http://schemas.microsoft.com/office/powerpoint/2010/main" val="98985509"/>
+        <p14:creationId xmlns:p14="http://schemas.microsoft.com/office/powerpoint/2010/main" val="2815000970"/>
       </p:ext>
     </p:extLst>
   </p:cSld>
@@ -9352,39 +9797,9 @@
           </a:p>
         </p:txBody>
       </p:sp>
-      <p:pic>
-        <p:nvPicPr>
-          <p:cNvPr id="7" name="Рисунок 6"/>
-          <p:cNvPicPr>
-            <a:picLocks noChangeAspect="1"/>
-          </p:cNvPicPr>
-          <p:nvPr/>
-        </p:nvPicPr>
-        <p:blipFill>
-          <a:blip r:embed="rId2">
-            <a:extLst>
-              <a:ext uri="{28A0092B-C50C-407E-A947-70E740481C1C}">
-                <a14:useLocalDpi xmlns:a14="http://schemas.microsoft.com/office/drawing/2010/main" val="0"/>
-              </a:ext>
-            </a:extLst>
-          </a:blip>
-          <a:stretch>
-            <a:fillRect/>
-          </a:stretch>
-        </p:blipFill>
-        <p:spPr>
-          <a:xfrm>
-            <a:off x="9755350" y="75151"/>
-            <a:ext cx="2317726" cy="701112"/>
-          </a:xfrm>
-          <a:prstGeom prst="rect">
-            <a:avLst/>
-          </a:prstGeom>
-        </p:spPr>
-      </p:pic>
       <p:sp>
         <p:nvSpPr>
-          <p:cNvPr id="10" name="Title 1">
+          <p:cNvPr id="5" name="Title 1">
             <a:extLst>
               <a:ext uri="{FF2B5EF4-FFF2-40B4-BE49-F238E27FC236}">
                 <a16:creationId xmlns:a16="http://schemas.microsoft.com/office/drawing/2014/main" id="{2CD97761-0B88-A5E8-0B78-C39173D05F4D}"/>
@@ -9398,7 +9813,7 @@
         </p:nvSpPr>
         <p:spPr>
           <a:xfrm>
-            <a:off x="1348835" y="414997"/>
+            <a:off x="1268548" y="414997"/>
             <a:ext cx="4640418" cy="499403"/>
           </a:xfrm>
           <a:prstGeom prst="rect">
@@ -9439,7 +9854,7 @@
                 <a:latin typeface="Times New Roman" panose="02020603050405020304" pitchFamily="18" charset="0"/>
                 <a:cs typeface="Times New Roman" panose="02020603050405020304" pitchFamily="18" charset="0"/>
               </a:rPr>
-              <a:t>Мета  і завдання</a:t>
+              <a:t>Актуальність теми</a:t>
             </a:r>
             <a:endParaRPr lang="en-US" dirty="0">
               <a:solidFill>
@@ -9453,16 +9868,46 @@
           </a:p>
         </p:txBody>
       </p:sp>
+      <p:pic>
+        <p:nvPicPr>
+          <p:cNvPr id="7" name="Рисунок 6"/>
+          <p:cNvPicPr>
+            <a:picLocks noChangeAspect="1"/>
+          </p:cNvPicPr>
+          <p:nvPr/>
+        </p:nvPicPr>
+        <p:blipFill>
+          <a:blip r:embed="rId2">
+            <a:extLst>
+              <a:ext uri="{28A0092B-C50C-407E-A947-70E740481C1C}">
+                <a14:useLocalDpi xmlns:a14="http://schemas.microsoft.com/office/drawing/2010/main" val="0"/>
+              </a:ext>
+            </a:extLst>
+          </a:blip>
+          <a:stretch>
+            <a:fillRect/>
+          </a:stretch>
+        </p:blipFill>
+        <p:spPr>
+          <a:xfrm>
+            <a:off x="9755350" y="75151"/>
+            <a:ext cx="2317726" cy="701112"/>
+          </a:xfrm>
+          <a:prstGeom prst="rect">
+            <a:avLst/>
+          </a:prstGeom>
+        </p:spPr>
+      </p:pic>
       <p:sp>
         <p:nvSpPr>
-          <p:cNvPr id="11" name="Прямоугольник 10"/>
+          <p:cNvPr id="9" name="Прямоугольник 8"/>
           <p:cNvSpPr/>
           <p:nvPr/>
         </p:nvSpPr>
         <p:spPr>
           <a:xfrm>
-            <a:off x="1348835" y="1069539"/>
-            <a:ext cx="10193132" cy="1754326"/>
+            <a:off x="1137919" y="1679012"/>
+            <a:ext cx="10208105" cy="3323987"/>
           </a:xfrm>
           <a:prstGeom prst="rect">
             <a:avLst/>
@@ -9474,84 +9919,573 @@
           </a:bodyPr>
           <a:lstStyle/>
           <a:p>
-            <a:r>
-              <a:rPr lang="uk-UA" dirty="0">
-                <a:latin typeface="Times New Roman" panose="02020603050405020304" pitchFamily="18" charset="0"/>
-                <a:cs typeface="Times New Roman" panose="02020603050405020304" pitchFamily="18" charset="0"/>
-              </a:rPr>
-              <a:t>Головна мета кваліфікаційної роботи полягає у створенні функціональної CRM-системи, яка дозволяє організувати та автоматизувати основні процеси управління діяльністю магазину вінілових платівок. І хоча загальна архітектура рішення передбачає наявність інтерфейсів, доступних через </a:t>
-            </a:r>
-            <a:r>
-              <a:rPr lang="uk-UA" dirty="0" err="1">
-                <a:latin typeface="Times New Roman" panose="02020603050405020304" pitchFamily="18" charset="0"/>
-                <a:cs typeface="Times New Roman" panose="02020603050405020304" pitchFamily="18" charset="0"/>
-              </a:rPr>
-              <a:t>веббраузер</a:t>
-            </a:r>
-            <a:r>
-              <a:rPr lang="uk-UA" dirty="0">
-                <a:latin typeface="Times New Roman" panose="02020603050405020304" pitchFamily="18" charset="0"/>
-                <a:cs typeface="Times New Roman" panose="02020603050405020304" pitchFamily="18" charset="0"/>
-              </a:rPr>
-              <a:t>, суть завдання полягає не у створенні окремої веб-платформи, а у розробці комплексного засобу управління (</a:t>
-            </a:r>
-            <a:r>
-              <a:rPr lang="uk-UA" dirty="0" err="1">
-                <a:latin typeface="Times New Roman" panose="02020603050405020304" pitchFamily="18" charset="0"/>
-                <a:cs typeface="Times New Roman" panose="02020603050405020304" pitchFamily="18" charset="0"/>
-              </a:rPr>
-              <a:t>Customer</a:t>
-            </a:r>
-            <a:r>
-              <a:rPr lang="uk-UA" dirty="0">
+            <a:pPr marL="285750" indent="-285750" algn="just">
+              <a:lnSpc>
+                <a:spcPct val="150000"/>
+              </a:lnSpc>
+              <a:buFont typeface="Arial" panose="020B0604020202020204" pitchFamily="34" charset="0"/>
+              <a:buChar char="•"/>
+            </a:pPr>
+            <a:r>
+              <a:rPr lang="ru-RU" sz="2000" dirty="0" err="1">
+                <a:latin typeface="Times New Roman" panose="02020603050405020304" pitchFamily="18" charset="0"/>
+                <a:cs typeface="Times New Roman" panose="02020603050405020304" pitchFamily="18" charset="0"/>
+              </a:rPr>
+              <a:t>Зростання</a:t>
+            </a:r>
+            <a:r>
+              <a:rPr lang="ru-RU" sz="2000" dirty="0">
                 <a:latin typeface="Times New Roman" panose="02020603050405020304" pitchFamily="18" charset="0"/>
                 <a:cs typeface="Times New Roman" panose="02020603050405020304" pitchFamily="18" charset="0"/>
               </a:rPr>
               <a:t> </a:t>
             </a:r>
             <a:r>
-              <a:rPr lang="uk-UA" dirty="0" err="1">
-                <a:latin typeface="Times New Roman" panose="02020603050405020304" pitchFamily="18" charset="0"/>
-                <a:cs typeface="Times New Roman" panose="02020603050405020304" pitchFamily="18" charset="0"/>
-              </a:rPr>
-              <a:t>Relationship</a:t>
-            </a:r>
-            <a:r>
-              <a:rPr lang="uk-UA" dirty="0">
+              <a:rPr lang="ru-RU" sz="2000" dirty="0" err="1">
+                <a:latin typeface="Times New Roman" panose="02020603050405020304" pitchFamily="18" charset="0"/>
+                <a:cs typeface="Times New Roman" panose="02020603050405020304" pitchFamily="18" charset="0"/>
+              </a:rPr>
+              <a:t>попиту</a:t>
+            </a:r>
+            <a:r>
+              <a:rPr lang="ru-RU" sz="2000" dirty="0">
+                <a:latin typeface="Times New Roman" panose="02020603050405020304" pitchFamily="18" charset="0"/>
+                <a:cs typeface="Times New Roman" panose="02020603050405020304" pitchFamily="18" charset="0"/>
+              </a:rPr>
+              <a:t> на онлайн-</a:t>
+            </a:r>
+            <a:r>
+              <a:rPr lang="ru-RU" sz="2000" dirty="0" err="1">
+                <a:latin typeface="Times New Roman" panose="02020603050405020304" pitchFamily="18" charset="0"/>
+                <a:cs typeface="Times New Roman" panose="02020603050405020304" pitchFamily="18" charset="0"/>
+              </a:rPr>
+              <a:t>торгівлю</a:t>
+            </a:r>
+            <a:r>
+              <a:rPr lang="ru-RU" sz="2000" dirty="0">
+                <a:latin typeface="Times New Roman" panose="02020603050405020304" pitchFamily="18" charset="0"/>
+                <a:cs typeface="Times New Roman" panose="02020603050405020304" pitchFamily="18" charset="0"/>
+              </a:rPr>
+              <a:t> та </a:t>
+            </a:r>
+            <a:r>
+              <a:rPr lang="ru-RU" sz="2000" dirty="0" err="1">
+                <a:latin typeface="Times New Roman" panose="02020603050405020304" pitchFamily="18" charset="0"/>
+                <a:cs typeface="Times New Roman" panose="02020603050405020304" pitchFamily="18" charset="0"/>
+              </a:rPr>
+              <a:t>цифрові</a:t>
+            </a:r>
+            <a:r>
+              <a:rPr lang="ru-RU" sz="2000" dirty="0">
+                <a:latin typeface="Times New Roman" panose="02020603050405020304" pitchFamily="18" charset="0"/>
+                <a:cs typeface="Times New Roman" panose="02020603050405020304" pitchFamily="18" charset="0"/>
+              </a:rPr>
+              <a:t> канали </a:t>
+            </a:r>
+            <a:r>
+              <a:rPr lang="ru-RU" sz="2000" dirty="0" err="1" smtClean="0">
+                <a:latin typeface="Times New Roman" panose="02020603050405020304" pitchFamily="18" charset="0"/>
+                <a:cs typeface="Times New Roman" panose="02020603050405020304" pitchFamily="18" charset="0"/>
+              </a:rPr>
+              <a:t>продажів</a:t>
+            </a:r>
+            <a:endParaRPr lang="uk-UA" sz="2000" dirty="0" smtClean="0">
+              <a:latin typeface="Times New Roman" panose="02020603050405020304" pitchFamily="18" charset="0"/>
+              <a:cs typeface="Times New Roman" panose="02020603050405020304" pitchFamily="18" charset="0"/>
+            </a:endParaRPr>
+          </a:p>
+          <a:p>
+            <a:pPr marL="285750" indent="-285750" algn="just">
+              <a:lnSpc>
+                <a:spcPct val="150000"/>
+              </a:lnSpc>
+              <a:buFont typeface="Arial" panose="020B0604020202020204" pitchFamily="34" charset="0"/>
+              <a:buChar char="•"/>
+            </a:pPr>
+            <a:r>
+              <a:rPr lang="ru-RU" sz="2000" dirty="0" smtClean="0">
+                <a:latin typeface="Times New Roman" panose="02020603050405020304" pitchFamily="18" charset="0"/>
+                <a:cs typeface="Times New Roman" panose="02020603050405020304" pitchFamily="18" charset="0"/>
+              </a:rPr>
+              <a:t>CRM-</a:t>
+            </a:r>
+            <a:r>
+              <a:rPr lang="ru-RU" sz="2000" dirty="0" err="1" smtClean="0">
+                <a:latin typeface="Times New Roman" panose="02020603050405020304" pitchFamily="18" charset="0"/>
+                <a:cs typeface="Times New Roman" panose="02020603050405020304" pitchFamily="18" charset="0"/>
+              </a:rPr>
+              <a:t>системи</a:t>
+            </a:r>
+            <a:r>
+              <a:rPr lang="ru-RU" sz="2000" dirty="0" smtClean="0">
                 <a:latin typeface="Times New Roman" panose="02020603050405020304" pitchFamily="18" charset="0"/>
                 <a:cs typeface="Times New Roman" panose="02020603050405020304" pitchFamily="18" charset="0"/>
               </a:rPr>
               <a:t> </a:t>
             </a:r>
             <a:r>
-              <a:rPr lang="uk-UA" dirty="0" err="1">
-                <a:latin typeface="Times New Roman" panose="02020603050405020304" pitchFamily="18" charset="0"/>
-                <a:cs typeface="Times New Roman" panose="02020603050405020304" pitchFamily="18" charset="0"/>
-              </a:rPr>
-              <a:t>Management</a:t>
-            </a:r>
-            <a:r>
-              <a:rPr lang="uk-UA" dirty="0">
+              <a:rPr lang="ru-RU" sz="2000" dirty="0">
+                <a:latin typeface="Times New Roman" panose="02020603050405020304" pitchFamily="18" charset="0"/>
+                <a:cs typeface="Times New Roman" panose="02020603050405020304" pitchFamily="18" charset="0"/>
+              </a:rPr>
+              <a:t>є </a:t>
+            </a:r>
+            <a:r>
+              <a:rPr lang="ru-RU" sz="2000" dirty="0" err="1">
+                <a:latin typeface="Times New Roman" panose="02020603050405020304" pitchFamily="18" charset="0"/>
+                <a:cs typeface="Times New Roman" panose="02020603050405020304" pitchFamily="18" charset="0"/>
+              </a:rPr>
+              <a:t>ключовим</a:t>
+            </a:r>
+            <a:r>
+              <a:rPr lang="ru-RU" sz="2000" dirty="0">
                 <a:latin typeface="Times New Roman" panose="02020603050405020304" pitchFamily="18" charset="0"/>
                 <a:cs typeface="Times New Roman" panose="02020603050405020304" pitchFamily="18" charset="0"/>
               </a:rPr>
               <a:t> </a:t>
             </a:r>
             <a:r>
-              <a:rPr lang="uk-UA" dirty="0" err="1">
-                <a:latin typeface="Times New Roman" panose="02020603050405020304" pitchFamily="18" charset="0"/>
-                <a:cs typeface="Times New Roman" panose="02020603050405020304" pitchFamily="18" charset="0"/>
-              </a:rPr>
-              <a:t>system</a:t>
-            </a:r>
-            <a:r>
-              <a:rPr lang="uk-UA" dirty="0">
-                <a:latin typeface="Times New Roman" panose="02020603050405020304" pitchFamily="18" charset="0"/>
-                <a:cs typeface="Times New Roman" panose="02020603050405020304" pitchFamily="18" charset="0"/>
-              </a:rPr>
-              <a:t>) із додатковими можливостями обслуговування клієнтів у цифровому середовищі.</a:t>
-            </a:r>
-            <a:endParaRPr lang="en-US" dirty="0">
+              <a:rPr lang="ru-RU" sz="2000" dirty="0" err="1">
+                <a:latin typeface="Times New Roman" panose="02020603050405020304" pitchFamily="18" charset="0"/>
+                <a:cs typeface="Times New Roman" panose="02020603050405020304" pitchFamily="18" charset="0"/>
+              </a:rPr>
+              <a:t>інструментом</a:t>
+            </a:r>
+            <a:r>
+              <a:rPr lang="ru-RU" sz="2000" dirty="0">
+                <a:latin typeface="Times New Roman" panose="02020603050405020304" pitchFamily="18" charset="0"/>
+                <a:cs typeface="Times New Roman" panose="02020603050405020304" pitchFamily="18" charset="0"/>
+              </a:rPr>
+              <a:t> </a:t>
+            </a:r>
+            <a:r>
+              <a:rPr lang="ru-RU" sz="2000" dirty="0" err="1">
+                <a:latin typeface="Times New Roman" panose="02020603050405020304" pitchFamily="18" charset="0"/>
+                <a:cs typeface="Times New Roman" panose="02020603050405020304" pitchFamily="18" charset="0"/>
+              </a:rPr>
+              <a:t>автоматизації</a:t>
+            </a:r>
+            <a:r>
+              <a:rPr lang="ru-RU" sz="2000" dirty="0">
+                <a:latin typeface="Times New Roman" panose="02020603050405020304" pitchFamily="18" charset="0"/>
+                <a:cs typeface="Times New Roman" panose="02020603050405020304" pitchFamily="18" charset="0"/>
+              </a:rPr>
+              <a:t> </a:t>
+            </a:r>
+            <a:r>
+              <a:rPr lang="ru-RU" sz="2000" dirty="0" err="1">
+                <a:latin typeface="Times New Roman" panose="02020603050405020304" pitchFamily="18" charset="0"/>
+                <a:cs typeface="Times New Roman" panose="02020603050405020304" pitchFamily="18" charset="0"/>
+              </a:rPr>
+              <a:t>бізнесу</a:t>
+            </a:r>
+            <a:endParaRPr lang="ru-RU" sz="2000" dirty="0">
+              <a:latin typeface="Times New Roman" panose="02020603050405020304" pitchFamily="18" charset="0"/>
+              <a:cs typeface="Times New Roman" panose="02020603050405020304" pitchFamily="18" charset="0"/>
+            </a:endParaRPr>
+          </a:p>
+          <a:p>
+            <a:pPr marL="285750" indent="-285750" algn="just">
+              <a:lnSpc>
+                <a:spcPct val="150000"/>
+              </a:lnSpc>
+              <a:buFont typeface="Arial" panose="020B0604020202020204" pitchFamily="34" charset="0"/>
+              <a:buChar char="•"/>
+            </a:pPr>
+            <a:r>
+              <a:rPr lang="ru-RU" sz="2000" dirty="0" err="1">
+                <a:latin typeface="Times New Roman" panose="02020603050405020304" pitchFamily="18" charset="0"/>
+                <a:cs typeface="Times New Roman" panose="02020603050405020304" pitchFamily="18" charset="0"/>
+              </a:rPr>
+              <a:t>Нішеві</a:t>
+            </a:r>
+            <a:r>
+              <a:rPr lang="ru-RU" sz="2000" dirty="0">
+                <a:latin typeface="Times New Roman" panose="02020603050405020304" pitchFamily="18" charset="0"/>
+                <a:cs typeface="Times New Roman" panose="02020603050405020304" pitchFamily="18" charset="0"/>
+              </a:rPr>
+              <a:t> </a:t>
+            </a:r>
+            <a:r>
+              <a:rPr lang="ru-RU" sz="2000" dirty="0" err="1">
+                <a:latin typeface="Times New Roman" panose="02020603050405020304" pitchFamily="18" charset="0"/>
+                <a:cs typeface="Times New Roman" panose="02020603050405020304" pitchFamily="18" charset="0"/>
+              </a:rPr>
+              <a:t>магазини</a:t>
+            </a:r>
+            <a:r>
+              <a:rPr lang="ru-RU" sz="2000" dirty="0">
+                <a:latin typeface="Times New Roman" panose="02020603050405020304" pitchFamily="18" charset="0"/>
+                <a:cs typeface="Times New Roman" panose="02020603050405020304" pitchFamily="18" charset="0"/>
+              </a:rPr>
+              <a:t>, </a:t>
+            </a:r>
+            <a:r>
+              <a:rPr lang="ru-RU" sz="2000" dirty="0" err="1">
+                <a:latin typeface="Times New Roman" panose="02020603050405020304" pitchFamily="18" charset="0"/>
+                <a:cs typeface="Times New Roman" panose="02020603050405020304" pitchFamily="18" charset="0"/>
+              </a:rPr>
+              <a:t>зокрема</a:t>
+            </a:r>
+            <a:r>
+              <a:rPr lang="ru-RU" sz="2000" dirty="0">
+                <a:latin typeface="Times New Roman" panose="02020603050405020304" pitchFamily="18" charset="0"/>
+                <a:cs typeface="Times New Roman" panose="02020603050405020304" pitchFamily="18" charset="0"/>
+              </a:rPr>
+              <a:t> з </a:t>
+            </a:r>
+            <a:r>
+              <a:rPr lang="ru-RU" sz="2000" dirty="0" err="1">
+                <a:latin typeface="Times New Roman" panose="02020603050405020304" pitchFamily="18" charset="0"/>
+                <a:cs typeface="Times New Roman" panose="02020603050405020304" pitchFamily="18" charset="0"/>
+              </a:rPr>
+              <a:t>вініловими</a:t>
+            </a:r>
+            <a:r>
+              <a:rPr lang="ru-RU" sz="2000" dirty="0">
+                <a:latin typeface="Times New Roman" panose="02020603050405020304" pitchFamily="18" charset="0"/>
+                <a:cs typeface="Times New Roman" panose="02020603050405020304" pitchFamily="18" charset="0"/>
+              </a:rPr>
+              <a:t> </a:t>
+            </a:r>
+            <a:r>
+              <a:rPr lang="ru-RU" sz="2000" dirty="0" err="1">
+                <a:latin typeface="Times New Roman" panose="02020603050405020304" pitchFamily="18" charset="0"/>
+                <a:cs typeface="Times New Roman" panose="02020603050405020304" pitchFamily="18" charset="0"/>
+              </a:rPr>
+              <a:t>платівками</a:t>
+            </a:r>
+            <a:r>
+              <a:rPr lang="ru-RU" sz="2000" dirty="0">
+                <a:latin typeface="Times New Roman" panose="02020603050405020304" pitchFamily="18" charset="0"/>
+                <a:cs typeface="Times New Roman" panose="02020603050405020304" pitchFamily="18" charset="0"/>
+              </a:rPr>
+              <a:t>, </a:t>
+            </a:r>
+            <a:r>
+              <a:rPr lang="ru-RU" sz="2000" dirty="0" err="1">
+                <a:latin typeface="Times New Roman" panose="02020603050405020304" pitchFamily="18" charset="0"/>
+                <a:cs typeface="Times New Roman" panose="02020603050405020304" pitchFamily="18" charset="0"/>
+              </a:rPr>
+              <a:t>потребують</a:t>
+            </a:r>
+            <a:r>
+              <a:rPr lang="ru-RU" sz="2000" dirty="0">
+                <a:latin typeface="Times New Roman" panose="02020603050405020304" pitchFamily="18" charset="0"/>
+                <a:cs typeface="Times New Roman" panose="02020603050405020304" pitchFamily="18" charset="0"/>
+              </a:rPr>
+              <a:t> </a:t>
+            </a:r>
+            <a:r>
+              <a:rPr lang="ru-RU" sz="2000" dirty="0" err="1">
+                <a:latin typeface="Times New Roman" panose="02020603050405020304" pitchFamily="18" charset="0"/>
+                <a:cs typeface="Times New Roman" panose="02020603050405020304" pitchFamily="18" charset="0"/>
+              </a:rPr>
+              <a:t>адаптивних</a:t>
+            </a:r>
+            <a:r>
+              <a:rPr lang="ru-RU" sz="2000" dirty="0">
+                <a:latin typeface="Times New Roman" panose="02020603050405020304" pitchFamily="18" charset="0"/>
+                <a:cs typeface="Times New Roman" panose="02020603050405020304" pitchFamily="18" charset="0"/>
+              </a:rPr>
+              <a:t> </a:t>
+            </a:r>
+            <a:r>
+              <a:rPr lang="ru-RU" sz="2000" dirty="0" err="1">
+                <a:latin typeface="Times New Roman" panose="02020603050405020304" pitchFamily="18" charset="0"/>
+                <a:cs typeface="Times New Roman" panose="02020603050405020304" pitchFamily="18" charset="0"/>
+              </a:rPr>
+              <a:t>рішень</a:t>
+            </a:r>
+            <a:r>
+              <a:rPr lang="ru-RU" sz="2000" dirty="0">
+                <a:latin typeface="Times New Roman" panose="02020603050405020304" pitchFamily="18" charset="0"/>
+                <a:cs typeface="Times New Roman" panose="02020603050405020304" pitchFamily="18" charset="0"/>
+              </a:rPr>
+              <a:t> для </a:t>
+            </a:r>
+            <a:r>
+              <a:rPr lang="ru-RU" sz="2000" dirty="0" err="1">
+                <a:latin typeface="Times New Roman" panose="02020603050405020304" pitchFamily="18" charset="0"/>
+                <a:cs typeface="Times New Roman" panose="02020603050405020304" pitchFamily="18" charset="0"/>
+              </a:rPr>
+              <a:t>управління</a:t>
+            </a:r>
+            <a:r>
+              <a:rPr lang="ru-RU" sz="2000" dirty="0">
+                <a:latin typeface="Times New Roman" panose="02020603050405020304" pitchFamily="18" charset="0"/>
+                <a:cs typeface="Times New Roman" panose="02020603050405020304" pitchFamily="18" charset="0"/>
+              </a:rPr>
+              <a:t> </a:t>
+            </a:r>
+            <a:r>
+              <a:rPr lang="ru-RU" sz="2000" dirty="0" err="1">
+                <a:latin typeface="Times New Roman" panose="02020603050405020304" pitchFamily="18" charset="0"/>
+                <a:cs typeface="Times New Roman" panose="02020603050405020304" pitchFamily="18" charset="0"/>
+              </a:rPr>
+              <a:t>асортиментом</a:t>
+            </a:r>
+            <a:r>
+              <a:rPr lang="ru-RU" sz="2000" dirty="0">
+                <a:latin typeface="Times New Roman" panose="02020603050405020304" pitchFamily="18" charset="0"/>
+                <a:cs typeface="Times New Roman" panose="02020603050405020304" pitchFamily="18" charset="0"/>
+              </a:rPr>
+              <a:t> і </a:t>
+            </a:r>
+            <a:r>
+              <a:rPr lang="ru-RU" sz="2000" dirty="0" err="1">
+                <a:latin typeface="Times New Roman" panose="02020603050405020304" pitchFamily="18" charset="0"/>
+                <a:cs typeface="Times New Roman" panose="02020603050405020304" pitchFamily="18" charset="0"/>
+              </a:rPr>
+              <a:t>замовленнями</a:t>
+            </a:r>
+            <a:r>
+              <a:rPr lang="ru-RU" sz="2000" dirty="0">
+                <a:latin typeface="Times New Roman" panose="02020603050405020304" pitchFamily="18" charset="0"/>
+                <a:cs typeface="Times New Roman" panose="02020603050405020304" pitchFamily="18" charset="0"/>
+              </a:rPr>
+              <a:t>.</a:t>
+            </a:r>
+          </a:p>
+          <a:p>
+            <a:pPr marL="285750" indent="-285750" algn="just">
+              <a:lnSpc>
+                <a:spcPct val="150000"/>
+              </a:lnSpc>
+              <a:buFont typeface="Arial" panose="020B0604020202020204" pitchFamily="34" charset="0"/>
+              <a:buChar char="•"/>
+            </a:pPr>
+            <a:r>
+              <a:rPr lang="ru-RU" sz="2000" dirty="0" err="1">
+                <a:latin typeface="Times New Roman" panose="02020603050405020304" pitchFamily="18" charset="0"/>
+                <a:cs typeface="Times New Roman" panose="02020603050405020304" pitchFamily="18" charset="0"/>
+              </a:rPr>
+              <a:t>Багато</a:t>
+            </a:r>
+            <a:r>
+              <a:rPr lang="ru-RU" sz="2000" dirty="0">
+                <a:latin typeface="Times New Roman" panose="02020603050405020304" pitchFamily="18" charset="0"/>
+                <a:cs typeface="Times New Roman" panose="02020603050405020304" pitchFamily="18" charset="0"/>
+              </a:rPr>
+              <a:t> </a:t>
+            </a:r>
+            <a:r>
+              <a:rPr lang="ru-RU" sz="2000" dirty="0" err="1">
+                <a:latin typeface="Times New Roman" panose="02020603050405020304" pitchFamily="18" charset="0"/>
+                <a:cs typeface="Times New Roman" panose="02020603050405020304" pitchFamily="18" charset="0"/>
+              </a:rPr>
+              <a:t>локальних</a:t>
+            </a:r>
+            <a:r>
+              <a:rPr lang="ru-RU" sz="2000" dirty="0">
+                <a:latin typeface="Times New Roman" panose="02020603050405020304" pitchFamily="18" charset="0"/>
+                <a:cs typeface="Times New Roman" panose="02020603050405020304" pitchFamily="18" charset="0"/>
+              </a:rPr>
+              <a:t> </a:t>
+            </a:r>
+            <a:r>
+              <a:rPr lang="ru-RU" sz="2000" dirty="0" err="1">
+                <a:latin typeface="Times New Roman" panose="02020603050405020304" pitchFamily="18" charset="0"/>
+                <a:cs typeface="Times New Roman" panose="02020603050405020304" pitchFamily="18" charset="0"/>
+              </a:rPr>
+              <a:t>бізнесів</a:t>
+            </a:r>
+            <a:r>
+              <a:rPr lang="ru-RU" sz="2000" dirty="0">
+                <a:latin typeface="Times New Roman" panose="02020603050405020304" pitchFamily="18" charset="0"/>
+                <a:cs typeface="Times New Roman" panose="02020603050405020304" pitchFamily="18" charset="0"/>
+              </a:rPr>
+              <a:t> </a:t>
+            </a:r>
+            <a:r>
+              <a:rPr lang="ru-RU" sz="2000" dirty="0" err="1">
+                <a:latin typeface="Times New Roman" panose="02020603050405020304" pitchFamily="18" charset="0"/>
+                <a:cs typeface="Times New Roman" panose="02020603050405020304" pitchFamily="18" charset="0"/>
+              </a:rPr>
+              <a:t>досі</a:t>
+            </a:r>
+            <a:r>
+              <a:rPr lang="ru-RU" sz="2000" dirty="0">
+                <a:latin typeface="Times New Roman" panose="02020603050405020304" pitchFamily="18" charset="0"/>
+                <a:cs typeface="Times New Roman" panose="02020603050405020304" pitchFamily="18" charset="0"/>
+              </a:rPr>
+              <a:t> </a:t>
+            </a:r>
+            <a:r>
+              <a:rPr lang="ru-RU" sz="2000" dirty="0" err="1">
+                <a:latin typeface="Times New Roman" panose="02020603050405020304" pitchFamily="18" charset="0"/>
+                <a:cs typeface="Times New Roman" panose="02020603050405020304" pitchFamily="18" charset="0"/>
+              </a:rPr>
+              <a:t>використовують</a:t>
+            </a:r>
+            <a:r>
+              <a:rPr lang="ru-RU" sz="2000" dirty="0">
+                <a:latin typeface="Times New Roman" panose="02020603050405020304" pitchFamily="18" charset="0"/>
+                <a:cs typeface="Times New Roman" panose="02020603050405020304" pitchFamily="18" charset="0"/>
+              </a:rPr>
+              <a:t> </a:t>
+            </a:r>
+            <a:r>
+              <a:rPr lang="ru-RU" sz="2000" dirty="0" err="1">
+                <a:latin typeface="Times New Roman" panose="02020603050405020304" pitchFamily="18" charset="0"/>
+                <a:cs typeface="Times New Roman" panose="02020603050405020304" pitchFamily="18" charset="0"/>
+              </a:rPr>
+              <a:t>неефективні</a:t>
+            </a:r>
+            <a:r>
+              <a:rPr lang="ru-RU" sz="2000" dirty="0">
+                <a:latin typeface="Times New Roman" panose="02020603050405020304" pitchFamily="18" charset="0"/>
+                <a:cs typeface="Times New Roman" panose="02020603050405020304" pitchFamily="18" charset="0"/>
+              </a:rPr>
+              <a:t> </a:t>
+            </a:r>
+            <a:r>
+              <a:rPr lang="ru-RU" sz="2000" dirty="0" err="1">
+                <a:latin typeface="Times New Roman" panose="02020603050405020304" pitchFamily="18" charset="0"/>
+                <a:cs typeface="Times New Roman" panose="02020603050405020304" pitchFamily="18" charset="0"/>
+              </a:rPr>
+              <a:t>або</a:t>
+            </a:r>
+            <a:r>
+              <a:rPr lang="ru-RU" sz="2000" dirty="0">
+                <a:latin typeface="Times New Roman" panose="02020603050405020304" pitchFamily="18" charset="0"/>
+                <a:cs typeface="Times New Roman" panose="02020603050405020304" pitchFamily="18" charset="0"/>
+              </a:rPr>
+              <a:t> </a:t>
+            </a:r>
+            <a:r>
+              <a:rPr lang="ru-RU" sz="2000" dirty="0" err="1">
+                <a:latin typeface="Times New Roman" panose="02020603050405020304" pitchFamily="18" charset="0"/>
+                <a:cs typeface="Times New Roman" panose="02020603050405020304" pitchFamily="18" charset="0"/>
+              </a:rPr>
+              <a:t>ручні</a:t>
+            </a:r>
+            <a:r>
+              <a:rPr lang="ru-RU" sz="2000" dirty="0">
+                <a:latin typeface="Times New Roman" panose="02020603050405020304" pitchFamily="18" charset="0"/>
+                <a:cs typeface="Times New Roman" panose="02020603050405020304" pitchFamily="18" charset="0"/>
+              </a:rPr>
+              <a:t> </a:t>
+            </a:r>
+            <a:r>
+              <a:rPr lang="ru-RU" sz="2000" dirty="0" err="1">
+                <a:latin typeface="Times New Roman" panose="02020603050405020304" pitchFamily="18" charset="0"/>
+                <a:cs typeface="Times New Roman" panose="02020603050405020304" pitchFamily="18" charset="0"/>
+              </a:rPr>
+              <a:t>методи</a:t>
+            </a:r>
+            <a:r>
+              <a:rPr lang="ru-RU" sz="2000" dirty="0">
+                <a:latin typeface="Times New Roman" panose="02020603050405020304" pitchFamily="18" charset="0"/>
+                <a:cs typeface="Times New Roman" panose="02020603050405020304" pitchFamily="18" charset="0"/>
+              </a:rPr>
+              <a:t> </a:t>
+            </a:r>
+            <a:r>
+              <a:rPr lang="ru-RU" sz="2000" dirty="0" err="1">
+                <a:latin typeface="Times New Roman" panose="02020603050405020304" pitchFamily="18" charset="0"/>
+                <a:cs typeface="Times New Roman" panose="02020603050405020304" pitchFamily="18" charset="0"/>
+              </a:rPr>
+              <a:t>обліку</a:t>
+            </a:r>
+            <a:endParaRPr lang="ru-RU" sz="2000" dirty="0">
+              <a:latin typeface="Times New Roman" panose="02020603050405020304" pitchFamily="18" charset="0"/>
+              <a:cs typeface="Times New Roman" panose="02020603050405020304" pitchFamily="18" charset="0"/>
+            </a:endParaRPr>
+          </a:p>
+          <a:p>
+            <a:pPr marL="285750" indent="-285750" algn="just">
+              <a:lnSpc>
+                <a:spcPct val="150000"/>
+              </a:lnSpc>
+              <a:buFont typeface="Arial" panose="020B0604020202020204" pitchFamily="34" charset="0"/>
+              <a:buChar char="•"/>
+            </a:pPr>
+            <a:r>
+              <a:rPr lang="ru-RU" sz="2000" dirty="0" err="1">
+                <a:latin typeface="Times New Roman" panose="02020603050405020304" pitchFamily="18" charset="0"/>
+                <a:cs typeface="Times New Roman" panose="02020603050405020304" pitchFamily="18" charset="0"/>
+              </a:rPr>
+              <a:t>Впровадження</a:t>
+            </a:r>
+            <a:r>
+              <a:rPr lang="ru-RU" sz="2000" dirty="0">
+                <a:latin typeface="Times New Roman" panose="02020603050405020304" pitchFamily="18" charset="0"/>
+                <a:cs typeface="Times New Roman" panose="02020603050405020304" pitchFamily="18" charset="0"/>
+              </a:rPr>
+              <a:t> CRM </a:t>
+            </a:r>
+            <a:r>
+              <a:rPr lang="ru-RU" sz="2000" dirty="0" err="1">
+                <a:latin typeface="Times New Roman" panose="02020603050405020304" pitchFamily="18" charset="0"/>
+                <a:cs typeface="Times New Roman" panose="02020603050405020304" pitchFamily="18" charset="0"/>
+              </a:rPr>
+              <a:t>підвищує</a:t>
+            </a:r>
+            <a:r>
+              <a:rPr lang="ru-RU" sz="2000" dirty="0">
+                <a:latin typeface="Times New Roman" panose="02020603050405020304" pitchFamily="18" charset="0"/>
+                <a:cs typeface="Times New Roman" panose="02020603050405020304" pitchFamily="18" charset="0"/>
+              </a:rPr>
+              <a:t> </a:t>
+            </a:r>
+            <a:r>
+              <a:rPr lang="ru-RU" sz="2000" dirty="0" err="1">
+                <a:latin typeface="Times New Roman" panose="02020603050405020304" pitchFamily="18" charset="0"/>
+                <a:cs typeface="Times New Roman" panose="02020603050405020304" pitchFamily="18" charset="0"/>
+              </a:rPr>
+              <a:t>продуктивність</a:t>
+            </a:r>
+            <a:r>
+              <a:rPr lang="ru-RU" sz="2000" dirty="0">
+                <a:latin typeface="Times New Roman" panose="02020603050405020304" pitchFamily="18" charset="0"/>
+                <a:cs typeface="Times New Roman" panose="02020603050405020304" pitchFamily="18" charset="0"/>
+              </a:rPr>
+              <a:t> персоналу та </a:t>
+            </a:r>
+            <a:r>
+              <a:rPr lang="ru-RU" sz="2000" dirty="0" err="1">
+                <a:latin typeface="Times New Roman" panose="02020603050405020304" pitchFamily="18" charset="0"/>
+                <a:cs typeface="Times New Roman" panose="02020603050405020304" pitchFamily="18" charset="0"/>
+              </a:rPr>
+              <a:t>якість</a:t>
+            </a:r>
+            <a:r>
+              <a:rPr lang="ru-RU" sz="2000" dirty="0">
+                <a:latin typeface="Times New Roman" panose="02020603050405020304" pitchFamily="18" charset="0"/>
+                <a:cs typeface="Times New Roman" panose="02020603050405020304" pitchFamily="18" charset="0"/>
+              </a:rPr>
+              <a:t> </a:t>
+            </a:r>
+            <a:r>
+              <a:rPr lang="ru-RU" sz="2000" dirty="0" err="1">
+                <a:latin typeface="Times New Roman" panose="02020603050405020304" pitchFamily="18" charset="0"/>
+                <a:cs typeface="Times New Roman" panose="02020603050405020304" pitchFamily="18" charset="0"/>
+              </a:rPr>
+              <a:t>обслуговування</a:t>
+            </a:r>
+            <a:r>
+              <a:rPr lang="ru-RU" sz="2000" dirty="0">
+                <a:latin typeface="Times New Roman" panose="02020603050405020304" pitchFamily="18" charset="0"/>
+                <a:cs typeface="Times New Roman" panose="02020603050405020304" pitchFamily="18" charset="0"/>
+              </a:rPr>
+              <a:t> </a:t>
+            </a:r>
+            <a:r>
+              <a:rPr lang="ru-RU" sz="2000" dirty="0" err="1">
+                <a:latin typeface="Times New Roman" panose="02020603050405020304" pitchFamily="18" charset="0"/>
+                <a:cs typeface="Times New Roman" panose="02020603050405020304" pitchFamily="18" charset="0"/>
+              </a:rPr>
+              <a:t>клієнтів</a:t>
+            </a:r>
+            <a:r>
+              <a:rPr lang="ru-RU" sz="2000" dirty="0" smtClean="0">
+                <a:latin typeface="Times New Roman" panose="02020603050405020304" pitchFamily="18" charset="0"/>
+                <a:cs typeface="Times New Roman" panose="02020603050405020304" pitchFamily="18" charset="0"/>
+              </a:rPr>
+              <a:t>.</a:t>
+            </a:r>
+            <a:endParaRPr lang="uk-UA" sz="2000" dirty="0">
               <a:latin typeface="Times New Roman" panose="02020603050405020304" pitchFamily="18" charset="0"/>
               <a:cs typeface="Times New Roman" panose="02020603050405020304" pitchFamily="18" charset="0"/>
             </a:endParaRPr>
@@ -9630,223 +10564,10 @@
           </a:p>
         </p:txBody>
       </p:sp>
-      <p:sp>
-        <p:nvSpPr>
-          <p:cNvPr id="2" name="Прямоугольник 1"/>
-          <p:cNvSpPr/>
-          <p:nvPr/>
-        </p:nvSpPr>
-        <p:spPr>
-          <a:xfrm>
-            <a:off x="1310028" y="2811224"/>
-            <a:ext cx="6262548" cy="2585323"/>
-          </a:xfrm>
-          <a:prstGeom prst="rect">
-            <a:avLst/>
-          </a:prstGeom>
-        </p:spPr>
-        <p:txBody>
-          <a:bodyPr wrap="none">
-            <a:spAutoFit/>
-          </a:bodyPr>
-          <a:lstStyle/>
-          <a:p>
-            <a:pPr>
-              <a:lnSpc>
-                <a:spcPct val="150000"/>
-              </a:lnSpc>
-            </a:pPr>
-            <a:r>
-              <a:rPr lang="uk-UA" dirty="0">
-                <a:latin typeface="Times New Roman" panose="02020603050405020304" pitchFamily="18" charset="0"/>
-                <a:cs typeface="Times New Roman" panose="02020603050405020304" pitchFamily="18" charset="0"/>
-              </a:rPr>
-              <a:t>Завдання</a:t>
-            </a:r>
-            <a:r>
-              <a:rPr lang="uk-UA" dirty="0" smtClean="0">
-                <a:latin typeface="Times New Roman" panose="02020603050405020304" pitchFamily="18" charset="0"/>
-                <a:cs typeface="Times New Roman" panose="02020603050405020304" pitchFamily="18" charset="0"/>
-              </a:rPr>
-              <a:t>:</a:t>
-            </a:r>
-            <a:endParaRPr lang="uk-UA" dirty="0">
-              <a:latin typeface="Times New Roman" panose="02020603050405020304" pitchFamily="18" charset="0"/>
-              <a:cs typeface="Times New Roman" panose="02020603050405020304" pitchFamily="18" charset="0"/>
-            </a:endParaRPr>
-          </a:p>
-          <a:p>
-            <a:pPr marL="285750" indent="-285750">
-              <a:lnSpc>
-                <a:spcPct val="150000"/>
-              </a:lnSpc>
-              <a:buFont typeface="Arial" panose="020B0604020202020204" pitchFamily="34" charset="0"/>
-              <a:buChar char="•"/>
-            </a:pPr>
-            <a:r>
-              <a:rPr lang="uk-UA" dirty="0">
-                <a:latin typeface="Times New Roman" panose="02020603050405020304" pitchFamily="18" charset="0"/>
-                <a:cs typeface="Times New Roman" panose="02020603050405020304" pitchFamily="18" charset="0"/>
-              </a:rPr>
-              <a:t>Аналіз </a:t>
-            </a:r>
-            <a:r>
-              <a:rPr lang="uk-UA" dirty="0">
-                <a:latin typeface="Times New Roman" panose="02020603050405020304" pitchFamily="18" charset="0"/>
-                <a:cs typeface="Times New Roman" panose="02020603050405020304" pitchFamily="18" charset="0"/>
-              </a:rPr>
-              <a:t>існуючого аналогічного програмного забезпечення</a:t>
-            </a:r>
-            <a:r>
-              <a:rPr lang="en-US" dirty="0">
-                <a:latin typeface="Times New Roman" panose="02020603050405020304" pitchFamily="18" charset="0"/>
-                <a:cs typeface="Times New Roman" panose="02020603050405020304" pitchFamily="18" charset="0"/>
-              </a:rPr>
-              <a:t>.</a:t>
-            </a:r>
-          </a:p>
-          <a:p>
-            <a:pPr marL="285750" indent="-285750">
-              <a:lnSpc>
-                <a:spcPct val="150000"/>
-              </a:lnSpc>
-              <a:buFont typeface="Arial" panose="020B0604020202020204" pitchFamily="34" charset="0"/>
-              <a:buChar char="•"/>
-            </a:pPr>
-            <a:r>
-              <a:rPr lang="uk-UA" dirty="0" smtClean="0">
-                <a:latin typeface="Times New Roman" panose="02020603050405020304" pitchFamily="18" charset="0"/>
-                <a:cs typeface="Times New Roman" panose="02020603050405020304" pitchFamily="18" charset="0"/>
-              </a:rPr>
-              <a:t>Вибір інструментів розробки</a:t>
-            </a:r>
-            <a:r>
-              <a:rPr lang="en-US" dirty="0" smtClean="0">
-                <a:latin typeface="Times New Roman" panose="02020603050405020304" pitchFamily="18" charset="0"/>
-                <a:cs typeface="Times New Roman" panose="02020603050405020304" pitchFamily="18" charset="0"/>
-              </a:rPr>
-              <a:t>.</a:t>
-            </a:r>
-            <a:endParaRPr lang="uk-UA" dirty="0" smtClean="0">
-              <a:latin typeface="Times New Roman" panose="02020603050405020304" pitchFamily="18" charset="0"/>
-              <a:cs typeface="Times New Roman" panose="02020603050405020304" pitchFamily="18" charset="0"/>
-            </a:endParaRPr>
-          </a:p>
-          <a:p>
-            <a:pPr marL="285750" indent="-285750">
-              <a:lnSpc>
-                <a:spcPct val="150000"/>
-              </a:lnSpc>
-              <a:buFont typeface="Arial" panose="020B0604020202020204" pitchFamily="34" charset="0"/>
-              <a:buChar char="•"/>
-            </a:pPr>
-            <a:r>
-              <a:rPr lang="uk-UA" dirty="0" err="1" smtClean="0">
-                <a:latin typeface="Times New Roman" panose="02020603050405020304" pitchFamily="18" charset="0"/>
-                <a:cs typeface="Times New Roman" panose="02020603050405020304" pitchFamily="18" charset="0"/>
-              </a:rPr>
-              <a:t>Проєктування</a:t>
-            </a:r>
-            <a:r>
-              <a:rPr lang="uk-UA" dirty="0" smtClean="0">
-                <a:latin typeface="Times New Roman" panose="02020603050405020304" pitchFamily="18" charset="0"/>
-                <a:cs typeface="Times New Roman" panose="02020603050405020304" pitchFamily="18" charset="0"/>
-              </a:rPr>
-              <a:t> </a:t>
-            </a:r>
-            <a:r>
-              <a:rPr lang="uk-UA" dirty="0">
-                <a:latin typeface="Times New Roman" panose="02020603050405020304" pitchFamily="18" charset="0"/>
-                <a:cs typeface="Times New Roman" panose="02020603050405020304" pitchFamily="18" charset="0"/>
-              </a:rPr>
-              <a:t>структури </a:t>
-            </a:r>
-            <a:r>
-              <a:rPr lang="uk-UA" dirty="0" smtClean="0">
-                <a:latin typeface="Times New Roman" panose="02020603050405020304" pitchFamily="18" charset="0"/>
-                <a:cs typeface="Times New Roman" panose="02020603050405020304" pitchFamily="18" charset="0"/>
-              </a:rPr>
-              <a:t>веб-платформи.</a:t>
-            </a:r>
-            <a:endParaRPr lang="uk-UA" dirty="0" smtClean="0">
-              <a:latin typeface="Times New Roman" panose="02020603050405020304" pitchFamily="18" charset="0"/>
-              <a:cs typeface="Times New Roman" panose="02020603050405020304" pitchFamily="18" charset="0"/>
-            </a:endParaRPr>
-          </a:p>
-          <a:p>
-            <a:pPr marL="285750" indent="-285750">
-              <a:lnSpc>
-                <a:spcPct val="150000"/>
-              </a:lnSpc>
-              <a:buFont typeface="Arial" panose="020B0604020202020204" pitchFamily="34" charset="0"/>
-              <a:buChar char="•"/>
-            </a:pPr>
-            <a:r>
-              <a:rPr lang="uk-UA" dirty="0" smtClean="0">
-                <a:latin typeface="Times New Roman" panose="02020603050405020304" pitchFamily="18" charset="0"/>
-                <a:cs typeface="Times New Roman" panose="02020603050405020304" pitchFamily="18" charset="0"/>
-              </a:rPr>
-              <a:t>Реалізація </a:t>
-            </a:r>
-            <a:r>
-              <a:rPr lang="uk-UA" dirty="0" smtClean="0">
-                <a:latin typeface="Times New Roman" panose="02020603050405020304" pitchFamily="18" charset="0"/>
-                <a:cs typeface="Times New Roman" panose="02020603050405020304" pitchFamily="18" charset="0"/>
-              </a:rPr>
-              <a:t>модулів </a:t>
-            </a:r>
-            <a:r>
-              <a:rPr lang="en-US" dirty="0" smtClean="0">
-                <a:latin typeface="Times New Roman" panose="02020603050405020304" pitchFamily="18" charset="0"/>
-                <a:cs typeface="Times New Roman" panose="02020603050405020304" pitchFamily="18" charset="0"/>
-              </a:rPr>
-              <a:t>CRM-</a:t>
-            </a:r>
-            <a:r>
-              <a:rPr lang="uk-UA" dirty="0" smtClean="0">
-                <a:latin typeface="Times New Roman" panose="02020603050405020304" pitchFamily="18" charset="0"/>
-                <a:cs typeface="Times New Roman" panose="02020603050405020304" pitchFamily="18" charset="0"/>
-              </a:rPr>
-              <a:t>системи.</a:t>
-            </a:r>
-            <a:endParaRPr lang="uk-UA" dirty="0" smtClean="0">
-              <a:latin typeface="Times New Roman" panose="02020603050405020304" pitchFamily="18" charset="0"/>
-              <a:cs typeface="Times New Roman" panose="02020603050405020304" pitchFamily="18" charset="0"/>
-            </a:endParaRPr>
-          </a:p>
-          <a:p>
-            <a:pPr marL="285750" indent="-285750">
-              <a:lnSpc>
-                <a:spcPct val="150000"/>
-              </a:lnSpc>
-              <a:buFont typeface="Arial" panose="020B0604020202020204" pitchFamily="34" charset="0"/>
-              <a:buChar char="•"/>
-            </a:pPr>
-            <a:r>
-              <a:rPr lang="uk-UA" dirty="0" smtClean="0">
-                <a:latin typeface="Times New Roman" panose="02020603050405020304" pitchFamily="18" charset="0"/>
-                <a:cs typeface="Times New Roman" panose="02020603050405020304" pitchFamily="18" charset="0"/>
-              </a:rPr>
-              <a:t>Розробка </a:t>
-            </a:r>
-            <a:r>
-              <a:rPr lang="uk-UA" dirty="0" smtClean="0">
-                <a:latin typeface="Times New Roman" panose="02020603050405020304" pitchFamily="18" charset="0"/>
-                <a:cs typeface="Times New Roman" panose="02020603050405020304" pitchFamily="18" charset="0"/>
-              </a:rPr>
-              <a:t>клієнтського веб-додатку.</a:t>
-            </a:r>
-            <a:endParaRPr lang="uk-UA" dirty="0">
-              <a:latin typeface="Times New Roman" panose="02020603050405020304" pitchFamily="18" charset="0"/>
-              <a:cs typeface="Times New Roman" panose="02020603050405020304" pitchFamily="18" charset="0"/>
-            </a:endParaRPr>
-          </a:p>
-        </p:txBody>
-      </p:sp>
     </p:spTree>
     <p:extLst>
       <p:ext uri="{BB962C8B-B14F-4D97-AF65-F5344CB8AC3E}">
-        <p14:creationId xmlns:p14="http://schemas.microsoft.com/office/powerpoint/2010/main" val="2815000970"/>
+        <p14:creationId xmlns:p14="http://schemas.microsoft.com/office/powerpoint/2010/main" val="98985509"/>
       </p:ext>
     </p:extLst>
   </p:cSld>
@@ -9937,19 +10658,7 @@
                 <a:latin typeface="Times New Roman" panose="02020603050405020304" pitchFamily="18" charset="0"/>
                 <a:cs typeface="Times New Roman" panose="02020603050405020304" pitchFamily="18" charset="0"/>
               </a:rPr>
-              <a:t>Аналоги </a:t>
-            </a:r>
-            <a:r>
-              <a:rPr lang="uk-UA" dirty="0" smtClean="0">
-                <a:solidFill>
-                  <a:schemeClr val="accent2">
-                    <a:lumMod val="50000"/>
-                  </a:schemeClr>
-                </a:solidFill>
-                <a:latin typeface="Times New Roman" panose="02020603050405020304" pitchFamily="18" charset="0"/>
-                <a:cs typeface="Times New Roman" panose="02020603050405020304" pitchFamily="18" charset="0"/>
-              </a:rPr>
-              <a:t>Веб-платформи</a:t>
+              <a:t>Аналоги Веб-платформи</a:t>
             </a:r>
             <a:endParaRPr lang="en-US" dirty="0">
               <a:solidFill>
@@ -10972,18 +11681,32 @@
               </a:lnSpc>
             </a:pPr>
             <a:r>
-              <a:rPr lang="en-US" dirty="0" err="1" smtClean="0">
-                <a:latin typeface="Times New Roman" panose="02020603050405020304" pitchFamily="18" charset="0"/>
-                <a:cs typeface="Times New Roman" panose="02020603050405020304" pitchFamily="18" charset="0"/>
-              </a:rPr>
-              <a:t>Axios</a:t>
-            </a:r>
-            <a:r>
               <a:rPr lang="en-US" dirty="0" smtClean="0">
                 <a:latin typeface="Times New Roman" panose="02020603050405020304" pitchFamily="18" charset="0"/>
                 <a:cs typeface="Times New Roman" panose="02020603050405020304" pitchFamily="18" charset="0"/>
               </a:rPr>
               <a:t> </a:t>
+            </a:r>
+            <a:r>
+              <a:rPr lang="en-US" dirty="0" smtClean="0">
+                <a:latin typeface="Times New Roman" panose="02020603050405020304" pitchFamily="18" charset="0"/>
+                <a:cs typeface="Times New Roman" panose="02020603050405020304" pitchFamily="18" charset="0"/>
+              </a:rPr>
+              <a:t>V</a:t>
+            </a:r>
+            <a:r>
+              <a:rPr lang="en-US" dirty="0" smtClean="0">
+                <a:latin typeface="Times New Roman" panose="02020603050405020304" pitchFamily="18" charset="0"/>
+                <a:cs typeface="Times New Roman" panose="02020603050405020304" pitchFamily="18" charset="0"/>
+              </a:rPr>
+              <a:t>S </a:t>
+            </a:r>
+            <a:r>
+              <a:rPr lang="en-US" dirty="0" smtClean="0">
+                <a:latin typeface="Times New Roman" panose="02020603050405020304" pitchFamily="18" charset="0"/>
+                <a:cs typeface="Times New Roman" panose="02020603050405020304" pitchFamily="18" charset="0"/>
+              </a:rPr>
+              <a:t>Code</a:t>
             </a:r>
             <a:endParaRPr lang="uk-UA" dirty="0" smtClean="0">
               <a:latin typeface="Times New Roman" panose="02020603050405020304" pitchFamily="18" charset="0"/>
@@ -11001,7 +11724,7 @@
                 <a:latin typeface="Times New Roman" panose="02020603050405020304" pitchFamily="18" charset="0"/>
                 <a:cs typeface="Times New Roman" panose="02020603050405020304" pitchFamily="18" charset="0"/>
               </a:rPr>
-              <a:t>VS Code</a:t>
+              <a:t>SCSS</a:t>
             </a:r>
             <a:endParaRPr lang="uk-UA" dirty="0" smtClean="0">
               <a:latin typeface="Times New Roman" panose="02020603050405020304" pitchFamily="18" charset="0"/>
@@ -11019,12 +11742,8 @@
                 <a:latin typeface="Times New Roman" panose="02020603050405020304" pitchFamily="18" charset="0"/>
                 <a:cs typeface="Times New Roman" panose="02020603050405020304" pitchFamily="18" charset="0"/>
               </a:rPr>
-              <a:t>SCSS</a:t>
-            </a:r>
-            <a:endParaRPr lang="uk-UA" dirty="0" smtClean="0">
-              <a:latin typeface="Times New Roman" panose="02020603050405020304" pitchFamily="18" charset="0"/>
-              <a:cs typeface="Times New Roman" panose="02020603050405020304" pitchFamily="18" charset="0"/>
-            </a:endParaRPr>
+              <a:t>MongoDB </a:t>
+            </a:r>
           </a:p>
           <a:p>
             <a:pPr>
@@ -11037,7 +11756,7 @@
                 <a:latin typeface="Times New Roman" panose="02020603050405020304" pitchFamily="18" charset="0"/>
                 <a:cs typeface="Times New Roman" panose="02020603050405020304" pitchFamily="18" charset="0"/>
               </a:rPr>
-              <a:t>MongoDB </a:t>
+              <a:t>JWT</a:t>
             </a:r>
           </a:p>
           <a:p>
@@ -11047,11 +11766,18 @@
               </a:lnSpc>
             </a:pPr>
             <a:r>
-              <a:rPr lang="en-US" dirty="0" smtClean="0">
-                <a:latin typeface="Times New Roman" panose="02020603050405020304" pitchFamily="18" charset="0"/>
-                <a:cs typeface="Times New Roman" panose="02020603050405020304" pitchFamily="18" charset="0"/>
-              </a:rPr>
-              <a:t>JWT</a:t>
+              <a:rPr lang="ru-RU" dirty="0" err="1" smtClean="0">
+                <a:latin typeface="Times New Roman" panose="02020603050405020304" pitchFamily="18" charset="0"/>
+                <a:cs typeface="Times New Roman" panose="02020603050405020304" pitchFamily="18" charset="0"/>
+              </a:rPr>
+              <a:t>Тощо</a:t>
+            </a:r>
+            <a:r>
+              <a:rPr lang="ru-RU" dirty="0" smtClean="0">
+                <a:latin typeface="Times New Roman" panose="02020603050405020304" pitchFamily="18" charset="0"/>
+                <a:cs typeface="Times New Roman" panose="02020603050405020304" pitchFamily="18" charset="0"/>
+              </a:rPr>
+              <a:t>…</a:t>
             </a:r>
             <a:endParaRPr lang="en-US" dirty="0">
               <a:latin typeface="Times New Roman" panose="02020603050405020304" pitchFamily="18" charset="0"/>
@@ -11461,19 +12187,7 @@
                 <a:latin typeface="Times New Roman" panose="02020603050405020304" pitchFamily="18" charset="0"/>
                 <a:cs typeface="Times New Roman" panose="02020603050405020304" pitchFamily="18" charset="0"/>
               </a:rPr>
-              <a:t> </a:t>
-            </a:r>
-            <a:r>
-              <a:rPr lang="uk-UA" sz="4000" dirty="0" smtClean="0">
-                <a:solidFill>
-                  <a:schemeClr val="accent2">
-                    <a:lumMod val="50000"/>
-                  </a:schemeClr>
-                </a:solidFill>
-                <a:latin typeface="Times New Roman" panose="02020603050405020304" pitchFamily="18" charset="0"/>
-                <a:cs typeface="Times New Roman" panose="02020603050405020304" pitchFamily="18" charset="0"/>
-              </a:rPr>
-              <a:t>варіантів використання</a:t>
+              <a:t> варіантів використання</a:t>
             </a:r>
             <a:endParaRPr lang="en-US" sz="4000" dirty="0">
               <a:solidFill>
@@ -11904,98 +12618,64 @@
       </p:sp>
       <p:pic>
         <p:nvPicPr>
-          <p:cNvPr id="8" name="Рисунок 7"/>
-          <p:cNvPicPr>
-            <a:picLocks noChangeAspect="1"/>
-          </p:cNvPicPr>
+          <p:cNvPr id="12" name="Рисунок 11" descr="C:\Users\maxim\Downloads\VLF1RXCn4BtxAwnUE2tSVQhKgb8a44YLkA0AEV6G6EtQqSnaI-ZspWs90ry2n_8DcpzYl5v7NWbwYTyyZ_FUytWlYItoeMiL1FPyr1S70gGBRKbFI3yehJzwP_JRzMVOyCf97Mm7HXEZ3rifeRE-hUhzBWQeQqjq7z5L5CQsxl1qW_4h1AFNKNPi4CuwXq1KTTdUiiMAs5XaepzSoR (1).png"/>
+          <p:cNvPicPr/>
           <p:nvPr/>
         </p:nvPicPr>
-        <p:blipFill>
-          <a:blip r:embed="rId3"/>
-          <a:stretch>
-            <a:fillRect/>
-          </a:stretch>
+        <p:blipFill rotWithShape="1">
+          <a:blip r:embed="rId3" cstate="print">
+            <a:extLst>
+              <a:ext uri="{28A0092B-C50C-407E-A947-70E740481C1C}">
+                <a14:useLocalDpi xmlns:a14="http://schemas.microsoft.com/office/drawing/2010/main" val="0"/>
+              </a:ext>
+            </a:extLst>
+          </a:blip>
+          <a:srcRect t="53739"/>
+          <a:stretch/>
         </p:blipFill>
-        <p:spPr>
-          <a:xfrm>
-            <a:off x="1159472" y="981116"/>
-            <a:ext cx="5119541" cy="3202223"/>
+        <p:spPr bwMode="auto">
+          <a:xfrm>
+            <a:off x="6147376" y="2341985"/>
+            <a:ext cx="4228264" cy="4059930"/>
           </a:xfrm>
           <a:prstGeom prst="rect">
             <a:avLst/>
           </a:prstGeom>
+          <a:noFill/>
+          <a:ln>
+            <a:noFill/>
+          </a:ln>
         </p:spPr>
       </p:pic>
       <p:pic>
         <p:nvPicPr>
-          <p:cNvPr id="9" name="Рисунок 8"/>
-          <p:cNvPicPr>
-            <a:picLocks noChangeAspect="1"/>
-          </p:cNvPicPr>
+          <p:cNvPr id="13" name="Рисунок 12" descr="C:\Users\maxim\Downloads\VLF1RXCn4BtxAwnUE2tSVQhKgb8a44YLkA0AEV6G6EtQqSnaI-ZspWs90ry2n_8DcpzYl5v7NWbwYTyyZ_FUytWlYItoeMiL1FPyr1S70gGBRKbFI3yehJzwP_JRzMVOyCf97Mm7HXEZ3rifeRE-hUhzBWQeQqjq7z5L5CQsxl1qW_4h1AFNKNPi4CuwXq1KTTdUiiMAs5XaepzSoR (1).png"/>
+          <p:cNvPicPr/>
           <p:nvPr/>
         </p:nvPicPr>
-        <p:blipFill>
-          <a:blip r:embed="rId4"/>
-          <a:stretch>
-            <a:fillRect/>
-          </a:stretch>
+        <p:blipFill rotWithShape="1">
+          <a:blip r:embed="rId3" cstate="print">
+            <a:extLst>
+              <a:ext uri="{28A0092B-C50C-407E-A947-70E740481C1C}">
+                <a14:useLocalDpi xmlns:a14="http://schemas.microsoft.com/office/drawing/2010/main" val="0"/>
+              </a:ext>
+            </a:extLst>
+          </a:blip>
+          <a:srcRect b="46726"/>
+          <a:stretch/>
         </p:blipFill>
-        <p:spPr>
-          <a:xfrm>
-            <a:off x="6540478" y="981116"/>
-            <a:ext cx="5010849" cy="2276793"/>
+        <p:spPr bwMode="auto">
+          <a:xfrm>
+            <a:off x="2157159" y="1336100"/>
+            <a:ext cx="3814152" cy="4467541"/>
           </a:xfrm>
           <a:prstGeom prst="rect">
             <a:avLst/>
           </a:prstGeom>
-        </p:spPr>
-      </p:pic>
-      <p:pic>
-        <p:nvPicPr>
-          <p:cNvPr id="10" name="Рисунок 9"/>
-          <p:cNvPicPr>
-            <a:picLocks noChangeAspect="1"/>
-          </p:cNvPicPr>
-          <p:nvPr/>
-        </p:nvPicPr>
-        <p:blipFill>
-          <a:blip r:embed="rId5"/>
-          <a:stretch>
-            <a:fillRect/>
-          </a:stretch>
-        </p:blipFill>
-        <p:spPr>
-          <a:xfrm>
-            <a:off x="1159472" y="4265641"/>
-            <a:ext cx="5229326" cy="1977398"/>
-          </a:xfrm>
-          <a:prstGeom prst="rect">
-            <a:avLst/>
-          </a:prstGeom>
-        </p:spPr>
-      </p:pic>
-      <p:pic>
-        <p:nvPicPr>
-          <p:cNvPr id="11" name="Рисунок 10"/>
-          <p:cNvPicPr>
-            <a:picLocks noChangeAspect="1"/>
-          </p:cNvPicPr>
-          <p:nvPr/>
-        </p:nvPicPr>
-        <p:blipFill>
-          <a:blip r:embed="rId6"/>
-          <a:stretch>
-            <a:fillRect/>
-          </a:stretch>
-        </p:blipFill>
-        <p:spPr>
-          <a:xfrm>
-            <a:off x="6540478" y="3470988"/>
-            <a:ext cx="4787625" cy="2647376"/>
-          </a:xfrm>
-          <a:prstGeom prst="rect">
-            <a:avLst/>
-          </a:prstGeom>
+          <a:noFill/>
+          <a:ln>
+            <a:noFill/>
+          </a:ln>
         </p:spPr>
       </p:pic>
     </p:spTree>
@@ -12153,7 +12833,7 @@
                 <a:latin typeface="Times New Roman" panose="02020603050405020304" pitchFamily="18" charset="0"/>
                 <a:cs typeface="Times New Roman" panose="02020603050405020304" pitchFamily="18" charset="0"/>
               </a:rPr>
-              <a:t>Аналітика</a:t>
+              <a:t>Діаграма класів</a:t>
             </a:r>
             <a:endParaRPr lang="en-US" sz="4000" dirty="0">
               <a:solidFill>
@@ -12241,56 +12921,41 @@
       </p:sp>
       <p:pic>
         <p:nvPicPr>
-          <p:cNvPr id="2" name="Рисунок 1"/>
-          <p:cNvPicPr>
-            <a:picLocks noChangeAspect="1"/>
-          </p:cNvPicPr>
+          <p:cNvPr id="8" name="Рисунок 7" descr="C:\Users\maxim\Downloads\ZLNDRjD04BxxALQ-04Mfw3MAeaRbKWcLg5NFQ6iFoQhshfaP9uqGTsv877WIE9PdIDw8jJVhUFs3Ued7y_FDDp_ZN19Bv3BFeYZ9996u9q3nDHBYxIULJWKnAhsgNhNCeVqEkLHPMr7OyAt180XD1e7FskX08TCKWQXHVVCybcZICk51AgmuX9N8YhYjMO76C3Egn2fqcJy0LeeKA45Li3.png"/>
+          <p:cNvPicPr/>
           <p:nvPr/>
         </p:nvPicPr>
         <p:blipFill>
-          <a:blip r:embed="rId3"/>
+          <a:blip r:embed="rId3" cstate="print">
+            <a:extLst>
+              <a:ext uri="{28A0092B-C50C-407E-A947-70E740481C1C}">
+                <a14:useLocalDpi xmlns:a14="http://schemas.microsoft.com/office/drawing/2010/main" val="0"/>
+              </a:ext>
+            </a:extLst>
+          </a:blip>
+          <a:srcRect/>
           <a:stretch>
             <a:fillRect/>
           </a:stretch>
         </p:blipFill>
-        <p:spPr>
-          <a:xfrm>
-            <a:off x="1330893" y="1045028"/>
-            <a:ext cx="7362474" cy="2781286"/>
+        <p:spPr bwMode="auto">
+          <a:xfrm>
+            <a:off x="2535588" y="1037447"/>
+            <a:ext cx="6871446" cy="5364467"/>
           </a:xfrm>
           <a:prstGeom prst="rect">
             <a:avLst/>
           </a:prstGeom>
-        </p:spPr>
-      </p:pic>
-      <p:pic>
-        <p:nvPicPr>
-          <p:cNvPr id="8" name="Рисунок 7"/>
-          <p:cNvPicPr>
-            <a:picLocks noChangeAspect="1"/>
-          </p:cNvPicPr>
-          <p:nvPr/>
-        </p:nvPicPr>
-        <p:blipFill>
-          <a:blip r:embed="rId4"/>
-          <a:stretch>
-            <a:fillRect/>
-          </a:stretch>
-        </p:blipFill>
-        <p:spPr>
-          <a:xfrm>
-            <a:off x="6166873" y="2154869"/>
-            <a:ext cx="5757649" cy="3790961"/>
-          </a:xfrm>
-          <a:prstGeom prst="rect">
-            <a:avLst/>
-          </a:prstGeom>
+          <a:noFill/>
+          <a:ln>
+            <a:noFill/>
+          </a:ln>
         </p:spPr>
       </p:pic>
     </p:spTree>
     <p:extLst>
       <p:ext uri="{BB962C8B-B14F-4D97-AF65-F5344CB8AC3E}">
-        <p14:creationId xmlns:p14="http://schemas.microsoft.com/office/powerpoint/2010/main" val="945794018"/>
+        <p14:creationId xmlns:p14="http://schemas.microsoft.com/office/powerpoint/2010/main" val="883154910"/>
       </p:ext>
     </p:extLst>
   </p:cSld>
@@ -12406,6 +13071,58 @@
       </p:pic>
       <p:sp>
         <p:nvSpPr>
+          <p:cNvPr id="4" name="Title 1">
+            <a:extLst>
+              <a:ext uri="{FF2B5EF4-FFF2-40B4-BE49-F238E27FC236}">
+                <a16:creationId xmlns:a16="http://schemas.microsoft.com/office/drawing/2014/main" id="{2CD97761-0B88-A5E8-0B78-C39173D05F4D}"/>
+              </a:ext>
+            </a:extLst>
+          </p:cNvPr>
+          <p:cNvSpPr>
+            <a:spLocks noGrp="1"/>
+          </p:cNvSpPr>
+          <p:nvPr>
+            <p:ph type="title"/>
+          </p:nvPr>
+        </p:nvSpPr>
+        <p:spPr>
+          <a:xfrm>
+            <a:off x="1330893" y="399411"/>
+            <a:ext cx="4640418" cy="499403"/>
+          </a:xfrm>
+        </p:spPr>
+        <p:txBody>
+          <a:bodyPr>
+            <a:normAutofit fontScale="90000"/>
+          </a:bodyPr>
+          <a:lstStyle/>
+          <a:p>
+            <a:r>
+              <a:rPr lang="uk-UA" sz="4000" dirty="0" smtClean="0">
+                <a:solidFill>
+                  <a:schemeClr val="accent2">
+                    <a:lumMod val="50000"/>
+                  </a:schemeClr>
+                </a:solidFill>
+                <a:latin typeface="Times New Roman" panose="02020603050405020304" pitchFamily="18" charset="0"/>
+                <a:cs typeface="Times New Roman" panose="02020603050405020304" pitchFamily="18" charset="0"/>
+              </a:rPr>
+              <a:t>Діаграма декомпозиції</a:t>
+            </a:r>
+            <a:endParaRPr lang="en-US" sz="4000" dirty="0">
+              <a:solidFill>
+                <a:schemeClr val="accent2">
+                  <a:lumMod val="50000"/>
+                </a:schemeClr>
+              </a:solidFill>
+              <a:latin typeface="Times New Roman" panose="02020603050405020304" pitchFamily="18" charset="0"/>
+              <a:cs typeface="Times New Roman" panose="02020603050405020304" pitchFamily="18" charset="0"/>
+            </a:endParaRPr>
+          </a:p>
+        </p:txBody>
+      </p:sp>
+      <p:sp>
+        <p:nvSpPr>
           <p:cNvPr id="7" name="Title 1">
             <a:extLst>
               <a:ext uri="{FF2B5EF4-FFF2-40B4-BE49-F238E27FC236}">
@@ -12453,7 +13170,7 @@
           <a:p>
             <a:pPr algn="ctr"/>
             <a:r>
-              <a:rPr lang="uk-UA" dirty="0" smtClean="0">
+              <a:rPr lang="uk-UA" dirty="0">
                 <a:solidFill>
                   <a:schemeClr val="accent2">
                     <a:lumMod val="50000"/>
@@ -12476,105 +13193,43 @@
           </a:p>
         </p:txBody>
       </p:sp>
-      <p:sp>
-        <p:nvSpPr>
-          <p:cNvPr id="8" name="Title 1">
-            <a:extLst>
-              <a:ext uri="{FF2B5EF4-FFF2-40B4-BE49-F238E27FC236}">
-                <a16:creationId xmlns:a16="http://schemas.microsoft.com/office/drawing/2014/main" id="{2CD97761-0B88-A5E8-0B78-C39173D05F4D}"/>
-              </a:ext>
-            </a:extLst>
-          </p:cNvPr>
-          <p:cNvSpPr txBox="1">
-            <a:spLocks/>
-          </p:cNvSpPr>
-          <p:nvPr/>
-        </p:nvSpPr>
-        <p:spPr>
-          <a:xfrm>
-            <a:off x="1330893" y="399411"/>
-            <a:ext cx="4640418" cy="499403"/>
-          </a:xfrm>
-          <a:prstGeom prst="rect">
-            <a:avLst/>
-          </a:prstGeom>
-        </p:spPr>
-        <p:txBody>
-          <a:bodyPr vert="horz" lIns="91440" tIns="45720" rIns="91440" bIns="45720" rtlCol="0" anchor="b">
-            <a:normAutofit fontScale="90000" lnSpcReduction="20000"/>
-          </a:bodyPr>
-          <a:lstStyle>
-            <a:lvl1pPr algn="l" defTabSz="914400" rtl="0" eaLnBrk="1" latinLnBrk="0" hangingPunct="1">
-              <a:lnSpc>
-                <a:spcPct val="90000"/>
-              </a:lnSpc>
-              <a:spcBef>
-                <a:spcPct val="0"/>
-              </a:spcBef>
-              <a:buNone/>
-              <a:defRPr sz="3600" kern="1200">
-                <a:solidFill>
-                  <a:schemeClr val="tx1"/>
-                </a:solidFill>
-                <a:latin typeface="+mj-lt"/>
-                <a:ea typeface="+mj-ea"/>
-                <a:cs typeface="+mj-cs"/>
-              </a:defRPr>
-            </a:lvl1pPr>
-          </a:lstStyle>
-          <a:p>
-            <a:r>
-              <a:rPr lang="uk-UA" sz="4000" dirty="0" smtClean="0">
-                <a:solidFill>
-                  <a:schemeClr val="accent2">
-                    <a:lumMod val="50000"/>
-                  </a:schemeClr>
-                </a:solidFill>
-                <a:latin typeface="Times New Roman" panose="02020603050405020304" pitchFamily="18" charset="0"/>
-                <a:cs typeface="Times New Roman" panose="02020603050405020304" pitchFamily="18" charset="0"/>
-              </a:rPr>
-              <a:t>Замовлення</a:t>
-            </a:r>
-            <a:endParaRPr lang="en-US" sz="4000" dirty="0">
-              <a:solidFill>
-                <a:schemeClr val="accent2">
-                  <a:lumMod val="50000"/>
-                </a:schemeClr>
-              </a:solidFill>
-              <a:latin typeface="Times New Roman" panose="02020603050405020304" pitchFamily="18" charset="0"/>
-              <a:cs typeface="Times New Roman" panose="02020603050405020304" pitchFamily="18" charset="0"/>
-            </a:endParaRPr>
-          </a:p>
-        </p:txBody>
-      </p:sp>
       <p:pic>
         <p:nvPicPr>
-          <p:cNvPr id="2" name="Рисунок 1"/>
-          <p:cNvPicPr>
-            <a:picLocks noChangeAspect="1"/>
-          </p:cNvPicPr>
+          <p:cNvPr id="9" name="Рисунок 8" descr="C:\Users\maxim\Downloads\VPBFIW9H6CNtFiLTbY2zWj6gHH2zWNzQI2fY5hJpZv0B8Ofm4PIBNk0wEZNEwFWAvtkZpiVSGSAB2uKvz_UTEUUxKxxlLRgzLgDTRrKwXQAvkBagoG2H36I841jOetzOylUB25iP6UoGmCfGPWYG8YuKYmPp6M61H6RoZ2t1jU5XY0NDBDOoD2UFZVPJizHvg3ORjLFESEX3RNYUq6RfyS.png"/>
+          <p:cNvPicPr/>
           <p:nvPr/>
         </p:nvPicPr>
         <p:blipFill>
-          <a:blip r:embed="rId3"/>
+          <a:blip r:embed="rId3">
+            <a:extLst>
+              <a:ext uri="{28A0092B-C50C-407E-A947-70E740481C1C}">
+                <a14:useLocalDpi xmlns:a14="http://schemas.microsoft.com/office/drawing/2010/main" val="0"/>
+              </a:ext>
+            </a:extLst>
+          </a:blip>
+          <a:srcRect/>
           <a:stretch>
             <a:fillRect/>
           </a:stretch>
         </p:blipFill>
-        <p:spPr>
-          <a:xfrm>
-            <a:off x="1204468" y="1763485"/>
-            <a:ext cx="10349009" cy="3713227"/>
+        <p:spPr bwMode="auto">
+          <a:xfrm>
+            <a:off x="2939184" y="1371599"/>
+            <a:ext cx="6064254" cy="4869821"/>
           </a:xfrm>
           <a:prstGeom prst="rect">
             <a:avLst/>
           </a:prstGeom>
+          <a:noFill/>
+          <a:ln>
+            <a:noFill/>
+          </a:ln>
         </p:spPr>
       </p:pic>
     </p:spTree>
     <p:extLst>
       <p:ext uri="{BB962C8B-B14F-4D97-AF65-F5344CB8AC3E}">
-        <p14:creationId xmlns:p14="http://schemas.microsoft.com/office/powerpoint/2010/main" val="3743448985"/>
+        <p14:creationId xmlns:p14="http://schemas.microsoft.com/office/powerpoint/2010/main" val="2607350913"/>
       </p:ext>
     </p:extLst>
   </p:cSld>
@@ -13412,6 +14067,15 @@
 </file>
 
 <file path=customXml/item1.xml><?xml version="1.0" encoding="utf-8"?>
+<?mso-contentType ?>
+<FormTemplates xmlns="http://schemas.microsoft.com/sharepoint/v3/contenttype/forms">
+  <Display>DocumentLibraryForm</Display>
+  <Edit>DocumentLibraryForm</Edit>
+  <New>DocumentLibraryForm</New>
+</FormTemplates>
+</file>
+
+<file path=customXml/item2.xml><?xml version="1.0" encoding="utf-8"?>
 <p:properties xmlns:p="http://schemas.microsoft.com/office/2006/metadata/properties" xmlns:xsi="http://www.w3.org/2001/XMLSchema-instance" xmlns:pc="http://schemas.microsoft.com/office/infopath/2007/PartnerControls">
   <documentManagement>
     <_ip_UnifiedCompliancePolicyUIAction xmlns="http://schemas.microsoft.com/sharepoint/v3" xsi:nil="true"/>
@@ -13429,15 +14093,6 @@
     <MediaServiceKeyPoints xmlns="71af3243-3dd4-4a8d-8c0d-dd76da1f02a5" xsi:nil="true"/>
   </documentManagement>
 </p:properties>
-</file>
-
-<file path=customXml/item2.xml><?xml version="1.0" encoding="utf-8"?>
-<?mso-contentType ?>
-<FormTemplates xmlns="http://schemas.microsoft.com/sharepoint/v3/contenttype/forms">
-  <Display>DocumentLibraryForm</Display>
-  <Edit>DocumentLibraryForm</Edit>
-  <New>DocumentLibraryForm</New>
-</FormTemplates>
 </file>
 
 <file path=customXml/item3.xml><?xml version="1.0" encoding="utf-8"?>
@@ -13753,28 +14408,28 @@
 </file>
 
 <file path=customXml/itemProps1.xml><?xml version="1.0" encoding="utf-8"?>
-<ds:datastoreItem xmlns:ds="http://schemas.openxmlformats.org/officeDocument/2006/customXml" ds:itemID="{CBDD27D0-5B6E-4A0E-95B2-BB37F9D88615}">
+<ds:datastoreItem xmlns:ds="http://schemas.openxmlformats.org/officeDocument/2006/customXml" ds:itemID="{A98CD342-50C4-441F-B4A3-7D5ADB057132}">
   <ds:schemaRefs>
-    <ds:schemaRef ds:uri="16c05727-aa75-4e4a-9b5f-8a80a1165891"/>
-    <ds:schemaRef ds:uri="http://schemas.microsoft.com/office/2006/documentManagement/types"/>
-    <ds:schemaRef ds:uri="http://purl.org/dc/elements/1.1/"/>
-    <ds:schemaRef ds:uri="http://schemas.microsoft.com/office/infopath/2007/PartnerControls"/>
-    <ds:schemaRef ds:uri="http://schemas.openxmlformats.org/package/2006/metadata/core-properties"/>
-    <ds:schemaRef ds:uri="http://schemas.microsoft.com/sharepoint/v3"/>
-    <ds:schemaRef ds:uri="230e9df3-be65-4c73-a93b-d1236ebd677e"/>
-    <ds:schemaRef ds:uri="71af3243-3dd4-4a8d-8c0d-dd76da1f02a5"/>
-    <ds:schemaRef ds:uri="http://purl.org/dc/terms/"/>
-    <ds:schemaRef ds:uri="http://schemas.microsoft.com/office/2006/metadata/properties"/>
-    <ds:schemaRef ds:uri="http://www.w3.org/XML/1998/namespace"/>
-    <ds:schemaRef ds:uri="http://purl.org/dc/dcmitype/"/>
+    <ds:schemaRef ds:uri="http://schemas.microsoft.com/sharepoint/v3/contenttype/forms"/>
   </ds:schemaRefs>
 </ds:datastoreItem>
 </file>
 
 <file path=customXml/itemProps2.xml><?xml version="1.0" encoding="utf-8"?>
-<ds:datastoreItem xmlns:ds="http://schemas.openxmlformats.org/officeDocument/2006/customXml" ds:itemID="{A98CD342-50C4-441F-B4A3-7D5ADB057132}">
+<ds:datastoreItem xmlns:ds="http://schemas.openxmlformats.org/officeDocument/2006/customXml" ds:itemID="{CBDD27D0-5B6E-4A0E-95B2-BB37F9D88615}">
   <ds:schemaRefs>
-    <ds:schemaRef ds:uri="http://schemas.microsoft.com/sharepoint/v3/contenttype/forms"/>
+    <ds:schemaRef ds:uri="http://schemas.microsoft.com/sharepoint/v3"/>
+    <ds:schemaRef ds:uri="230e9df3-be65-4c73-a93b-d1236ebd677e"/>
+    <ds:schemaRef ds:uri="http://purl.org/dc/terms/"/>
+    <ds:schemaRef ds:uri="http://schemas.openxmlformats.org/package/2006/metadata/core-properties"/>
+    <ds:schemaRef ds:uri="16c05727-aa75-4e4a-9b5f-8a80a1165891"/>
+    <ds:schemaRef ds:uri="http://purl.org/dc/dcmitype/"/>
+    <ds:schemaRef ds:uri="http://schemas.microsoft.com/office/infopath/2007/PartnerControls"/>
+    <ds:schemaRef ds:uri="http://schemas.microsoft.com/office/2006/documentManagement/types"/>
+    <ds:schemaRef ds:uri="http://purl.org/dc/elements/1.1/"/>
+    <ds:schemaRef ds:uri="http://schemas.microsoft.com/office/2006/metadata/properties"/>
+    <ds:schemaRef ds:uri="71af3243-3dd4-4a8d-8c0d-dd76da1f02a5"/>
+    <ds:schemaRef ds:uri="http://www.w3.org/XML/1998/namespace"/>
   </ds:schemaRefs>
 </ds:datastoreItem>
 </file>
